--- a/architectures/solutions/provisioning_problem/provisioning_pictures_source.pptx
+++ b/architectures/solutions/provisioning_problem/provisioning_pictures_source.pptx
@@ -6,7 +6,8 @@
   </p:sldMasterIdLst>
   <p:sldIdLst>
     <p:sldId id="257" r:id="rId2"/>
-    <p:sldId id="258" r:id="rId3"/>
+    <p:sldId id="259" r:id="rId3"/>
+    <p:sldId id="258" r:id="rId4"/>
   </p:sldIdLst>
   <p:sldSz cx="12192000" cy="6858000"/>
   <p:notesSz cx="6858000" cy="9144000"/>
@@ -262,7 +263,7 @@
           <a:p>
             <a:fld id="{D1EF0641-0D68-4E02-894A-5016811C665D}" type="datetimeFigureOut">
               <a:rPr lang="de-DE" smtClean="0"/>
-              <a:t>08.08.2021</a:t>
+              <a:t>06.11.2021</a:t>
             </a:fld>
             <a:endParaRPr lang="de-DE"/>
           </a:p>
@@ -462,7 +463,7 @@
           <a:p>
             <a:fld id="{D1EF0641-0D68-4E02-894A-5016811C665D}" type="datetimeFigureOut">
               <a:rPr lang="de-DE" smtClean="0"/>
-              <a:t>08.08.2021</a:t>
+              <a:t>06.11.2021</a:t>
             </a:fld>
             <a:endParaRPr lang="de-DE"/>
           </a:p>
@@ -672,7 +673,7 @@
           <a:p>
             <a:fld id="{D1EF0641-0D68-4E02-894A-5016811C665D}" type="datetimeFigureOut">
               <a:rPr lang="de-DE" smtClean="0"/>
-              <a:t>08.08.2021</a:t>
+              <a:t>06.11.2021</a:t>
             </a:fld>
             <a:endParaRPr lang="de-DE"/>
           </a:p>
@@ -872,7 +873,7 @@
           <a:p>
             <a:fld id="{D1EF0641-0D68-4E02-894A-5016811C665D}" type="datetimeFigureOut">
               <a:rPr lang="de-DE" smtClean="0"/>
-              <a:t>08.08.2021</a:t>
+              <a:t>06.11.2021</a:t>
             </a:fld>
             <a:endParaRPr lang="de-DE"/>
           </a:p>
@@ -1148,7 +1149,7 @@
           <a:p>
             <a:fld id="{D1EF0641-0D68-4E02-894A-5016811C665D}" type="datetimeFigureOut">
               <a:rPr lang="de-DE" smtClean="0"/>
-              <a:t>08.08.2021</a:t>
+              <a:t>06.11.2021</a:t>
             </a:fld>
             <a:endParaRPr lang="de-DE"/>
           </a:p>
@@ -1416,7 +1417,7 @@
           <a:p>
             <a:fld id="{D1EF0641-0D68-4E02-894A-5016811C665D}" type="datetimeFigureOut">
               <a:rPr lang="de-DE" smtClean="0"/>
-              <a:t>08.08.2021</a:t>
+              <a:t>06.11.2021</a:t>
             </a:fld>
             <a:endParaRPr lang="de-DE"/>
           </a:p>
@@ -1831,7 +1832,7 @@
           <a:p>
             <a:fld id="{D1EF0641-0D68-4E02-894A-5016811C665D}" type="datetimeFigureOut">
               <a:rPr lang="de-DE" smtClean="0"/>
-              <a:t>08.08.2021</a:t>
+              <a:t>06.11.2021</a:t>
             </a:fld>
             <a:endParaRPr lang="de-DE"/>
           </a:p>
@@ -1973,7 +1974,7 @@
           <a:p>
             <a:fld id="{D1EF0641-0D68-4E02-894A-5016811C665D}" type="datetimeFigureOut">
               <a:rPr lang="de-DE" smtClean="0"/>
-              <a:t>08.08.2021</a:t>
+              <a:t>06.11.2021</a:t>
             </a:fld>
             <a:endParaRPr lang="de-DE"/>
           </a:p>
@@ -2086,7 +2087,7 @@
           <a:p>
             <a:fld id="{D1EF0641-0D68-4E02-894A-5016811C665D}" type="datetimeFigureOut">
               <a:rPr lang="de-DE" smtClean="0"/>
-              <a:t>08.08.2021</a:t>
+              <a:t>06.11.2021</a:t>
             </a:fld>
             <a:endParaRPr lang="de-DE"/>
           </a:p>
@@ -2399,7 +2400,7 @@
           <a:p>
             <a:fld id="{D1EF0641-0D68-4E02-894A-5016811C665D}" type="datetimeFigureOut">
               <a:rPr lang="de-DE" smtClean="0"/>
-              <a:t>08.08.2021</a:t>
+              <a:t>06.11.2021</a:t>
             </a:fld>
             <a:endParaRPr lang="de-DE"/>
           </a:p>
@@ -2688,7 +2689,7 @@
           <a:p>
             <a:fld id="{D1EF0641-0D68-4E02-894A-5016811C665D}" type="datetimeFigureOut">
               <a:rPr lang="de-DE" smtClean="0"/>
-              <a:t>08.08.2021</a:t>
+              <a:t>06.11.2021</a:t>
             </a:fld>
             <a:endParaRPr lang="de-DE"/>
           </a:p>
@@ -2931,7 +2932,7 @@
           <a:p>
             <a:fld id="{D1EF0641-0D68-4E02-894A-5016811C665D}" type="datetimeFigureOut">
               <a:rPr lang="de-DE" smtClean="0"/>
-              <a:t>08.08.2021</a:t>
+              <a:t>06.11.2021</a:t>
             </a:fld>
             <a:endParaRPr lang="de-DE"/>
           </a:p>
@@ -3702,7 +3703,7 @@
             </a:ln>
             <a:extLst>
               <a:ext uri="{91240B29-F687-4f45-9708-019B960494DF}">
-                <a14:hiddenLine xmlns:a14="http://schemas.microsoft.com/office/drawing/2010/main" xmlns="" w="9525">
+                <a14:hiddenLine xmlns="" xmlns:a14="http://schemas.microsoft.com/office/drawing/2010/main" w="9525">
                   <a:solidFill>
                     <a:srgbClr val="000000"/>
                   </a:solidFill>
@@ -3834,7 +3835,7 @@
             </a:ln>
             <a:extLst>
               <a:ext uri="{91240B29-F687-4f45-9708-019B960494DF}">
-                <a14:hiddenLine xmlns:a14="http://schemas.microsoft.com/office/drawing/2010/main" xmlns="" w="9525">
+                <a14:hiddenLine xmlns="" xmlns:a14="http://schemas.microsoft.com/office/drawing/2010/main" w="9525">
                   <a:solidFill>
                     <a:srgbClr val="000000"/>
                   </a:solidFill>
@@ -4388,7 +4389,7 @@
             </a:ln>
             <a:extLst>
               <a:ext uri="{91240B29-F687-4f45-9708-019B960494DF}">
-                <a14:hiddenLine xmlns:a14="http://schemas.microsoft.com/office/drawing/2010/main" xmlns="" w="9525">
+                <a14:hiddenLine xmlns="" xmlns:a14="http://schemas.microsoft.com/office/drawing/2010/main" w="9525">
                   <a:solidFill>
                     <a:srgbClr val="000000"/>
                   </a:solidFill>
@@ -4874,7 +4875,7 @@
                   </a:ln>
                   <a:extLst>
                     <a:ext uri="{91240B29-F687-4f45-9708-019B960494DF}">
-                      <a14:hiddenLine xmlns:a14="http://schemas.microsoft.com/office/drawing/2010/main" xmlns="" w="9525">
+                      <a14:hiddenLine xmlns="" xmlns:a14="http://schemas.microsoft.com/office/drawing/2010/main" w="9525">
                         <a:solidFill>
                           <a:srgbClr val="000000"/>
                         </a:solidFill>
@@ -5023,7 +5024,7 @@
                   </a:ln>
                   <a:extLst>
                     <a:ext uri="{91240B29-F687-4f45-9708-019B960494DF}">
-                      <a14:hiddenLine xmlns:a14="http://schemas.microsoft.com/office/drawing/2010/main" xmlns="" w="9525">
+                      <a14:hiddenLine xmlns="" xmlns:a14="http://schemas.microsoft.com/office/drawing/2010/main" w="9525">
                         <a:solidFill>
                           <a:srgbClr val="000000"/>
                         </a:solidFill>
@@ -6453,6 +6454,5310 @@
 </file>
 
 <file path=ppt/slides/slide2.xml><?xml version="1.0" encoding="utf-8"?>
+<p:sld xmlns:a="http://schemas.openxmlformats.org/drawingml/2006/main" xmlns:r="http://schemas.openxmlformats.org/officeDocument/2006/relationships" xmlns:p="http://schemas.openxmlformats.org/presentationml/2006/main">
+  <p:cSld>
+    <p:spTree>
+      <p:nvGrpSpPr>
+        <p:cNvPr id="1" name=""/>
+        <p:cNvGrpSpPr/>
+        <p:nvPr/>
+      </p:nvGrpSpPr>
+      <p:grpSpPr>
+        <a:xfrm>
+          <a:off x="0" y="0"/>
+          <a:ext cx="0" cy="0"/>
+          <a:chOff x="0" y="0"/>
+          <a:chExt cx="0" cy="0"/>
+        </a:xfrm>
+      </p:grpSpPr>
+      <p:sp>
+        <p:nvSpPr>
+          <p:cNvPr id="71" name="Rectangle 70">
+            <a:extLst>
+              <a:ext uri="{FF2B5EF4-FFF2-40B4-BE49-F238E27FC236}">
+                <a16:creationId xmlns:a16="http://schemas.microsoft.com/office/drawing/2014/main" id="{515F260F-CA12-4EC1-9F94-DDE749635DA7}"/>
+              </a:ext>
+            </a:extLst>
+          </p:cNvPr>
+          <p:cNvSpPr/>
+          <p:nvPr/>
+        </p:nvSpPr>
+        <p:spPr>
+          <a:xfrm rot="16200000">
+            <a:off x="3946034" y="3467592"/>
+            <a:ext cx="1877379" cy="648069"/>
+          </a:xfrm>
+          <a:prstGeom prst="rect">
+            <a:avLst/>
+          </a:prstGeom>
+          <a:solidFill>
+            <a:schemeClr val="accent2">
+              <a:lumMod val="20000"/>
+              <a:lumOff val="80000"/>
+            </a:schemeClr>
+          </a:solidFill>
+          <a:ln>
+            <a:solidFill>
+              <a:srgbClr val="C00000"/>
+            </a:solidFill>
+            <a:prstDash val="solid"/>
+          </a:ln>
+        </p:spPr>
+        <p:style>
+          <a:lnRef idx="2">
+            <a:schemeClr val="accent1">
+              <a:shade val="50000"/>
+            </a:schemeClr>
+          </a:lnRef>
+          <a:fillRef idx="1">
+            <a:schemeClr val="accent1"/>
+          </a:fillRef>
+          <a:effectRef idx="0">
+            <a:schemeClr val="accent1"/>
+          </a:effectRef>
+          <a:fontRef idx="minor">
+            <a:schemeClr val="lt1"/>
+          </a:fontRef>
+        </p:style>
+        <p:txBody>
+          <a:bodyPr rtlCol="0" anchor="t" anchorCtr="0"/>
+          <a:lstStyle/>
+          <a:p>
+            <a:pPr marL="0" marR="0" lvl="0" indent="0" algn="ctr" defTabSz="914400" rtl="0" eaLnBrk="1" fontAlgn="auto" latinLnBrk="0" hangingPunct="1">
+              <a:lnSpc>
+                <a:spcPct val="100000"/>
+              </a:lnSpc>
+              <a:spcBef>
+                <a:spcPts val="0"/>
+              </a:spcBef>
+              <a:spcAft>
+                <a:spcPts val="0"/>
+              </a:spcAft>
+              <a:buClrTx/>
+              <a:buSzTx/>
+              <a:buFontTx/>
+              <a:buNone/>
+              <a:tabLst/>
+              <a:defRPr/>
+            </a:pPr>
+            <a:r>
+              <a:rPr kumimoji="0" lang="de-DE" sz="1800" b="0" i="0" u="none" strike="noStrike" kern="1200" cap="none" spc="0" normalizeH="0" baseline="0" noProof="0" dirty="0">
+                <a:ln>
+                  <a:noFill/>
+                </a:ln>
+                <a:solidFill>
+                  <a:srgbClr val="C00000"/>
+                </a:solidFill>
+                <a:effectLst/>
+                <a:uLnTx/>
+                <a:uFillTx/>
+                <a:latin typeface="Calibri" panose="020F0502020204030204"/>
+                <a:ea typeface="+mn-ea"/>
+                <a:cs typeface="+mn-cs"/>
+              </a:rPr>
+              <a:t>Pipeline </a:t>
+            </a:r>
+          </a:p>
+          <a:p>
+            <a:pPr marL="0" marR="0" lvl="0" indent="0" algn="ctr" defTabSz="914400" rtl="0" eaLnBrk="1" fontAlgn="auto" latinLnBrk="0" hangingPunct="1">
+              <a:lnSpc>
+                <a:spcPct val="100000"/>
+              </a:lnSpc>
+              <a:spcBef>
+                <a:spcPts val="0"/>
+              </a:spcBef>
+              <a:spcAft>
+                <a:spcPts val="0"/>
+              </a:spcAft>
+              <a:buClrTx/>
+              <a:buSzTx/>
+              <a:buFontTx/>
+              <a:buNone/>
+              <a:tabLst/>
+              <a:defRPr/>
+            </a:pPr>
+            <a:r>
+              <a:rPr kumimoji="0" lang="de-DE" sz="1800" b="0" i="0" u="none" strike="noStrike" kern="1200" cap="none" spc="0" normalizeH="0" baseline="0" noProof="0" dirty="0">
+                <a:ln>
+                  <a:noFill/>
+                </a:ln>
+                <a:solidFill>
+                  <a:srgbClr val="C00000"/>
+                </a:solidFill>
+                <a:effectLst/>
+                <a:uLnTx/>
+                <a:uFillTx/>
+                <a:latin typeface="Calibri" panose="020F0502020204030204"/>
+                <a:ea typeface="+mn-ea"/>
+                <a:cs typeface="+mn-cs"/>
+              </a:rPr>
+              <a:t>(</a:t>
+            </a:r>
+            <a:r>
+              <a:rPr kumimoji="0" lang="de-DE" sz="1800" b="0" i="0" u="none" strike="noStrike" kern="1200" cap="none" spc="0" normalizeH="0" baseline="0" noProof="0" dirty="0" err="1">
+                <a:ln>
+                  <a:noFill/>
+                </a:ln>
+                <a:solidFill>
+                  <a:srgbClr val="C00000"/>
+                </a:solidFill>
+                <a:effectLst/>
+                <a:uLnTx/>
+                <a:uFillTx/>
+                <a:latin typeface="Calibri" panose="020F0502020204030204"/>
+                <a:ea typeface="+mn-ea"/>
+                <a:cs typeface="+mn-cs"/>
+              </a:rPr>
+              <a:t>Validate</a:t>
+            </a:r>
+            <a:r>
+              <a:rPr kumimoji="0" lang="de-DE" sz="1800" b="0" i="0" u="none" strike="noStrike" kern="1200" cap="none" spc="0" normalizeH="0" baseline="0" noProof="0" dirty="0">
+                <a:ln>
+                  <a:noFill/>
+                </a:ln>
+                <a:solidFill>
+                  <a:srgbClr val="C00000"/>
+                </a:solidFill>
+                <a:effectLst/>
+                <a:uLnTx/>
+                <a:uFillTx/>
+                <a:latin typeface="Calibri" panose="020F0502020204030204"/>
+                <a:ea typeface="+mn-ea"/>
+                <a:cs typeface="+mn-cs"/>
+              </a:rPr>
+              <a:t>, </a:t>
+            </a:r>
+            <a:r>
+              <a:rPr kumimoji="0" lang="de-DE" sz="1800" b="0" i="0" u="none" strike="noStrike" kern="1200" cap="none" spc="0" normalizeH="0" baseline="0" noProof="0" dirty="0" err="1">
+                <a:ln>
+                  <a:noFill/>
+                </a:ln>
+                <a:solidFill>
+                  <a:srgbClr val="C00000"/>
+                </a:solidFill>
+                <a:effectLst/>
+                <a:uLnTx/>
+                <a:uFillTx/>
+                <a:latin typeface="Calibri" panose="020F0502020204030204"/>
+                <a:ea typeface="+mn-ea"/>
+                <a:cs typeface="+mn-cs"/>
+              </a:rPr>
+              <a:t>Build</a:t>
+            </a:r>
+            <a:r>
+              <a:rPr kumimoji="0" lang="de-DE" sz="1800" b="0" i="0" u="none" strike="noStrike" kern="1200" cap="none" spc="0" normalizeH="0" baseline="0" noProof="0" dirty="0">
+                <a:ln>
+                  <a:noFill/>
+                </a:ln>
+                <a:solidFill>
+                  <a:srgbClr val="C00000"/>
+                </a:solidFill>
+                <a:effectLst/>
+                <a:uLnTx/>
+                <a:uFillTx/>
+                <a:latin typeface="Calibri" panose="020F0502020204030204"/>
+                <a:ea typeface="+mn-ea"/>
+                <a:cs typeface="+mn-cs"/>
+              </a:rPr>
+              <a:t>)</a:t>
+            </a:r>
+          </a:p>
+        </p:txBody>
+      </p:sp>
+      <p:sp>
+        <p:nvSpPr>
+          <p:cNvPr id="72" name="Rectangle 71">
+            <a:extLst>
+              <a:ext uri="{FF2B5EF4-FFF2-40B4-BE49-F238E27FC236}">
+                <a16:creationId xmlns:a16="http://schemas.microsoft.com/office/drawing/2014/main" id="{D17A87CA-2C11-4533-BE0A-703A64B41269}"/>
+              </a:ext>
+            </a:extLst>
+          </p:cNvPr>
+          <p:cNvSpPr/>
+          <p:nvPr/>
+        </p:nvSpPr>
+        <p:spPr>
+          <a:xfrm>
+            <a:off x="5208758" y="2852938"/>
+            <a:ext cx="1368152" cy="1872205"/>
+          </a:xfrm>
+          <a:prstGeom prst="rect">
+            <a:avLst/>
+          </a:prstGeom>
+          <a:solidFill>
+            <a:schemeClr val="accent1">
+              <a:lumMod val="20000"/>
+              <a:lumOff val="80000"/>
+            </a:schemeClr>
+          </a:solidFill>
+          <a:ln>
+            <a:prstDash val="solid"/>
+          </a:ln>
+        </p:spPr>
+        <p:style>
+          <a:lnRef idx="2">
+            <a:schemeClr val="accent1">
+              <a:shade val="50000"/>
+            </a:schemeClr>
+          </a:lnRef>
+          <a:fillRef idx="1">
+            <a:schemeClr val="accent1"/>
+          </a:fillRef>
+          <a:effectRef idx="0">
+            <a:schemeClr val="accent1"/>
+          </a:effectRef>
+          <a:fontRef idx="minor">
+            <a:schemeClr val="lt1"/>
+          </a:fontRef>
+        </p:style>
+        <p:txBody>
+          <a:bodyPr rtlCol="0" anchor="t" anchorCtr="0"/>
+          <a:lstStyle/>
+          <a:p>
+            <a:pPr marL="0" marR="0" lvl="0" indent="0" algn="ctr" defTabSz="914400" rtl="0" eaLnBrk="1" fontAlgn="auto" latinLnBrk="0" hangingPunct="1">
+              <a:lnSpc>
+                <a:spcPct val="100000"/>
+              </a:lnSpc>
+              <a:spcBef>
+                <a:spcPts val="0"/>
+              </a:spcBef>
+              <a:spcAft>
+                <a:spcPts val="0"/>
+              </a:spcAft>
+              <a:buClrTx/>
+              <a:buSzTx/>
+              <a:buFontTx/>
+              <a:buNone/>
+              <a:tabLst/>
+              <a:defRPr/>
+            </a:pPr>
+            <a:r>
+              <a:rPr kumimoji="0" lang="de-DE" sz="1800" b="0" i="0" u="none" strike="noStrike" kern="1200" cap="none" spc="0" normalizeH="0" baseline="0" noProof="0" dirty="0">
+                <a:ln>
+                  <a:noFill/>
+                </a:ln>
+                <a:solidFill>
+                  <a:srgbClr val="4472C4"/>
+                </a:solidFill>
+                <a:effectLst/>
+                <a:uLnTx/>
+                <a:uFillTx/>
+                <a:latin typeface="Calibri" panose="020F0502020204030204"/>
+                <a:ea typeface="+mn-ea"/>
+                <a:cs typeface="+mn-cs"/>
+              </a:rPr>
+              <a:t>App </a:t>
+            </a:r>
+            <a:r>
+              <a:rPr kumimoji="0" lang="de-DE" sz="1800" b="0" i="0" u="none" strike="noStrike" kern="1200" cap="none" spc="0" normalizeH="0" baseline="0" noProof="0" dirty="0" err="1">
+                <a:ln>
+                  <a:noFill/>
+                </a:ln>
+                <a:solidFill>
+                  <a:srgbClr val="4472C4"/>
+                </a:solidFill>
+                <a:effectLst/>
+                <a:uLnTx/>
+                <a:uFillTx/>
+                <a:latin typeface="Calibri" panose="020F0502020204030204"/>
+                <a:ea typeface="+mn-ea"/>
+                <a:cs typeface="+mn-cs"/>
+              </a:rPr>
+              <a:t>code</a:t>
+            </a:r>
+            <a:endParaRPr kumimoji="0" lang="de-DE" sz="1800" b="0" i="0" u="none" strike="noStrike" kern="1200" cap="none" spc="0" normalizeH="0" baseline="0" noProof="0" dirty="0">
+              <a:ln>
+                <a:noFill/>
+              </a:ln>
+              <a:solidFill>
+                <a:srgbClr val="4472C4"/>
+              </a:solidFill>
+              <a:effectLst/>
+              <a:uLnTx/>
+              <a:uFillTx/>
+              <a:latin typeface="Calibri" panose="020F0502020204030204"/>
+              <a:ea typeface="+mn-ea"/>
+              <a:cs typeface="+mn-cs"/>
+            </a:endParaRPr>
+          </a:p>
+        </p:txBody>
+      </p:sp>
+      <p:sp>
+        <p:nvSpPr>
+          <p:cNvPr id="9" name="Rectangle 8">
+            <a:extLst>
+              <a:ext uri="{FF2B5EF4-FFF2-40B4-BE49-F238E27FC236}">
+                <a16:creationId xmlns:a16="http://schemas.microsoft.com/office/drawing/2014/main" id="{CDF1D192-1282-4271-9221-DF92A9A326C4}"/>
+              </a:ext>
+            </a:extLst>
+          </p:cNvPr>
+          <p:cNvSpPr/>
+          <p:nvPr/>
+        </p:nvSpPr>
+        <p:spPr>
+          <a:xfrm>
+            <a:off x="4192262" y="2420888"/>
+            <a:ext cx="2493770" cy="2664296"/>
+          </a:xfrm>
+          <a:prstGeom prst="rect">
+            <a:avLst/>
+          </a:prstGeom>
+          <a:noFill/>
+          <a:ln>
+            <a:solidFill>
+              <a:srgbClr val="C00000"/>
+            </a:solidFill>
+            <a:prstDash val="dash"/>
+          </a:ln>
+        </p:spPr>
+        <p:style>
+          <a:lnRef idx="2">
+            <a:schemeClr val="accent1">
+              <a:shade val="50000"/>
+            </a:schemeClr>
+          </a:lnRef>
+          <a:fillRef idx="1">
+            <a:schemeClr val="accent1"/>
+          </a:fillRef>
+          <a:effectRef idx="0">
+            <a:schemeClr val="accent1"/>
+          </a:effectRef>
+          <a:fontRef idx="minor">
+            <a:schemeClr val="lt1"/>
+          </a:fontRef>
+        </p:style>
+        <p:txBody>
+          <a:bodyPr rtlCol="0" anchor="t" anchorCtr="0"/>
+          <a:lstStyle/>
+          <a:p>
+            <a:pPr marL="0" marR="0" lvl="0" indent="0" algn="ctr" defTabSz="914400" rtl="0" eaLnBrk="1" fontAlgn="auto" latinLnBrk="0" hangingPunct="1">
+              <a:lnSpc>
+                <a:spcPct val="100000"/>
+              </a:lnSpc>
+              <a:spcBef>
+                <a:spcPts val="0"/>
+              </a:spcBef>
+              <a:spcAft>
+                <a:spcPts val="0"/>
+              </a:spcAft>
+              <a:buClrTx/>
+              <a:buSzTx/>
+              <a:buFontTx/>
+              <a:buNone/>
+              <a:tabLst/>
+              <a:defRPr/>
+            </a:pPr>
+            <a:r>
+              <a:rPr kumimoji="0" lang="de-DE" sz="1800" b="0" i="0" u="none" strike="noStrike" kern="1200" cap="none" spc="0" normalizeH="0" baseline="0" noProof="0" dirty="0">
+                <a:ln>
+                  <a:noFill/>
+                </a:ln>
+                <a:solidFill>
+                  <a:srgbClr val="C00000"/>
+                </a:solidFill>
+                <a:effectLst/>
+                <a:uLnTx/>
+                <a:uFillTx/>
+                <a:latin typeface="Calibri" panose="020F0502020204030204"/>
+                <a:ea typeface="+mn-ea"/>
+                <a:cs typeface="+mn-cs"/>
+              </a:rPr>
+              <a:t>Automation</a:t>
+            </a:r>
+          </a:p>
+        </p:txBody>
+      </p:sp>
+      <p:sp>
+        <p:nvSpPr>
+          <p:cNvPr id="38" name="Rectangle 37">
+            <a:extLst>
+              <a:ext uri="{FF2B5EF4-FFF2-40B4-BE49-F238E27FC236}">
+                <a16:creationId xmlns:a16="http://schemas.microsoft.com/office/drawing/2014/main" id="{B4D2A9C3-9322-4925-9E4A-58D6A10DD2B0}"/>
+              </a:ext>
+            </a:extLst>
+          </p:cNvPr>
+          <p:cNvSpPr/>
+          <p:nvPr/>
+        </p:nvSpPr>
+        <p:spPr>
+          <a:xfrm rot="16200000">
+            <a:off x="3793634" y="3683614"/>
+            <a:ext cx="1877379" cy="648069"/>
+          </a:xfrm>
+          <a:prstGeom prst="rect">
+            <a:avLst/>
+          </a:prstGeom>
+          <a:solidFill>
+            <a:schemeClr val="accent2">
+              <a:lumMod val="20000"/>
+              <a:lumOff val="80000"/>
+            </a:schemeClr>
+          </a:solidFill>
+          <a:ln>
+            <a:solidFill>
+              <a:srgbClr val="C00000"/>
+            </a:solidFill>
+            <a:prstDash val="solid"/>
+          </a:ln>
+        </p:spPr>
+        <p:style>
+          <a:lnRef idx="2">
+            <a:schemeClr val="accent1">
+              <a:shade val="50000"/>
+            </a:schemeClr>
+          </a:lnRef>
+          <a:fillRef idx="1">
+            <a:schemeClr val="accent1"/>
+          </a:fillRef>
+          <a:effectRef idx="0">
+            <a:schemeClr val="accent1"/>
+          </a:effectRef>
+          <a:fontRef idx="minor">
+            <a:schemeClr val="lt1"/>
+          </a:fontRef>
+        </p:style>
+        <p:txBody>
+          <a:bodyPr rtlCol="0" anchor="t" anchorCtr="0"/>
+          <a:lstStyle/>
+          <a:p>
+            <a:pPr marL="0" marR="0" lvl="0" indent="0" algn="ctr" defTabSz="914400" rtl="0" eaLnBrk="1" fontAlgn="auto" latinLnBrk="0" hangingPunct="1">
+              <a:lnSpc>
+                <a:spcPct val="100000"/>
+              </a:lnSpc>
+              <a:spcBef>
+                <a:spcPts val="0"/>
+              </a:spcBef>
+              <a:spcAft>
+                <a:spcPts val="0"/>
+              </a:spcAft>
+              <a:buClrTx/>
+              <a:buSzTx/>
+              <a:buFontTx/>
+              <a:buNone/>
+              <a:tabLst/>
+              <a:defRPr/>
+            </a:pPr>
+            <a:r>
+              <a:rPr kumimoji="0" lang="de-DE" sz="1800" b="0" i="0" u="none" strike="noStrike" kern="1200" cap="none" spc="0" normalizeH="0" baseline="0" noProof="0" dirty="0">
+                <a:ln>
+                  <a:noFill/>
+                </a:ln>
+                <a:solidFill>
+                  <a:srgbClr val="C00000"/>
+                </a:solidFill>
+                <a:effectLst/>
+                <a:uLnTx/>
+                <a:uFillTx/>
+                <a:latin typeface="Calibri" panose="020F0502020204030204"/>
+                <a:ea typeface="+mn-ea"/>
+                <a:cs typeface="+mn-cs"/>
+              </a:rPr>
+              <a:t>Pipeline </a:t>
+            </a:r>
+          </a:p>
+          <a:p>
+            <a:pPr marL="0" marR="0" lvl="0" indent="0" algn="ctr" defTabSz="914400" rtl="0" eaLnBrk="1" fontAlgn="auto" latinLnBrk="0" hangingPunct="1">
+              <a:lnSpc>
+                <a:spcPct val="100000"/>
+              </a:lnSpc>
+              <a:spcBef>
+                <a:spcPts val="0"/>
+              </a:spcBef>
+              <a:spcAft>
+                <a:spcPts val="0"/>
+              </a:spcAft>
+              <a:buClrTx/>
+              <a:buSzTx/>
+              <a:buFontTx/>
+              <a:buNone/>
+              <a:tabLst/>
+              <a:defRPr/>
+            </a:pPr>
+            <a:r>
+              <a:rPr kumimoji="0" lang="de-DE" sz="1800" b="0" i="0" u="none" strike="noStrike" kern="1200" cap="none" spc="0" normalizeH="0" baseline="0" noProof="0" dirty="0">
+                <a:ln>
+                  <a:noFill/>
+                </a:ln>
+                <a:solidFill>
+                  <a:srgbClr val="C00000"/>
+                </a:solidFill>
+                <a:effectLst/>
+                <a:uLnTx/>
+                <a:uFillTx/>
+                <a:latin typeface="Calibri" panose="020F0502020204030204"/>
+                <a:ea typeface="+mn-ea"/>
+                <a:cs typeface="+mn-cs"/>
+              </a:rPr>
+              <a:t>(</a:t>
+            </a:r>
+            <a:r>
+              <a:rPr kumimoji="0" lang="de-DE" sz="1800" b="0" i="0" u="none" strike="noStrike" kern="1200" cap="none" spc="0" normalizeH="0" baseline="0" noProof="0" dirty="0" err="1">
+                <a:ln>
+                  <a:noFill/>
+                </a:ln>
+                <a:solidFill>
+                  <a:srgbClr val="C00000"/>
+                </a:solidFill>
+                <a:effectLst/>
+                <a:uLnTx/>
+                <a:uFillTx/>
+                <a:latin typeface="Calibri" panose="020F0502020204030204"/>
+                <a:ea typeface="+mn-ea"/>
+                <a:cs typeface="+mn-cs"/>
+              </a:rPr>
+              <a:t>Validate</a:t>
+            </a:r>
+            <a:r>
+              <a:rPr kumimoji="0" lang="de-DE" sz="1800" b="0" i="0" u="none" strike="noStrike" kern="1200" cap="none" spc="0" normalizeH="0" baseline="0" noProof="0" dirty="0">
+                <a:ln>
+                  <a:noFill/>
+                </a:ln>
+                <a:solidFill>
+                  <a:srgbClr val="C00000"/>
+                </a:solidFill>
+                <a:effectLst/>
+                <a:uLnTx/>
+                <a:uFillTx/>
+                <a:latin typeface="Calibri" panose="020F0502020204030204"/>
+                <a:ea typeface="+mn-ea"/>
+                <a:cs typeface="+mn-cs"/>
+              </a:rPr>
+              <a:t>, </a:t>
+            </a:r>
+            <a:r>
+              <a:rPr kumimoji="0" lang="de-DE" sz="1800" b="0" i="0" u="none" strike="noStrike" kern="1200" cap="none" spc="0" normalizeH="0" baseline="0" noProof="0" dirty="0" err="1">
+                <a:ln>
+                  <a:noFill/>
+                </a:ln>
+                <a:solidFill>
+                  <a:srgbClr val="C00000"/>
+                </a:solidFill>
+                <a:effectLst/>
+                <a:uLnTx/>
+                <a:uFillTx/>
+                <a:latin typeface="Calibri" panose="020F0502020204030204"/>
+                <a:ea typeface="+mn-ea"/>
+                <a:cs typeface="+mn-cs"/>
+              </a:rPr>
+              <a:t>Build</a:t>
+            </a:r>
+            <a:r>
+              <a:rPr kumimoji="0" lang="de-DE" sz="1800" b="0" i="0" u="none" strike="noStrike" kern="1200" cap="none" spc="0" normalizeH="0" baseline="0" noProof="0" dirty="0">
+                <a:ln>
+                  <a:noFill/>
+                </a:ln>
+                <a:solidFill>
+                  <a:srgbClr val="C00000"/>
+                </a:solidFill>
+                <a:effectLst/>
+                <a:uLnTx/>
+                <a:uFillTx/>
+                <a:latin typeface="Calibri" panose="020F0502020204030204"/>
+                <a:ea typeface="+mn-ea"/>
+                <a:cs typeface="+mn-cs"/>
+              </a:rPr>
+              <a:t>)</a:t>
+            </a:r>
+          </a:p>
+        </p:txBody>
+      </p:sp>
+      <p:sp>
+        <p:nvSpPr>
+          <p:cNvPr id="39" name="Rectangle 38">
+            <a:extLst>
+              <a:ext uri="{FF2B5EF4-FFF2-40B4-BE49-F238E27FC236}">
+                <a16:creationId xmlns:a16="http://schemas.microsoft.com/office/drawing/2014/main" id="{C339F82B-CD98-4AE2-8255-D88DE755F5AF}"/>
+              </a:ext>
+            </a:extLst>
+          </p:cNvPr>
+          <p:cNvSpPr/>
+          <p:nvPr/>
+        </p:nvSpPr>
+        <p:spPr>
+          <a:xfrm>
+            <a:off x="5056358" y="3068961"/>
+            <a:ext cx="1368152" cy="957900"/>
+          </a:xfrm>
+          <a:prstGeom prst="rect">
+            <a:avLst/>
+          </a:prstGeom>
+          <a:solidFill>
+            <a:schemeClr val="accent1">
+              <a:lumMod val="20000"/>
+              <a:lumOff val="80000"/>
+            </a:schemeClr>
+          </a:solidFill>
+          <a:ln>
+            <a:prstDash val="solid"/>
+          </a:ln>
+        </p:spPr>
+        <p:style>
+          <a:lnRef idx="2">
+            <a:schemeClr val="accent1">
+              <a:shade val="50000"/>
+            </a:schemeClr>
+          </a:lnRef>
+          <a:fillRef idx="1">
+            <a:schemeClr val="accent1"/>
+          </a:fillRef>
+          <a:effectRef idx="0">
+            <a:schemeClr val="accent1"/>
+          </a:effectRef>
+          <a:fontRef idx="minor">
+            <a:schemeClr val="lt1"/>
+          </a:fontRef>
+        </p:style>
+        <p:txBody>
+          <a:bodyPr rtlCol="0" anchor="t" anchorCtr="0"/>
+          <a:lstStyle/>
+          <a:p>
+            <a:pPr marL="0" marR="0" lvl="0" indent="0" algn="ctr" defTabSz="914400" rtl="0" eaLnBrk="1" fontAlgn="auto" latinLnBrk="0" hangingPunct="1">
+              <a:lnSpc>
+                <a:spcPct val="100000"/>
+              </a:lnSpc>
+              <a:spcBef>
+                <a:spcPts val="0"/>
+              </a:spcBef>
+              <a:spcAft>
+                <a:spcPts val="0"/>
+              </a:spcAft>
+              <a:buClrTx/>
+              <a:buSzTx/>
+              <a:buFontTx/>
+              <a:buNone/>
+              <a:tabLst/>
+              <a:defRPr/>
+            </a:pPr>
+            <a:r>
+              <a:rPr kumimoji="0" lang="de-DE" sz="1800" b="0" i="0" u="none" strike="noStrike" kern="1200" cap="none" spc="0" normalizeH="0" baseline="0" noProof="0" dirty="0">
+                <a:ln>
+                  <a:noFill/>
+                </a:ln>
+                <a:solidFill>
+                  <a:srgbClr val="4472C4"/>
+                </a:solidFill>
+                <a:effectLst/>
+                <a:uLnTx/>
+                <a:uFillTx/>
+                <a:latin typeface="Calibri" panose="020F0502020204030204"/>
+                <a:ea typeface="+mn-ea"/>
+                <a:cs typeface="+mn-cs"/>
+              </a:rPr>
+              <a:t>App </a:t>
+            </a:r>
+            <a:r>
+              <a:rPr kumimoji="0" lang="de-DE" sz="1800" b="0" i="0" u="none" strike="noStrike" kern="1200" cap="none" spc="0" normalizeH="0" baseline="0" noProof="0" dirty="0" err="1">
+                <a:ln>
+                  <a:noFill/>
+                </a:ln>
+                <a:solidFill>
+                  <a:srgbClr val="4472C4"/>
+                </a:solidFill>
+                <a:effectLst/>
+                <a:uLnTx/>
+                <a:uFillTx/>
+                <a:latin typeface="Calibri" panose="020F0502020204030204"/>
+                <a:ea typeface="+mn-ea"/>
+                <a:cs typeface="+mn-cs"/>
+              </a:rPr>
+              <a:t>code</a:t>
+            </a:r>
+            <a:endParaRPr kumimoji="0" lang="de-DE" sz="1800" b="0" i="0" u="none" strike="noStrike" kern="1200" cap="none" spc="0" normalizeH="0" baseline="0" noProof="0" dirty="0">
+              <a:ln>
+                <a:noFill/>
+              </a:ln>
+              <a:solidFill>
+                <a:srgbClr val="4472C4"/>
+              </a:solidFill>
+              <a:effectLst/>
+              <a:uLnTx/>
+              <a:uFillTx/>
+              <a:latin typeface="Calibri" panose="020F0502020204030204"/>
+              <a:ea typeface="+mn-ea"/>
+              <a:cs typeface="+mn-cs"/>
+            </a:endParaRPr>
+          </a:p>
+        </p:txBody>
+      </p:sp>
+      <p:sp>
+        <p:nvSpPr>
+          <p:cNvPr id="40" name="Rectangle 39">
+            <a:extLst>
+              <a:ext uri="{FF2B5EF4-FFF2-40B4-BE49-F238E27FC236}">
+                <a16:creationId xmlns:a16="http://schemas.microsoft.com/office/drawing/2014/main" id="{F431753D-7F06-41B6-838E-F14B1C8E5D70}"/>
+              </a:ext>
+            </a:extLst>
+          </p:cNvPr>
+          <p:cNvSpPr/>
+          <p:nvPr/>
+        </p:nvSpPr>
+        <p:spPr>
+          <a:xfrm>
+            <a:off x="5056358" y="4026860"/>
+            <a:ext cx="1368152" cy="914308"/>
+          </a:xfrm>
+          <a:prstGeom prst="rect">
+            <a:avLst/>
+          </a:prstGeom>
+          <a:solidFill>
+            <a:schemeClr val="accent1">
+              <a:lumMod val="20000"/>
+              <a:lumOff val="80000"/>
+            </a:schemeClr>
+          </a:solidFill>
+          <a:ln>
+            <a:prstDash val="solid"/>
+          </a:ln>
+        </p:spPr>
+        <p:style>
+          <a:lnRef idx="2">
+            <a:schemeClr val="accent1">
+              <a:shade val="50000"/>
+            </a:schemeClr>
+          </a:lnRef>
+          <a:fillRef idx="1">
+            <a:schemeClr val="accent1"/>
+          </a:fillRef>
+          <a:effectRef idx="0">
+            <a:schemeClr val="accent1"/>
+          </a:effectRef>
+          <a:fontRef idx="minor">
+            <a:schemeClr val="lt1"/>
+          </a:fontRef>
+        </p:style>
+        <p:txBody>
+          <a:bodyPr rtlCol="0" anchor="t" anchorCtr="0"/>
+          <a:lstStyle/>
+          <a:p>
+            <a:pPr marL="0" marR="0" lvl="0" indent="0" algn="ctr" defTabSz="914400" rtl="0" eaLnBrk="1" fontAlgn="auto" latinLnBrk="0" hangingPunct="1">
+              <a:lnSpc>
+                <a:spcPct val="100000"/>
+              </a:lnSpc>
+              <a:spcBef>
+                <a:spcPts val="0"/>
+              </a:spcBef>
+              <a:spcAft>
+                <a:spcPts val="0"/>
+              </a:spcAft>
+              <a:buClrTx/>
+              <a:buSzTx/>
+              <a:buFontTx/>
+              <a:buNone/>
+              <a:tabLst/>
+              <a:defRPr/>
+            </a:pPr>
+            <a:r>
+              <a:rPr kumimoji="0" lang="de-DE" sz="1800" b="0" i="0" u="none" strike="noStrike" kern="1200" cap="none" spc="0" normalizeH="0" baseline="0" noProof="0" dirty="0" err="1">
+                <a:ln>
+                  <a:noFill/>
+                </a:ln>
+                <a:solidFill>
+                  <a:srgbClr val="4472C4"/>
+                </a:solidFill>
+                <a:effectLst/>
+                <a:uLnTx/>
+                <a:uFillTx/>
+                <a:latin typeface="Calibri" panose="020F0502020204030204"/>
+                <a:ea typeface="+mn-ea"/>
+                <a:cs typeface="+mn-cs"/>
+              </a:rPr>
+              <a:t>Infra</a:t>
+            </a:r>
+            <a:r>
+              <a:rPr kumimoji="0" lang="de-DE" sz="1800" b="0" i="0" u="none" strike="noStrike" kern="1200" cap="none" spc="0" normalizeH="0" baseline="0" noProof="0" dirty="0">
+                <a:ln>
+                  <a:noFill/>
+                </a:ln>
+                <a:solidFill>
+                  <a:srgbClr val="4472C4"/>
+                </a:solidFill>
+                <a:effectLst/>
+                <a:uLnTx/>
+                <a:uFillTx/>
+                <a:latin typeface="Calibri" panose="020F0502020204030204"/>
+                <a:ea typeface="+mn-ea"/>
+                <a:cs typeface="+mn-cs"/>
+              </a:rPr>
+              <a:t> </a:t>
+            </a:r>
+            <a:r>
+              <a:rPr kumimoji="0" lang="de-DE" sz="1800" b="0" i="0" u="none" strike="noStrike" kern="1200" cap="none" spc="0" normalizeH="0" baseline="0" noProof="0" dirty="0" err="1">
+                <a:ln>
+                  <a:noFill/>
+                </a:ln>
+                <a:solidFill>
+                  <a:srgbClr val="4472C4"/>
+                </a:solidFill>
+                <a:effectLst/>
+                <a:uLnTx/>
+                <a:uFillTx/>
+                <a:latin typeface="Calibri" panose="020F0502020204030204"/>
+                <a:ea typeface="+mn-ea"/>
+                <a:cs typeface="+mn-cs"/>
+              </a:rPr>
+              <a:t>code</a:t>
+            </a:r>
+            <a:endParaRPr kumimoji="0" lang="de-DE" sz="1800" b="0" i="0" u="none" strike="noStrike" kern="1200" cap="none" spc="0" normalizeH="0" baseline="0" noProof="0" dirty="0">
+              <a:ln>
+                <a:noFill/>
+              </a:ln>
+              <a:solidFill>
+                <a:srgbClr val="4472C4"/>
+              </a:solidFill>
+              <a:effectLst/>
+              <a:uLnTx/>
+              <a:uFillTx/>
+              <a:latin typeface="Calibri" panose="020F0502020204030204"/>
+              <a:ea typeface="+mn-ea"/>
+              <a:cs typeface="+mn-cs"/>
+            </a:endParaRPr>
+          </a:p>
+        </p:txBody>
+      </p:sp>
+      <p:sp>
+        <p:nvSpPr>
+          <p:cNvPr id="58" name="Rectangle 57">
+            <a:extLst>
+              <a:ext uri="{FF2B5EF4-FFF2-40B4-BE49-F238E27FC236}">
+                <a16:creationId xmlns:a16="http://schemas.microsoft.com/office/drawing/2014/main" id="{0B14F721-C722-497D-8E31-F243F1BD2900}"/>
+              </a:ext>
+            </a:extLst>
+          </p:cNvPr>
+          <p:cNvSpPr/>
+          <p:nvPr/>
+        </p:nvSpPr>
+        <p:spPr>
+          <a:xfrm>
+            <a:off x="8040216" y="2420887"/>
+            <a:ext cx="1759721" cy="2448271"/>
+          </a:xfrm>
+          <a:prstGeom prst="rect">
+            <a:avLst/>
+          </a:prstGeom>
+          <a:solidFill>
+            <a:schemeClr val="bg1"/>
+          </a:solidFill>
+          <a:ln>
+            <a:prstDash val="dash"/>
+          </a:ln>
+        </p:spPr>
+        <p:style>
+          <a:lnRef idx="2">
+            <a:schemeClr val="accent1">
+              <a:shade val="50000"/>
+            </a:schemeClr>
+          </a:lnRef>
+          <a:fillRef idx="1">
+            <a:schemeClr val="accent1"/>
+          </a:fillRef>
+          <a:effectRef idx="0">
+            <a:schemeClr val="accent1"/>
+          </a:effectRef>
+          <a:fontRef idx="minor">
+            <a:schemeClr val="lt1"/>
+          </a:fontRef>
+        </p:style>
+        <p:txBody>
+          <a:bodyPr rtlCol="0" anchor="t" anchorCtr="0"/>
+          <a:lstStyle/>
+          <a:p>
+            <a:pPr marL="0" marR="0" lvl="0" indent="0" algn="ctr" defTabSz="914400" rtl="0" eaLnBrk="1" fontAlgn="auto" latinLnBrk="0" hangingPunct="1">
+              <a:lnSpc>
+                <a:spcPct val="100000"/>
+              </a:lnSpc>
+              <a:spcBef>
+                <a:spcPts val="0"/>
+              </a:spcBef>
+              <a:spcAft>
+                <a:spcPts val="0"/>
+              </a:spcAft>
+              <a:buClrTx/>
+              <a:buSzTx/>
+              <a:buFontTx/>
+              <a:buNone/>
+              <a:tabLst/>
+              <a:defRPr/>
+            </a:pPr>
+            <a:endParaRPr kumimoji="0" lang="de-DE" sz="1800" b="0" i="0" u="none" strike="noStrike" kern="1200" cap="none" spc="0" normalizeH="0" baseline="0" noProof="0" dirty="0">
+              <a:ln>
+                <a:noFill/>
+              </a:ln>
+              <a:solidFill>
+                <a:srgbClr val="4472C4"/>
+              </a:solidFill>
+              <a:effectLst/>
+              <a:uLnTx/>
+              <a:uFillTx/>
+              <a:latin typeface="Calibri" panose="020F0502020204030204"/>
+              <a:ea typeface="+mn-ea"/>
+              <a:cs typeface="+mn-cs"/>
+            </a:endParaRPr>
+          </a:p>
+        </p:txBody>
+      </p:sp>
+      <p:sp>
+        <p:nvSpPr>
+          <p:cNvPr id="59" name="Rectangle 58">
+            <a:extLst>
+              <a:ext uri="{FF2B5EF4-FFF2-40B4-BE49-F238E27FC236}">
+                <a16:creationId xmlns:a16="http://schemas.microsoft.com/office/drawing/2014/main" id="{0D672FE7-8349-439B-8203-D5C5A3BC2D77}"/>
+              </a:ext>
+            </a:extLst>
+          </p:cNvPr>
+          <p:cNvSpPr/>
+          <p:nvPr/>
+        </p:nvSpPr>
+        <p:spPr>
+          <a:xfrm>
+            <a:off x="7792662" y="2636912"/>
+            <a:ext cx="1759721" cy="2448272"/>
+          </a:xfrm>
+          <a:prstGeom prst="rect">
+            <a:avLst/>
+          </a:prstGeom>
+          <a:solidFill>
+            <a:schemeClr val="bg1"/>
+          </a:solidFill>
+          <a:ln>
+            <a:solidFill>
+              <a:srgbClr val="C00000"/>
+            </a:solidFill>
+            <a:prstDash val="dash"/>
+          </a:ln>
+        </p:spPr>
+        <p:style>
+          <a:lnRef idx="2">
+            <a:schemeClr val="accent1">
+              <a:shade val="50000"/>
+            </a:schemeClr>
+          </a:lnRef>
+          <a:fillRef idx="1">
+            <a:schemeClr val="accent1"/>
+          </a:fillRef>
+          <a:effectRef idx="0">
+            <a:schemeClr val="accent1"/>
+          </a:effectRef>
+          <a:fontRef idx="minor">
+            <a:schemeClr val="lt1"/>
+          </a:fontRef>
+        </p:style>
+        <p:txBody>
+          <a:bodyPr rtlCol="0" anchor="t" anchorCtr="0"/>
+          <a:lstStyle/>
+          <a:p>
+            <a:pPr marL="0" marR="0" lvl="0" indent="0" algn="ctr" defTabSz="914400" rtl="0" eaLnBrk="1" fontAlgn="auto" latinLnBrk="0" hangingPunct="1">
+              <a:lnSpc>
+                <a:spcPct val="100000"/>
+              </a:lnSpc>
+              <a:spcBef>
+                <a:spcPts val="0"/>
+              </a:spcBef>
+              <a:spcAft>
+                <a:spcPts val="0"/>
+              </a:spcAft>
+              <a:buClrTx/>
+              <a:buSzTx/>
+              <a:buFontTx/>
+              <a:buNone/>
+              <a:tabLst/>
+              <a:defRPr/>
+            </a:pPr>
+            <a:r>
+              <a:rPr kumimoji="0" lang="de-DE" sz="1800" b="0" i="0" u="none" strike="noStrike" kern="1200" cap="none" spc="0" normalizeH="0" baseline="0" noProof="0" dirty="0">
+                <a:ln>
+                  <a:noFill/>
+                </a:ln>
+                <a:solidFill>
+                  <a:srgbClr val="C00000"/>
+                </a:solidFill>
+                <a:effectLst/>
+                <a:uLnTx/>
+                <a:uFillTx/>
+                <a:latin typeface="Calibri" panose="020F0502020204030204"/>
+                <a:ea typeface="+mn-ea"/>
+                <a:cs typeface="+mn-cs"/>
+              </a:rPr>
+              <a:t>Environment</a:t>
+            </a:r>
+          </a:p>
+          <a:p>
+            <a:pPr marL="0" marR="0" lvl="0" indent="0" algn="ctr" defTabSz="914400" rtl="0" eaLnBrk="1" fontAlgn="auto" latinLnBrk="0" hangingPunct="1">
+              <a:lnSpc>
+                <a:spcPct val="100000"/>
+              </a:lnSpc>
+              <a:spcBef>
+                <a:spcPts val="0"/>
+              </a:spcBef>
+              <a:spcAft>
+                <a:spcPts val="0"/>
+              </a:spcAft>
+              <a:buClrTx/>
+              <a:buSzTx/>
+              <a:buFontTx/>
+              <a:buNone/>
+              <a:tabLst/>
+              <a:defRPr/>
+            </a:pPr>
+            <a:r>
+              <a:rPr kumimoji="0" lang="de-DE" sz="1800" b="0" i="0" u="none" strike="noStrike" kern="1200" cap="none" spc="0" normalizeH="0" baseline="0" noProof="0" dirty="0">
+                <a:ln>
+                  <a:noFill/>
+                </a:ln>
+                <a:solidFill>
+                  <a:srgbClr val="C00000"/>
+                </a:solidFill>
+                <a:effectLst/>
+                <a:uLnTx/>
+                <a:uFillTx/>
+                <a:latin typeface="Calibri" panose="020F0502020204030204"/>
+                <a:ea typeface="+mn-ea"/>
+                <a:cs typeface="+mn-cs"/>
+              </a:rPr>
+              <a:t>(e.g. Test)</a:t>
+            </a:r>
+          </a:p>
+        </p:txBody>
+      </p:sp>
+      <p:sp>
+        <p:nvSpPr>
+          <p:cNvPr id="60" name="Rectangle 59">
+            <a:extLst>
+              <a:ext uri="{FF2B5EF4-FFF2-40B4-BE49-F238E27FC236}">
+                <a16:creationId xmlns:a16="http://schemas.microsoft.com/office/drawing/2014/main" id="{408252F8-A6B9-42BC-AE41-125D8CCA452C}"/>
+              </a:ext>
+            </a:extLst>
+          </p:cNvPr>
+          <p:cNvSpPr/>
+          <p:nvPr/>
+        </p:nvSpPr>
+        <p:spPr>
+          <a:xfrm>
+            <a:off x="1343472" y="2996952"/>
+            <a:ext cx="1114744" cy="1728192"/>
+          </a:xfrm>
+          <a:prstGeom prst="rect">
+            <a:avLst/>
+          </a:prstGeom>
+          <a:noFill/>
+          <a:ln>
+            <a:prstDash val="dash"/>
+          </a:ln>
+        </p:spPr>
+        <p:style>
+          <a:lnRef idx="2">
+            <a:schemeClr val="accent1">
+              <a:shade val="50000"/>
+            </a:schemeClr>
+          </a:lnRef>
+          <a:fillRef idx="1">
+            <a:schemeClr val="accent1"/>
+          </a:fillRef>
+          <a:effectRef idx="0">
+            <a:schemeClr val="accent1"/>
+          </a:effectRef>
+          <a:fontRef idx="minor">
+            <a:schemeClr val="lt1"/>
+          </a:fontRef>
+        </p:style>
+        <p:txBody>
+          <a:bodyPr rtlCol="0" anchor="t" anchorCtr="0"/>
+          <a:lstStyle/>
+          <a:p>
+            <a:pPr marL="0" marR="0" lvl="0" indent="0" algn="ctr" defTabSz="914400" rtl="0" eaLnBrk="1" fontAlgn="auto" latinLnBrk="0" hangingPunct="1">
+              <a:lnSpc>
+                <a:spcPct val="100000"/>
+              </a:lnSpc>
+              <a:spcBef>
+                <a:spcPts val="0"/>
+              </a:spcBef>
+              <a:spcAft>
+                <a:spcPts val="0"/>
+              </a:spcAft>
+              <a:buClrTx/>
+              <a:buSzTx/>
+              <a:buFontTx/>
+              <a:buNone/>
+              <a:tabLst/>
+              <a:defRPr/>
+            </a:pPr>
+            <a:r>
+              <a:rPr kumimoji="0" lang="de-DE" sz="1800" b="0" i="0" u="none" strike="noStrike" kern="1200" cap="none" spc="0" normalizeH="0" baseline="0" noProof="0" dirty="0" err="1">
+                <a:ln>
+                  <a:noFill/>
+                </a:ln>
+                <a:solidFill>
+                  <a:srgbClr val="4472C4"/>
+                </a:solidFill>
+                <a:effectLst/>
+                <a:uLnTx/>
+                <a:uFillTx/>
+                <a:latin typeface="Calibri" panose="020F0502020204030204"/>
+                <a:ea typeface="+mn-ea"/>
+                <a:cs typeface="+mn-cs"/>
+              </a:rPr>
+              <a:t>Repo</a:t>
+            </a:r>
+            <a:endParaRPr kumimoji="0" lang="de-DE" sz="1800" b="0" i="0" u="none" strike="noStrike" kern="1200" cap="none" spc="0" normalizeH="0" baseline="0" noProof="0" dirty="0">
+              <a:ln>
+                <a:noFill/>
+              </a:ln>
+              <a:solidFill>
+                <a:srgbClr val="4472C4"/>
+              </a:solidFill>
+              <a:effectLst/>
+              <a:uLnTx/>
+              <a:uFillTx/>
+              <a:latin typeface="Calibri" panose="020F0502020204030204"/>
+              <a:ea typeface="+mn-ea"/>
+              <a:cs typeface="+mn-cs"/>
+            </a:endParaRPr>
+          </a:p>
+        </p:txBody>
+      </p:sp>
+      <p:sp>
+        <p:nvSpPr>
+          <p:cNvPr id="66" name="Rectangle 65">
+            <a:extLst>
+              <a:ext uri="{FF2B5EF4-FFF2-40B4-BE49-F238E27FC236}">
+                <a16:creationId xmlns:a16="http://schemas.microsoft.com/office/drawing/2014/main" id="{C09F8C21-1126-4643-8111-B05349631F2B}"/>
+              </a:ext>
+            </a:extLst>
+          </p:cNvPr>
+          <p:cNvSpPr/>
+          <p:nvPr/>
+        </p:nvSpPr>
+        <p:spPr>
+          <a:xfrm>
+            <a:off x="1430464" y="3437385"/>
+            <a:ext cx="929503" cy="600741"/>
+          </a:xfrm>
+          <a:prstGeom prst="rect">
+            <a:avLst/>
+          </a:prstGeom>
+          <a:solidFill>
+            <a:schemeClr val="accent1">
+              <a:lumMod val="20000"/>
+              <a:lumOff val="80000"/>
+            </a:schemeClr>
+          </a:solidFill>
+          <a:ln>
+            <a:prstDash val="dash"/>
+          </a:ln>
+        </p:spPr>
+        <p:style>
+          <a:lnRef idx="2">
+            <a:schemeClr val="accent1">
+              <a:shade val="50000"/>
+            </a:schemeClr>
+          </a:lnRef>
+          <a:fillRef idx="1">
+            <a:schemeClr val="accent1"/>
+          </a:fillRef>
+          <a:effectRef idx="0">
+            <a:schemeClr val="accent1"/>
+          </a:effectRef>
+          <a:fontRef idx="minor">
+            <a:schemeClr val="lt1"/>
+          </a:fontRef>
+        </p:style>
+        <p:txBody>
+          <a:bodyPr rtlCol="0" anchor="t" anchorCtr="0"/>
+          <a:lstStyle/>
+          <a:p>
+            <a:pPr marL="0" marR="0" lvl="0" indent="0" algn="ctr" defTabSz="914400" rtl="0" eaLnBrk="1" fontAlgn="auto" latinLnBrk="0" hangingPunct="1">
+              <a:lnSpc>
+                <a:spcPct val="100000"/>
+              </a:lnSpc>
+              <a:spcBef>
+                <a:spcPts val="0"/>
+              </a:spcBef>
+              <a:spcAft>
+                <a:spcPts val="0"/>
+              </a:spcAft>
+              <a:buClrTx/>
+              <a:buSzTx/>
+              <a:buFontTx/>
+              <a:buNone/>
+              <a:tabLst/>
+              <a:defRPr/>
+            </a:pPr>
+            <a:r>
+              <a:rPr kumimoji="0" lang="de-DE" sz="1800" b="0" i="0" u="none" strike="noStrike" kern="1200" cap="none" spc="0" normalizeH="0" baseline="0" noProof="0" dirty="0">
+                <a:ln>
+                  <a:noFill/>
+                </a:ln>
+                <a:solidFill>
+                  <a:srgbClr val="4472C4"/>
+                </a:solidFill>
+                <a:effectLst/>
+                <a:uLnTx/>
+                <a:uFillTx/>
+                <a:latin typeface="Calibri" panose="020F0502020204030204"/>
+                <a:ea typeface="+mn-ea"/>
+                <a:cs typeface="+mn-cs"/>
+              </a:rPr>
+              <a:t>App </a:t>
+            </a:r>
+            <a:r>
+              <a:rPr kumimoji="0" lang="de-DE" sz="1800" b="0" i="0" u="none" strike="noStrike" kern="1200" cap="none" spc="0" normalizeH="0" baseline="0" noProof="0" dirty="0" err="1">
+                <a:ln>
+                  <a:noFill/>
+                </a:ln>
+                <a:solidFill>
+                  <a:srgbClr val="4472C4"/>
+                </a:solidFill>
+                <a:effectLst/>
+                <a:uLnTx/>
+                <a:uFillTx/>
+                <a:latin typeface="Calibri" panose="020F0502020204030204"/>
+                <a:ea typeface="+mn-ea"/>
+                <a:cs typeface="+mn-cs"/>
+              </a:rPr>
+              <a:t>code</a:t>
+            </a:r>
+            <a:endParaRPr kumimoji="0" lang="de-DE" sz="1800" b="0" i="0" u="none" strike="noStrike" kern="1200" cap="none" spc="0" normalizeH="0" baseline="0" noProof="0" dirty="0">
+              <a:ln>
+                <a:noFill/>
+              </a:ln>
+              <a:solidFill>
+                <a:srgbClr val="4472C4"/>
+              </a:solidFill>
+              <a:effectLst/>
+              <a:uLnTx/>
+              <a:uFillTx/>
+              <a:latin typeface="Calibri" panose="020F0502020204030204"/>
+              <a:ea typeface="+mn-ea"/>
+              <a:cs typeface="+mn-cs"/>
+            </a:endParaRPr>
+          </a:p>
+        </p:txBody>
+      </p:sp>
+      <p:sp>
+        <p:nvSpPr>
+          <p:cNvPr id="68" name="Rectangle 67">
+            <a:extLst>
+              <a:ext uri="{FF2B5EF4-FFF2-40B4-BE49-F238E27FC236}">
+                <a16:creationId xmlns:a16="http://schemas.microsoft.com/office/drawing/2014/main" id="{0AAF230D-FEE1-49FD-B7AA-5FFBB081906D}"/>
+              </a:ext>
+            </a:extLst>
+          </p:cNvPr>
+          <p:cNvSpPr/>
+          <p:nvPr/>
+        </p:nvSpPr>
+        <p:spPr>
+          <a:xfrm>
+            <a:off x="1430464" y="4038126"/>
+            <a:ext cx="929503" cy="612349"/>
+          </a:xfrm>
+          <a:prstGeom prst="rect">
+            <a:avLst/>
+          </a:prstGeom>
+          <a:solidFill>
+            <a:schemeClr val="accent1">
+              <a:lumMod val="20000"/>
+              <a:lumOff val="80000"/>
+            </a:schemeClr>
+          </a:solidFill>
+          <a:ln>
+            <a:prstDash val="dash"/>
+          </a:ln>
+        </p:spPr>
+        <p:style>
+          <a:lnRef idx="2">
+            <a:schemeClr val="accent1">
+              <a:shade val="50000"/>
+            </a:schemeClr>
+          </a:lnRef>
+          <a:fillRef idx="1">
+            <a:schemeClr val="accent1"/>
+          </a:fillRef>
+          <a:effectRef idx="0">
+            <a:schemeClr val="accent1"/>
+          </a:effectRef>
+          <a:fontRef idx="minor">
+            <a:schemeClr val="lt1"/>
+          </a:fontRef>
+        </p:style>
+        <p:txBody>
+          <a:bodyPr rtlCol="0" anchor="t" anchorCtr="0"/>
+          <a:lstStyle/>
+          <a:p>
+            <a:pPr marL="0" marR="0" lvl="0" indent="0" algn="ctr" defTabSz="914400" rtl="0" eaLnBrk="1" fontAlgn="auto" latinLnBrk="0" hangingPunct="1">
+              <a:lnSpc>
+                <a:spcPct val="100000"/>
+              </a:lnSpc>
+              <a:spcBef>
+                <a:spcPts val="0"/>
+              </a:spcBef>
+              <a:spcAft>
+                <a:spcPts val="0"/>
+              </a:spcAft>
+              <a:buClrTx/>
+              <a:buSzTx/>
+              <a:buFontTx/>
+              <a:buNone/>
+              <a:tabLst/>
+              <a:defRPr/>
+            </a:pPr>
+            <a:r>
+              <a:rPr kumimoji="0" lang="de-DE" sz="1800" b="0" i="0" u="none" strike="noStrike" kern="1200" cap="none" spc="0" normalizeH="0" baseline="0" noProof="0" dirty="0" err="1">
+                <a:ln>
+                  <a:noFill/>
+                </a:ln>
+                <a:solidFill>
+                  <a:srgbClr val="4472C4"/>
+                </a:solidFill>
+                <a:effectLst/>
+                <a:uLnTx/>
+                <a:uFillTx/>
+                <a:latin typeface="Calibri" panose="020F0502020204030204"/>
+                <a:ea typeface="+mn-ea"/>
+                <a:cs typeface="+mn-cs"/>
+              </a:rPr>
+              <a:t>Infra</a:t>
+            </a:r>
+            <a:r>
+              <a:rPr kumimoji="0" lang="de-DE" sz="1800" b="0" i="0" u="none" strike="noStrike" kern="1200" cap="none" spc="0" normalizeH="0" baseline="0" noProof="0" dirty="0">
+                <a:ln>
+                  <a:noFill/>
+                </a:ln>
+                <a:solidFill>
+                  <a:srgbClr val="4472C4"/>
+                </a:solidFill>
+                <a:effectLst/>
+                <a:uLnTx/>
+                <a:uFillTx/>
+                <a:latin typeface="Calibri" panose="020F0502020204030204"/>
+                <a:ea typeface="+mn-ea"/>
+                <a:cs typeface="+mn-cs"/>
+              </a:rPr>
+              <a:t> </a:t>
+            </a:r>
+            <a:r>
+              <a:rPr kumimoji="0" lang="de-DE" sz="1800" b="0" i="0" u="none" strike="noStrike" kern="1200" cap="none" spc="0" normalizeH="0" baseline="0" noProof="0" dirty="0" err="1">
+                <a:ln>
+                  <a:noFill/>
+                </a:ln>
+                <a:solidFill>
+                  <a:srgbClr val="4472C4"/>
+                </a:solidFill>
+                <a:effectLst/>
+                <a:uLnTx/>
+                <a:uFillTx/>
+                <a:latin typeface="Calibri" panose="020F0502020204030204"/>
+                <a:ea typeface="+mn-ea"/>
+                <a:cs typeface="+mn-cs"/>
+              </a:rPr>
+              <a:t>code</a:t>
+            </a:r>
+            <a:endParaRPr kumimoji="0" lang="de-DE" sz="1800" b="0" i="0" u="none" strike="noStrike" kern="1200" cap="none" spc="0" normalizeH="0" baseline="0" noProof="0" dirty="0">
+              <a:ln>
+                <a:noFill/>
+              </a:ln>
+              <a:solidFill>
+                <a:srgbClr val="4472C4"/>
+              </a:solidFill>
+              <a:effectLst/>
+              <a:uLnTx/>
+              <a:uFillTx/>
+              <a:latin typeface="Calibri" panose="020F0502020204030204"/>
+              <a:ea typeface="+mn-ea"/>
+              <a:cs typeface="+mn-cs"/>
+            </a:endParaRPr>
+          </a:p>
+        </p:txBody>
+      </p:sp>
+      <p:sp>
+        <p:nvSpPr>
+          <p:cNvPr id="69" name="Arrow: Right 68">
+            <a:extLst>
+              <a:ext uri="{FF2B5EF4-FFF2-40B4-BE49-F238E27FC236}">
+                <a16:creationId xmlns:a16="http://schemas.microsoft.com/office/drawing/2014/main" id="{B4E14536-3A5B-4250-9A6B-CF8AF716E272}"/>
+              </a:ext>
+            </a:extLst>
+          </p:cNvPr>
+          <p:cNvSpPr/>
+          <p:nvPr/>
+        </p:nvSpPr>
+        <p:spPr>
+          <a:xfrm>
+            <a:off x="2446960" y="3429000"/>
+            <a:ext cx="1704824" cy="482260"/>
+          </a:xfrm>
+          <a:prstGeom prst="rightArrow">
+            <a:avLst/>
+          </a:prstGeom>
+          <a:solidFill>
+            <a:srgbClr val="C00000"/>
+          </a:solidFill>
+          <a:ln>
+            <a:solidFill>
+              <a:srgbClr val="C00000"/>
+            </a:solidFill>
+          </a:ln>
+        </p:spPr>
+        <p:style>
+          <a:lnRef idx="2">
+            <a:schemeClr val="accent1">
+              <a:shade val="50000"/>
+            </a:schemeClr>
+          </a:lnRef>
+          <a:fillRef idx="1">
+            <a:schemeClr val="accent1"/>
+          </a:fillRef>
+          <a:effectRef idx="0">
+            <a:schemeClr val="accent1"/>
+          </a:effectRef>
+          <a:fontRef idx="minor">
+            <a:schemeClr val="lt1"/>
+          </a:fontRef>
+        </p:style>
+        <p:txBody>
+          <a:bodyPr rtlCol="0" anchor="ctr"/>
+          <a:lstStyle/>
+          <a:p>
+            <a:pPr marL="0" marR="0" lvl="0" indent="0" algn="ctr" defTabSz="914400" rtl="0" eaLnBrk="1" fontAlgn="auto" latinLnBrk="0" hangingPunct="1">
+              <a:lnSpc>
+                <a:spcPct val="100000"/>
+              </a:lnSpc>
+              <a:spcBef>
+                <a:spcPts val="0"/>
+              </a:spcBef>
+              <a:spcAft>
+                <a:spcPts val="0"/>
+              </a:spcAft>
+              <a:buClrTx/>
+              <a:buSzTx/>
+              <a:buFontTx/>
+              <a:buNone/>
+              <a:tabLst/>
+              <a:defRPr/>
+            </a:pPr>
+            <a:r>
+              <a:rPr kumimoji="0" lang="de-DE" sz="1800" b="0" i="0" u="none" strike="noStrike" kern="1200" cap="none" spc="0" normalizeH="0" baseline="0" noProof="0" dirty="0">
+                <a:ln>
+                  <a:noFill/>
+                </a:ln>
+                <a:solidFill>
+                  <a:prstClr val="white"/>
+                </a:solidFill>
+                <a:effectLst/>
+                <a:uLnTx/>
+                <a:uFillTx/>
+                <a:latin typeface="Calibri" panose="020F0502020204030204"/>
+                <a:ea typeface="+mn-ea"/>
+                <a:cs typeface="+mn-cs"/>
+              </a:rPr>
+              <a:t>PR, </a:t>
+            </a:r>
+            <a:r>
+              <a:rPr kumimoji="0" lang="de-DE" sz="1800" b="0" i="0" u="none" strike="noStrike" kern="1200" cap="none" spc="0" normalizeH="0" baseline="0" noProof="0" dirty="0" err="1">
+                <a:ln>
+                  <a:noFill/>
+                </a:ln>
+                <a:solidFill>
+                  <a:prstClr val="white"/>
+                </a:solidFill>
+                <a:effectLst/>
+                <a:uLnTx/>
+                <a:uFillTx/>
+                <a:latin typeface="Calibri" panose="020F0502020204030204"/>
+                <a:ea typeface="+mn-ea"/>
+                <a:cs typeface="+mn-cs"/>
+              </a:rPr>
+              <a:t>Commits</a:t>
+            </a:r>
+            <a:endParaRPr kumimoji="0" lang="de-DE" sz="1800" b="0" i="0" u="none" strike="noStrike" kern="1200" cap="none" spc="0" normalizeH="0" baseline="0" noProof="0" dirty="0">
+              <a:ln>
+                <a:noFill/>
+              </a:ln>
+              <a:solidFill>
+                <a:prstClr val="white"/>
+              </a:solidFill>
+              <a:effectLst/>
+              <a:uLnTx/>
+              <a:uFillTx/>
+              <a:latin typeface="Calibri" panose="020F0502020204030204"/>
+              <a:ea typeface="+mn-ea"/>
+              <a:cs typeface="+mn-cs"/>
+            </a:endParaRPr>
+          </a:p>
+        </p:txBody>
+      </p:sp>
+      <p:sp>
+        <p:nvSpPr>
+          <p:cNvPr id="70" name="Arrow: Right 69">
+            <a:extLst>
+              <a:ext uri="{FF2B5EF4-FFF2-40B4-BE49-F238E27FC236}">
+                <a16:creationId xmlns:a16="http://schemas.microsoft.com/office/drawing/2014/main" id="{E4509F9B-E95C-461D-9438-3121300252D3}"/>
+              </a:ext>
+            </a:extLst>
+          </p:cNvPr>
+          <p:cNvSpPr/>
+          <p:nvPr/>
+        </p:nvSpPr>
+        <p:spPr>
+          <a:xfrm>
+            <a:off x="6712542" y="3789040"/>
+            <a:ext cx="1053611" cy="432048"/>
+          </a:xfrm>
+          <a:prstGeom prst="rightArrow">
+            <a:avLst/>
+          </a:prstGeom>
+          <a:solidFill>
+            <a:srgbClr val="C00000"/>
+          </a:solidFill>
+          <a:ln>
+            <a:solidFill>
+              <a:srgbClr val="C00000"/>
+            </a:solidFill>
+          </a:ln>
+        </p:spPr>
+        <p:style>
+          <a:lnRef idx="2">
+            <a:schemeClr val="accent1">
+              <a:shade val="50000"/>
+            </a:schemeClr>
+          </a:lnRef>
+          <a:fillRef idx="1">
+            <a:schemeClr val="accent1"/>
+          </a:fillRef>
+          <a:effectRef idx="0">
+            <a:schemeClr val="accent1"/>
+          </a:effectRef>
+          <a:fontRef idx="minor">
+            <a:schemeClr val="lt1"/>
+          </a:fontRef>
+        </p:style>
+        <p:txBody>
+          <a:bodyPr rtlCol="0" anchor="ctr"/>
+          <a:lstStyle/>
+          <a:p>
+            <a:pPr marL="0" marR="0" lvl="0" indent="0" algn="ctr" defTabSz="914400" rtl="0" eaLnBrk="1" fontAlgn="auto" latinLnBrk="0" hangingPunct="1">
+              <a:lnSpc>
+                <a:spcPct val="100000"/>
+              </a:lnSpc>
+              <a:spcBef>
+                <a:spcPts val="0"/>
+              </a:spcBef>
+              <a:spcAft>
+                <a:spcPts val="0"/>
+              </a:spcAft>
+              <a:buClrTx/>
+              <a:buSzTx/>
+              <a:buFontTx/>
+              <a:buNone/>
+              <a:tabLst/>
+              <a:defRPr/>
+            </a:pPr>
+            <a:r>
+              <a:rPr kumimoji="0" lang="de-DE" sz="1800" b="0" i="0" u="none" strike="noStrike" kern="1200" cap="none" spc="0" normalizeH="0" baseline="0" noProof="0" dirty="0" err="1">
+                <a:ln>
+                  <a:noFill/>
+                </a:ln>
+                <a:solidFill>
+                  <a:prstClr val="white"/>
+                </a:solidFill>
+                <a:effectLst/>
+                <a:uLnTx/>
+                <a:uFillTx/>
+                <a:latin typeface="Calibri" panose="020F0502020204030204"/>
+                <a:ea typeface="+mn-ea"/>
+                <a:cs typeface="+mn-cs"/>
+              </a:rPr>
+              <a:t>Deploy</a:t>
+            </a:r>
+            <a:endParaRPr kumimoji="0" lang="de-DE" sz="1800" b="0" i="0" u="none" strike="noStrike" kern="1200" cap="none" spc="0" normalizeH="0" baseline="0" noProof="0" dirty="0">
+              <a:ln>
+                <a:noFill/>
+              </a:ln>
+              <a:solidFill>
+                <a:prstClr val="white"/>
+              </a:solidFill>
+              <a:effectLst/>
+              <a:uLnTx/>
+              <a:uFillTx/>
+              <a:latin typeface="Calibri" panose="020F0502020204030204"/>
+              <a:ea typeface="+mn-ea"/>
+              <a:cs typeface="+mn-cs"/>
+            </a:endParaRPr>
+          </a:p>
+        </p:txBody>
+      </p:sp>
+      <p:sp>
+        <p:nvSpPr>
+          <p:cNvPr id="2" name="Arrow: Left 1">
+            <a:extLst>
+              <a:ext uri="{FF2B5EF4-FFF2-40B4-BE49-F238E27FC236}">
+                <a16:creationId xmlns:a16="http://schemas.microsoft.com/office/drawing/2014/main" id="{CEDD3F12-EBFB-4253-910F-FC6D67DB9C86}"/>
+              </a:ext>
+            </a:extLst>
+          </p:cNvPr>
+          <p:cNvSpPr/>
+          <p:nvPr/>
+        </p:nvSpPr>
+        <p:spPr>
+          <a:xfrm>
+            <a:off x="2454766" y="3861048"/>
+            <a:ext cx="1704824" cy="454584"/>
+          </a:xfrm>
+          <a:prstGeom prst="leftArrow">
+            <a:avLst/>
+          </a:prstGeom>
+          <a:solidFill>
+            <a:srgbClr val="C00000"/>
+          </a:solidFill>
+          <a:ln>
+            <a:solidFill>
+              <a:srgbClr val="C00000"/>
+            </a:solidFill>
+          </a:ln>
+        </p:spPr>
+        <p:style>
+          <a:lnRef idx="2">
+            <a:schemeClr val="accent1">
+              <a:shade val="50000"/>
+            </a:schemeClr>
+          </a:lnRef>
+          <a:fillRef idx="1">
+            <a:schemeClr val="accent1"/>
+          </a:fillRef>
+          <a:effectRef idx="0">
+            <a:schemeClr val="accent1"/>
+          </a:effectRef>
+          <a:fontRef idx="minor">
+            <a:schemeClr val="lt1"/>
+          </a:fontRef>
+        </p:style>
+        <p:txBody>
+          <a:bodyPr rtlCol="0" anchor="ctr"/>
+          <a:lstStyle/>
+          <a:p>
+            <a:pPr marL="0" marR="0" lvl="0" indent="0" algn="ctr" defTabSz="914400" rtl="0" eaLnBrk="1" fontAlgn="auto" latinLnBrk="0" hangingPunct="1">
+              <a:lnSpc>
+                <a:spcPct val="100000"/>
+              </a:lnSpc>
+              <a:spcBef>
+                <a:spcPts val="0"/>
+              </a:spcBef>
+              <a:spcAft>
+                <a:spcPts val="0"/>
+              </a:spcAft>
+              <a:buClrTx/>
+              <a:buSzTx/>
+              <a:buFontTx/>
+              <a:buNone/>
+              <a:tabLst/>
+              <a:defRPr/>
+            </a:pPr>
+            <a:r>
+              <a:rPr kumimoji="0" lang="de-DE" sz="1800" b="0" i="0" u="none" strike="noStrike" kern="1200" cap="none" spc="0" normalizeH="0" baseline="0" noProof="0" dirty="0" err="1">
+                <a:ln>
+                  <a:noFill/>
+                </a:ln>
+                <a:solidFill>
+                  <a:prstClr val="white"/>
+                </a:solidFill>
+                <a:effectLst/>
+                <a:uLnTx/>
+                <a:uFillTx/>
+                <a:latin typeface="Calibri" panose="020F0502020204030204"/>
+                <a:ea typeface="+mn-ea"/>
+                <a:cs typeface="+mn-cs"/>
+              </a:rPr>
+              <a:t>Traceability</a:t>
+            </a:r>
+            <a:endParaRPr kumimoji="0" lang="de-DE" sz="1800" b="0" i="0" u="none" strike="noStrike" kern="1200" cap="none" spc="0" normalizeH="0" baseline="0" noProof="0" dirty="0">
+              <a:ln>
+                <a:noFill/>
+              </a:ln>
+              <a:solidFill>
+                <a:prstClr val="white"/>
+              </a:solidFill>
+              <a:effectLst/>
+              <a:uLnTx/>
+              <a:uFillTx/>
+              <a:latin typeface="Calibri" panose="020F0502020204030204"/>
+              <a:ea typeface="+mn-ea"/>
+              <a:cs typeface="+mn-cs"/>
+            </a:endParaRPr>
+          </a:p>
+        </p:txBody>
+      </p:sp>
+      <p:sp>
+        <p:nvSpPr>
+          <p:cNvPr id="56" name="Speech Bubble: Rectangle with Corners Rounded 55">
+            <a:extLst>
+              <a:ext uri="{FF2B5EF4-FFF2-40B4-BE49-F238E27FC236}">
+                <a16:creationId xmlns:a16="http://schemas.microsoft.com/office/drawing/2014/main" id="{7B35FE77-4886-47F9-9269-F3E01F8CAF60}"/>
+              </a:ext>
+            </a:extLst>
+          </p:cNvPr>
+          <p:cNvSpPr/>
+          <p:nvPr/>
+        </p:nvSpPr>
+        <p:spPr>
+          <a:xfrm>
+            <a:off x="2896118" y="701258"/>
+            <a:ext cx="4280002" cy="855534"/>
+          </a:xfrm>
+          <a:prstGeom prst="wedgeRoundRectCallout">
+            <a:avLst>
+              <a:gd name="adj1" fmla="val -60715"/>
+              <a:gd name="adj2" fmla="val 81543"/>
+              <a:gd name="adj3" fmla="val 16667"/>
+            </a:avLst>
+          </a:prstGeom>
+          <a:solidFill>
+            <a:schemeClr val="accent6">
+              <a:lumMod val="50000"/>
+            </a:schemeClr>
+          </a:solidFill>
+          <a:ln>
+            <a:solidFill>
+              <a:schemeClr val="accent6">
+                <a:lumMod val="50000"/>
+              </a:schemeClr>
+            </a:solidFill>
+          </a:ln>
+        </p:spPr>
+        <p:style>
+          <a:lnRef idx="2">
+            <a:schemeClr val="accent1">
+              <a:shade val="50000"/>
+            </a:schemeClr>
+          </a:lnRef>
+          <a:fillRef idx="1">
+            <a:schemeClr val="accent1"/>
+          </a:fillRef>
+          <a:effectRef idx="0">
+            <a:schemeClr val="accent1"/>
+          </a:effectRef>
+          <a:fontRef idx="minor">
+            <a:schemeClr val="lt1"/>
+          </a:fontRef>
+        </p:style>
+        <p:txBody>
+          <a:bodyPr rtlCol="0" anchor="ctr"/>
+          <a:lstStyle/>
+          <a:p>
+            <a:pPr marL="0" marR="0" lvl="0" indent="0" algn="l" defTabSz="914400" rtl="0" eaLnBrk="1" fontAlgn="auto" latinLnBrk="0" hangingPunct="1">
+              <a:lnSpc>
+                <a:spcPct val="100000"/>
+              </a:lnSpc>
+              <a:spcBef>
+                <a:spcPts val="0"/>
+              </a:spcBef>
+              <a:spcAft>
+                <a:spcPts val="0"/>
+              </a:spcAft>
+              <a:buClrTx/>
+              <a:buSzTx/>
+              <a:buFontTx/>
+              <a:buNone/>
+              <a:tabLst/>
+              <a:defRPr/>
+            </a:pPr>
+            <a:r>
+              <a:rPr kumimoji="0" lang="de-DE" sz="1800" b="1" i="0" u="none" strike="noStrike" kern="1200" cap="none" spc="0" normalizeH="0" baseline="0" noProof="0" dirty="0" err="1">
+                <a:ln>
+                  <a:noFill/>
+                </a:ln>
+                <a:solidFill>
+                  <a:prstClr val="white"/>
+                </a:solidFill>
+                <a:effectLst/>
+                <a:uLnTx/>
+                <a:uFillTx/>
+                <a:latin typeface="Calibri" panose="020F0502020204030204"/>
+                <a:ea typeface="+mn-ea"/>
+                <a:cs typeface="+mn-cs"/>
+              </a:rPr>
+              <a:t>Entire</a:t>
+            </a:r>
+            <a:r>
+              <a:rPr kumimoji="0" lang="de-DE" sz="1800" b="1" i="0" u="none" strike="noStrike" kern="1200" cap="none" spc="0" normalizeH="0" baseline="0" noProof="0" dirty="0">
+                <a:ln>
+                  <a:noFill/>
+                </a:ln>
+                <a:solidFill>
+                  <a:prstClr val="white"/>
+                </a:solidFill>
+                <a:effectLst/>
+                <a:uLnTx/>
+                <a:uFillTx/>
+                <a:latin typeface="Calibri" panose="020F0502020204030204"/>
+                <a:ea typeface="+mn-ea"/>
+                <a:cs typeface="+mn-cs"/>
+              </a:rPr>
+              <a:t> </a:t>
+            </a:r>
+            <a:r>
+              <a:rPr kumimoji="0" lang="de-DE" sz="1800" b="1" i="0" u="none" strike="noStrike" kern="1200" cap="none" spc="0" normalizeH="0" baseline="0" noProof="0" dirty="0" err="1">
+                <a:ln>
+                  <a:noFill/>
+                </a:ln>
+                <a:solidFill>
+                  <a:prstClr val="white"/>
+                </a:solidFill>
+                <a:effectLst/>
+                <a:uLnTx/>
+                <a:uFillTx/>
+                <a:latin typeface="Calibri" panose="020F0502020204030204"/>
+                <a:ea typeface="+mn-ea"/>
+                <a:cs typeface="+mn-cs"/>
+              </a:rPr>
+              <a:t>process</a:t>
+            </a:r>
+            <a:r>
+              <a:rPr kumimoji="0" lang="de-DE" sz="1800" b="0" i="0" u="none" strike="noStrike" kern="1200" cap="none" spc="0" normalizeH="0" baseline="0" noProof="0" dirty="0">
+                <a:ln>
+                  <a:noFill/>
+                </a:ln>
+                <a:solidFill>
+                  <a:prstClr val="white"/>
+                </a:solidFill>
+                <a:effectLst/>
+                <a:uLnTx/>
+                <a:uFillTx/>
+                <a:latin typeface="Calibri" panose="020F0502020204030204"/>
+                <a:ea typeface="+mn-ea"/>
+                <a:cs typeface="+mn-cs"/>
+              </a:rPr>
+              <a:t> </a:t>
+            </a:r>
+            <a:r>
+              <a:rPr kumimoji="0" lang="de-DE" sz="1800" b="0" i="0" u="none" strike="noStrike" kern="1200" cap="none" spc="0" normalizeH="0" baseline="0" noProof="0" dirty="0" err="1">
+                <a:ln>
+                  <a:noFill/>
+                </a:ln>
+                <a:solidFill>
+                  <a:prstClr val="white"/>
+                </a:solidFill>
+                <a:effectLst/>
+                <a:uLnTx/>
+                <a:uFillTx/>
+                <a:latin typeface="Calibri" panose="020F0502020204030204"/>
+                <a:ea typeface="+mn-ea"/>
+                <a:cs typeface="+mn-cs"/>
+              </a:rPr>
+              <a:t>with</a:t>
+            </a:r>
+            <a:r>
+              <a:rPr kumimoji="0" lang="de-DE" sz="1800" b="0" i="0" u="none" strike="noStrike" kern="1200" cap="none" spc="0" normalizeH="0" baseline="0" noProof="0" dirty="0">
+                <a:ln>
+                  <a:noFill/>
+                </a:ln>
+                <a:solidFill>
+                  <a:prstClr val="white"/>
+                </a:solidFill>
+                <a:effectLst/>
+                <a:uLnTx/>
+                <a:uFillTx/>
+                <a:latin typeface="Calibri" panose="020F0502020204030204"/>
+                <a:ea typeface="+mn-ea"/>
+                <a:cs typeface="+mn-cs"/>
+              </a:rPr>
+              <a:t> </a:t>
+            </a:r>
+            <a:r>
+              <a:rPr kumimoji="0" lang="de-DE" sz="1800" b="0" i="0" u="none" strike="noStrike" kern="1200" cap="none" spc="0" normalizeH="0" baseline="0" noProof="0" dirty="0" err="1">
+                <a:ln>
+                  <a:noFill/>
+                </a:ln>
+                <a:solidFill>
+                  <a:prstClr val="white"/>
+                </a:solidFill>
+                <a:effectLst/>
+                <a:uLnTx/>
+                <a:uFillTx/>
+                <a:latin typeface="Calibri" panose="020F0502020204030204"/>
+                <a:ea typeface="+mn-ea"/>
+                <a:cs typeface="+mn-cs"/>
+              </a:rPr>
+              <a:t>cross</a:t>
+            </a:r>
+            <a:r>
+              <a:rPr kumimoji="0" lang="de-DE" sz="1800" b="0" i="0" u="none" strike="noStrike" kern="1200" cap="none" spc="0" normalizeH="0" baseline="0" noProof="0" dirty="0">
+                <a:ln>
+                  <a:noFill/>
+                </a:ln>
+                <a:solidFill>
+                  <a:prstClr val="white"/>
+                </a:solidFill>
+                <a:effectLst/>
+                <a:uLnTx/>
+                <a:uFillTx/>
+                <a:latin typeface="Calibri" panose="020F0502020204030204"/>
+                <a:ea typeface="+mn-ea"/>
+                <a:cs typeface="+mn-cs"/>
+              </a:rPr>
+              <a:t> </a:t>
+            </a:r>
+            <a:r>
+              <a:rPr kumimoji="0" lang="de-DE" sz="1800" b="0" i="0" u="none" strike="noStrike" kern="1200" cap="none" spc="0" normalizeH="0" baseline="0" noProof="0" dirty="0" err="1">
+                <a:ln>
+                  <a:noFill/>
+                </a:ln>
+                <a:solidFill>
+                  <a:prstClr val="white"/>
+                </a:solidFill>
+                <a:effectLst/>
+                <a:uLnTx/>
+                <a:uFillTx/>
+                <a:latin typeface="Calibri" panose="020F0502020204030204"/>
+                <a:ea typeface="+mn-ea"/>
+                <a:cs typeface="+mn-cs"/>
+              </a:rPr>
+              <a:t>concerns</a:t>
+            </a:r>
+            <a:r>
+              <a:rPr kumimoji="0" lang="de-DE" sz="1800" b="0" i="0" u="none" strike="noStrike" kern="1200" cap="none" spc="0" normalizeH="0" baseline="0" noProof="0" dirty="0">
+                <a:ln>
+                  <a:noFill/>
+                </a:ln>
+                <a:solidFill>
+                  <a:prstClr val="white"/>
+                </a:solidFill>
+                <a:effectLst/>
+                <a:uLnTx/>
+                <a:uFillTx/>
+                <a:latin typeface="Calibri" panose="020F0502020204030204"/>
+                <a:ea typeface="+mn-ea"/>
+                <a:cs typeface="+mn-cs"/>
+              </a:rPr>
+              <a:t> such </a:t>
+            </a:r>
+            <a:r>
+              <a:rPr kumimoji="0" lang="de-DE" sz="1800" b="0" i="0" u="none" strike="noStrike" kern="1200" cap="none" spc="0" normalizeH="0" baseline="0" noProof="0" dirty="0" err="1">
+                <a:ln>
+                  <a:noFill/>
+                </a:ln>
+                <a:solidFill>
+                  <a:prstClr val="white"/>
+                </a:solidFill>
+                <a:effectLst/>
+                <a:uLnTx/>
+                <a:uFillTx/>
+                <a:latin typeface="Calibri" panose="020F0502020204030204"/>
+                <a:ea typeface="+mn-ea"/>
+                <a:cs typeface="+mn-cs"/>
+              </a:rPr>
+              <a:t>as</a:t>
+            </a:r>
+            <a:r>
+              <a:rPr kumimoji="0" lang="de-DE" sz="1800" b="0" i="0" u="none" strike="noStrike" kern="1200" cap="none" spc="0" normalizeH="0" baseline="0" noProof="0" dirty="0">
+                <a:ln>
+                  <a:noFill/>
+                </a:ln>
+                <a:solidFill>
+                  <a:prstClr val="white"/>
+                </a:solidFill>
+                <a:effectLst/>
+                <a:uLnTx/>
+                <a:uFillTx/>
+                <a:latin typeface="Calibri" panose="020F0502020204030204"/>
+                <a:ea typeface="+mn-ea"/>
+                <a:cs typeface="+mn-cs"/>
+              </a:rPr>
+              <a:t> </a:t>
+            </a:r>
+            <a:r>
+              <a:rPr kumimoji="0" lang="de-DE" sz="1800" b="0" i="0" u="none" strike="noStrike" kern="1200" cap="none" spc="0" normalizeH="0" baseline="0" noProof="0" dirty="0" err="1">
+                <a:ln>
+                  <a:noFill/>
+                </a:ln>
+                <a:solidFill>
+                  <a:prstClr val="white"/>
+                </a:solidFill>
+                <a:effectLst/>
+                <a:uLnTx/>
+                <a:uFillTx/>
+                <a:latin typeface="Calibri" panose="020F0502020204030204"/>
+                <a:ea typeface="+mn-ea"/>
+                <a:cs typeface="+mn-cs"/>
+              </a:rPr>
+              <a:t>monitoring</a:t>
+            </a:r>
+            <a:r>
+              <a:rPr kumimoji="0" lang="de-DE" sz="1800" b="0" i="0" u="none" strike="noStrike" kern="1200" cap="none" spc="0" normalizeH="0" baseline="0" noProof="0" dirty="0">
+                <a:ln>
+                  <a:noFill/>
+                </a:ln>
+                <a:solidFill>
+                  <a:prstClr val="white"/>
+                </a:solidFill>
+                <a:effectLst/>
+                <a:uLnTx/>
+                <a:uFillTx/>
+                <a:latin typeface="Calibri" panose="020F0502020204030204"/>
+                <a:ea typeface="+mn-ea"/>
+                <a:cs typeface="+mn-cs"/>
+              </a:rPr>
+              <a:t>, </a:t>
+            </a:r>
+            <a:r>
+              <a:rPr kumimoji="0" lang="de-DE" sz="1800" b="0" i="0" u="none" strike="noStrike" kern="1200" cap="none" spc="0" normalizeH="0" baseline="0" noProof="0" dirty="0" err="1">
+                <a:ln>
+                  <a:noFill/>
+                </a:ln>
+                <a:solidFill>
+                  <a:prstClr val="white"/>
+                </a:solidFill>
+                <a:effectLst/>
+                <a:uLnTx/>
+                <a:uFillTx/>
+                <a:latin typeface="Calibri" panose="020F0502020204030204"/>
+                <a:ea typeface="+mn-ea"/>
+                <a:cs typeface="+mn-cs"/>
+              </a:rPr>
+              <a:t>compliance</a:t>
+            </a:r>
+            <a:r>
+              <a:rPr kumimoji="0" lang="de-DE" sz="1800" b="0" i="0" u="none" strike="noStrike" kern="1200" cap="none" spc="0" normalizeH="0" baseline="0" noProof="0" dirty="0">
+                <a:ln>
+                  <a:noFill/>
+                </a:ln>
+                <a:solidFill>
+                  <a:prstClr val="white"/>
+                </a:solidFill>
+                <a:effectLst/>
+                <a:uLnTx/>
+                <a:uFillTx/>
+                <a:latin typeface="Calibri" panose="020F0502020204030204"/>
+                <a:ea typeface="+mn-ea"/>
+                <a:cs typeface="+mn-cs"/>
+              </a:rPr>
+              <a:t>, </a:t>
+            </a:r>
+            <a:r>
+              <a:rPr kumimoji="0" lang="de-DE" sz="1800" b="0" i="0" u="none" strike="noStrike" kern="1200" cap="none" spc="0" normalizeH="0" baseline="0" noProof="0" dirty="0" err="1">
+                <a:ln>
+                  <a:noFill/>
+                </a:ln>
+                <a:solidFill>
+                  <a:prstClr val="white"/>
+                </a:solidFill>
+                <a:effectLst/>
+                <a:uLnTx/>
+                <a:uFillTx/>
+                <a:latin typeface="Calibri" panose="020F0502020204030204"/>
+                <a:ea typeface="+mn-ea"/>
+                <a:cs typeface="+mn-cs"/>
+              </a:rPr>
+              <a:t>configuration</a:t>
+            </a:r>
+            <a:r>
+              <a:rPr kumimoji="0" lang="de-DE" sz="1800" b="0" i="0" u="none" strike="noStrike" kern="1200" cap="none" spc="0" normalizeH="0" baseline="0" noProof="0" dirty="0">
+                <a:ln>
+                  <a:noFill/>
+                </a:ln>
+                <a:solidFill>
+                  <a:prstClr val="white"/>
+                </a:solidFill>
+                <a:effectLst/>
+                <a:uLnTx/>
+                <a:uFillTx/>
+                <a:latin typeface="Calibri" panose="020F0502020204030204"/>
+                <a:ea typeface="+mn-ea"/>
+                <a:cs typeface="+mn-cs"/>
+              </a:rPr>
+              <a:t> </a:t>
+            </a:r>
+            <a:r>
+              <a:rPr kumimoji="0" lang="de-DE" sz="1800" b="0" i="0" u="none" strike="noStrike" kern="1200" cap="none" spc="0" normalizeH="0" baseline="0" noProof="0" dirty="0" err="1">
+                <a:ln>
+                  <a:noFill/>
+                </a:ln>
+                <a:solidFill>
+                  <a:prstClr val="white"/>
+                </a:solidFill>
+                <a:effectLst/>
+                <a:uLnTx/>
+                <a:uFillTx/>
+                <a:latin typeface="Calibri" panose="020F0502020204030204"/>
+                <a:ea typeface="+mn-ea"/>
+                <a:cs typeface="+mn-cs"/>
+              </a:rPr>
+              <a:t>and</a:t>
+            </a:r>
+            <a:r>
+              <a:rPr kumimoji="0" lang="de-DE" sz="1800" b="0" i="0" u="none" strike="noStrike" kern="1200" cap="none" spc="0" normalizeH="0" baseline="0" noProof="0" dirty="0">
+                <a:ln>
+                  <a:noFill/>
+                </a:ln>
+                <a:solidFill>
+                  <a:prstClr val="white"/>
+                </a:solidFill>
+                <a:effectLst/>
+                <a:uLnTx/>
+                <a:uFillTx/>
+                <a:latin typeface="Calibri" panose="020F0502020204030204"/>
+                <a:ea typeface="+mn-ea"/>
+                <a:cs typeface="+mn-cs"/>
+              </a:rPr>
+              <a:t> </a:t>
+            </a:r>
+            <a:r>
+              <a:rPr kumimoji="0" lang="de-DE" sz="1800" b="0" i="0" u="none" strike="noStrike" kern="1200" cap="none" spc="0" normalizeH="0" baseline="0" noProof="0" dirty="0" err="1">
+                <a:ln>
+                  <a:noFill/>
+                </a:ln>
+                <a:solidFill>
+                  <a:prstClr val="white"/>
+                </a:solidFill>
+                <a:effectLst/>
+                <a:uLnTx/>
+                <a:uFillTx/>
+                <a:latin typeface="Calibri" panose="020F0502020204030204"/>
+                <a:ea typeface="+mn-ea"/>
+                <a:cs typeface="+mn-cs"/>
+              </a:rPr>
+              <a:t>mapping</a:t>
+            </a:r>
+            <a:r>
+              <a:rPr kumimoji="0" lang="de-DE" sz="1800" b="0" i="0" u="none" strike="noStrike" kern="1200" cap="none" spc="0" normalizeH="0" baseline="0" noProof="0" dirty="0">
+                <a:ln>
+                  <a:noFill/>
+                </a:ln>
+                <a:solidFill>
+                  <a:prstClr val="white"/>
+                </a:solidFill>
+                <a:effectLst/>
+                <a:uLnTx/>
+                <a:uFillTx/>
+                <a:latin typeface="Calibri" panose="020F0502020204030204"/>
+                <a:ea typeface="+mn-ea"/>
+                <a:cs typeface="+mn-cs"/>
+              </a:rPr>
+              <a:t> </a:t>
+            </a:r>
+            <a:r>
+              <a:rPr kumimoji="0" lang="de-DE" sz="1800" b="0" i="0" u="none" strike="noStrike" kern="1200" cap="none" spc="0" normalizeH="0" baseline="0" noProof="0" dirty="0" err="1">
+                <a:ln>
+                  <a:noFill/>
+                </a:ln>
+                <a:solidFill>
+                  <a:prstClr val="white"/>
+                </a:solidFill>
+                <a:effectLst/>
+                <a:uLnTx/>
+                <a:uFillTx/>
+                <a:latin typeface="Calibri" panose="020F0502020204030204"/>
+                <a:ea typeface="+mn-ea"/>
+                <a:cs typeface="+mn-cs"/>
+              </a:rPr>
+              <a:t>to</a:t>
+            </a:r>
+            <a:r>
+              <a:rPr kumimoji="0" lang="de-DE" sz="1800" b="0" i="0" u="none" strike="noStrike" kern="1200" cap="none" spc="0" normalizeH="0" baseline="0" noProof="0" dirty="0">
+                <a:ln>
+                  <a:noFill/>
+                </a:ln>
+                <a:solidFill>
+                  <a:prstClr val="white"/>
+                </a:solidFill>
+                <a:effectLst/>
+                <a:uLnTx/>
+                <a:uFillTx/>
+                <a:latin typeface="Calibri" panose="020F0502020204030204"/>
+                <a:ea typeface="+mn-ea"/>
+                <a:cs typeface="+mn-cs"/>
+              </a:rPr>
+              <a:t> </a:t>
+            </a:r>
+            <a:r>
+              <a:rPr kumimoji="0" lang="de-DE" sz="1800" b="0" i="0" u="none" strike="noStrike" kern="1200" cap="none" spc="0" normalizeH="0" baseline="0" noProof="0" dirty="0" err="1">
+                <a:ln>
+                  <a:noFill/>
+                </a:ln>
+                <a:solidFill>
+                  <a:prstClr val="white"/>
+                </a:solidFill>
+                <a:effectLst/>
+                <a:uLnTx/>
+                <a:uFillTx/>
+                <a:latin typeface="Calibri" panose="020F0502020204030204"/>
+                <a:ea typeface="+mn-ea"/>
+                <a:cs typeface="+mn-cs"/>
+              </a:rPr>
+              <a:t>organization</a:t>
+            </a:r>
+            <a:endParaRPr kumimoji="0" lang="de-DE" sz="1800" b="0" i="0" u="none" strike="noStrike" kern="1200" cap="none" spc="0" normalizeH="0" baseline="0" noProof="0" dirty="0">
+              <a:ln>
+                <a:noFill/>
+              </a:ln>
+              <a:solidFill>
+                <a:prstClr val="white"/>
+              </a:solidFill>
+              <a:effectLst/>
+              <a:uLnTx/>
+              <a:uFillTx/>
+              <a:latin typeface="Calibri" panose="020F0502020204030204"/>
+              <a:ea typeface="+mn-ea"/>
+              <a:cs typeface="+mn-cs"/>
+            </a:endParaRPr>
+          </a:p>
+        </p:txBody>
+      </p:sp>
+      <p:sp>
+        <p:nvSpPr>
+          <p:cNvPr id="64" name="Rectangle 63">
+            <a:extLst>
+              <a:ext uri="{FF2B5EF4-FFF2-40B4-BE49-F238E27FC236}">
+                <a16:creationId xmlns:a16="http://schemas.microsoft.com/office/drawing/2014/main" id="{8117501C-1796-4582-B078-400888577876}"/>
+              </a:ext>
+            </a:extLst>
+          </p:cNvPr>
+          <p:cNvSpPr/>
+          <p:nvPr/>
+        </p:nvSpPr>
+        <p:spPr>
+          <a:xfrm>
+            <a:off x="1199455" y="1628800"/>
+            <a:ext cx="8760114" cy="3635654"/>
+          </a:xfrm>
+          <a:prstGeom prst="rect">
+            <a:avLst/>
+          </a:prstGeom>
+          <a:noFill/>
+          <a:ln>
+            <a:solidFill>
+              <a:schemeClr val="accent6">
+                <a:lumMod val="50000"/>
+              </a:schemeClr>
+            </a:solidFill>
+            <a:prstDash val="dash"/>
+          </a:ln>
+        </p:spPr>
+        <p:style>
+          <a:lnRef idx="2">
+            <a:schemeClr val="accent1">
+              <a:shade val="50000"/>
+            </a:schemeClr>
+          </a:lnRef>
+          <a:fillRef idx="1">
+            <a:schemeClr val="accent1"/>
+          </a:fillRef>
+          <a:effectRef idx="0">
+            <a:schemeClr val="accent1"/>
+          </a:effectRef>
+          <a:fontRef idx="minor">
+            <a:schemeClr val="lt1"/>
+          </a:fontRef>
+        </p:style>
+        <p:txBody>
+          <a:bodyPr rtlCol="0" anchor="t" anchorCtr="0"/>
+          <a:lstStyle/>
+          <a:p>
+            <a:pPr marL="0" marR="0" lvl="0" indent="0" algn="l" defTabSz="914400" rtl="0" eaLnBrk="1" fontAlgn="auto" latinLnBrk="0" hangingPunct="1">
+              <a:lnSpc>
+                <a:spcPct val="100000"/>
+              </a:lnSpc>
+              <a:spcBef>
+                <a:spcPts val="0"/>
+              </a:spcBef>
+              <a:spcAft>
+                <a:spcPts val="0"/>
+              </a:spcAft>
+              <a:buClrTx/>
+              <a:buSzTx/>
+              <a:buFontTx/>
+              <a:buNone/>
+              <a:tabLst/>
+              <a:defRPr/>
+            </a:pPr>
+            <a:r>
+              <a:rPr kumimoji="0" lang="de-DE" sz="1800" b="0" i="0" u="none" strike="noStrike" kern="1200" cap="none" spc="0" normalizeH="0" baseline="0" noProof="0" dirty="0" err="1">
+                <a:ln>
+                  <a:noFill/>
+                </a:ln>
+                <a:solidFill>
+                  <a:prstClr val="black"/>
+                </a:solidFill>
+                <a:effectLst/>
+                <a:uLnTx/>
+                <a:uFillTx/>
+                <a:latin typeface="Calibri" panose="020F0502020204030204"/>
+                <a:ea typeface="+mn-ea"/>
+                <a:cs typeface="+mn-cs"/>
+              </a:rPr>
+              <a:t>Provisioning</a:t>
+            </a:r>
+            <a:endParaRPr kumimoji="0" lang="de-DE" sz="1800" b="0" i="0" u="none" strike="noStrike" kern="1200" cap="none" spc="0" normalizeH="0" baseline="0" noProof="0" dirty="0">
+              <a:ln>
+                <a:noFill/>
+              </a:ln>
+              <a:solidFill>
+                <a:prstClr val="black"/>
+              </a:solidFill>
+              <a:effectLst/>
+              <a:uLnTx/>
+              <a:uFillTx/>
+              <a:latin typeface="Calibri" panose="020F0502020204030204"/>
+              <a:ea typeface="+mn-ea"/>
+              <a:cs typeface="+mn-cs"/>
+            </a:endParaRPr>
+          </a:p>
+        </p:txBody>
+      </p:sp>
+      <p:sp>
+        <p:nvSpPr>
+          <p:cNvPr id="65" name="Rectangle 64">
+            <a:extLst>
+              <a:ext uri="{FF2B5EF4-FFF2-40B4-BE49-F238E27FC236}">
+                <a16:creationId xmlns:a16="http://schemas.microsoft.com/office/drawing/2014/main" id="{E0FE9441-408C-49B1-BEA0-30A825A36CBE}"/>
+              </a:ext>
+            </a:extLst>
+          </p:cNvPr>
+          <p:cNvSpPr/>
+          <p:nvPr/>
+        </p:nvSpPr>
+        <p:spPr>
+          <a:xfrm>
+            <a:off x="7928295" y="3328407"/>
+            <a:ext cx="1368152" cy="606245"/>
+          </a:xfrm>
+          <a:prstGeom prst="rect">
+            <a:avLst/>
+          </a:prstGeom>
+          <a:solidFill>
+            <a:schemeClr val="accent1">
+              <a:lumMod val="20000"/>
+              <a:lumOff val="80000"/>
+            </a:schemeClr>
+          </a:solidFill>
+          <a:ln>
+            <a:prstDash val="solid"/>
+          </a:ln>
+        </p:spPr>
+        <p:style>
+          <a:lnRef idx="2">
+            <a:schemeClr val="accent1">
+              <a:shade val="50000"/>
+            </a:schemeClr>
+          </a:lnRef>
+          <a:fillRef idx="1">
+            <a:schemeClr val="accent1"/>
+          </a:fillRef>
+          <a:effectRef idx="0">
+            <a:schemeClr val="accent1"/>
+          </a:effectRef>
+          <a:fontRef idx="minor">
+            <a:schemeClr val="lt1"/>
+          </a:fontRef>
+        </p:style>
+        <p:txBody>
+          <a:bodyPr rtlCol="0" anchor="t" anchorCtr="0"/>
+          <a:lstStyle/>
+          <a:p>
+            <a:pPr marL="0" marR="0" lvl="0" indent="0" algn="ctr" defTabSz="914400" rtl="0" eaLnBrk="1" fontAlgn="auto" latinLnBrk="0" hangingPunct="1">
+              <a:lnSpc>
+                <a:spcPct val="100000"/>
+              </a:lnSpc>
+              <a:spcBef>
+                <a:spcPts val="0"/>
+              </a:spcBef>
+              <a:spcAft>
+                <a:spcPts val="0"/>
+              </a:spcAft>
+              <a:buClrTx/>
+              <a:buSzTx/>
+              <a:buFontTx/>
+              <a:buNone/>
+              <a:tabLst/>
+              <a:defRPr/>
+            </a:pPr>
+            <a:r>
+              <a:rPr kumimoji="0" lang="de-DE" sz="1800" b="0" i="0" u="none" strike="noStrike" kern="1200" cap="none" spc="0" normalizeH="0" baseline="0" noProof="0" dirty="0" err="1">
+                <a:ln>
+                  <a:noFill/>
+                </a:ln>
+                <a:solidFill>
+                  <a:srgbClr val="4472C4"/>
+                </a:solidFill>
+                <a:effectLst/>
+                <a:uLnTx/>
+                <a:uFillTx/>
+                <a:latin typeface="Calibri" panose="020F0502020204030204"/>
+                <a:ea typeface="+mn-ea"/>
+                <a:cs typeface="+mn-cs"/>
+              </a:rPr>
+              <a:t>Deployed</a:t>
+            </a:r>
+            <a:endParaRPr kumimoji="0" lang="de-DE" sz="1800" b="0" i="0" u="none" strike="noStrike" kern="1200" cap="none" spc="0" normalizeH="0" baseline="0" noProof="0" dirty="0">
+              <a:ln>
+                <a:noFill/>
+              </a:ln>
+              <a:solidFill>
+                <a:srgbClr val="4472C4"/>
+              </a:solidFill>
+              <a:effectLst/>
+              <a:uLnTx/>
+              <a:uFillTx/>
+              <a:latin typeface="Calibri" panose="020F0502020204030204"/>
+              <a:ea typeface="+mn-ea"/>
+              <a:cs typeface="+mn-cs"/>
+            </a:endParaRPr>
+          </a:p>
+          <a:p>
+            <a:pPr marL="0" marR="0" lvl="0" indent="0" algn="ctr" defTabSz="914400" rtl="0" eaLnBrk="1" fontAlgn="auto" latinLnBrk="0" hangingPunct="1">
+              <a:lnSpc>
+                <a:spcPct val="100000"/>
+              </a:lnSpc>
+              <a:spcBef>
+                <a:spcPts val="0"/>
+              </a:spcBef>
+              <a:spcAft>
+                <a:spcPts val="0"/>
+              </a:spcAft>
+              <a:buClrTx/>
+              <a:buSzTx/>
+              <a:buFontTx/>
+              <a:buNone/>
+              <a:tabLst/>
+              <a:defRPr/>
+            </a:pPr>
+            <a:r>
+              <a:rPr kumimoji="0" lang="de-DE" sz="1800" b="0" i="0" u="none" strike="noStrike" kern="1200" cap="none" spc="0" normalizeH="0" baseline="0" noProof="0" dirty="0">
+                <a:ln>
+                  <a:noFill/>
+                </a:ln>
+                <a:solidFill>
+                  <a:srgbClr val="4472C4"/>
+                </a:solidFill>
+                <a:effectLst/>
+                <a:uLnTx/>
+                <a:uFillTx/>
+                <a:latin typeface="Calibri" panose="020F0502020204030204"/>
+                <a:ea typeface="+mn-ea"/>
+                <a:cs typeface="+mn-cs"/>
+              </a:rPr>
+              <a:t>App</a:t>
+            </a:r>
+          </a:p>
+        </p:txBody>
+      </p:sp>
+      <p:sp>
+        <p:nvSpPr>
+          <p:cNvPr id="67" name="Rectangle 66">
+            <a:extLst>
+              <a:ext uri="{FF2B5EF4-FFF2-40B4-BE49-F238E27FC236}">
+                <a16:creationId xmlns:a16="http://schemas.microsoft.com/office/drawing/2014/main" id="{0B7B1ED9-3F86-4FB6-B160-7C14B8199D21}"/>
+              </a:ext>
+            </a:extLst>
+          </p:cNvPr>
+          <p:cNvSpPr/>
+          <p:nvPr/>
+        </p:nvSpPr>
+        <p:spPr>
+          <a:xfrm>
+            <a:off x="7928295" y="3920851"/>
+            <a:ext cx="1368152" cy="578656"/>
+          </a:xfrm>
+          <a:prstGeom prst="rect">
+            <a:avLst/>
+          </a:prstGeom>
+          <a:solidFill>
+            <a:schemeClr val="accent1">
+              <a:lumMod val="20000"/>
+              <a:lumOff val="80000"/>
+            </a:schemeClr>
+          </a:solidFill>
+          <a:ln>
+            <a:prstDash val="solid"/>
+          </a:ln>
+        </p:spPr>
+        <p:style>
+          <a:lnRef idx="2">
+            <a:schemeClr val="accent1">
+              <a:shade val="50000"/>
+            </a:schemeClr>
+          </a:lnRef>
+          <a:fillRef idx="1">
+            <a:schemeClr val="accent1"/>
+          </a:fillRef>
+          <a:effectRef idx="0">
+            <a:schemeClr val="accent1"/>
+          </a:effectRef>
+          <a:fontRef idx="minor">
+            <a:schemeClr val="lt1"/>
+          </a:fontRef>
+        </p:style>
+        <p:txBody>
+          <a:bodyPr rtlCol="0" anchor="t" anchorCtr="0"/>
+          <a:lstStyle/>
+          <a:p>
+            <a:pPr marL="0" marR="0" lvl="0" indent="0" algn="ctr" defTabSz="914400" rtl="0" eaLnBrk="1" fontAlgn="auto" latinLnBrk="0" hangingPunct="1">
+              <a:lnSpc>
+                <a:spcPct val="100000"/>
+              </a:lnSpc>
+              <a:spcBef>
+                <a:spcPts val="0"/>
+              </a:spcBef>
+              <a:spcAft>
+                <a:spcPts val="0"/>
+              </a:spcAft>
+              <a:buClrTx/>
+              <a:buSzTx/>
+              <a:buFontTx/>
+              <a:buNone/>
+              <a:tabLst/>
+              <a:defRPr/>
+            </a:pPr>
+            <a:r>
+              <a:rPr kumimoji="0" lang="de-DE" sz="1800" b="0" i="0" u="none" strike="noStrike" kern="1200" cap="none" spc="0" normalizeH="0" baseline="0" noProof="0" dirty="0" err="1">
+                <a:ln>
+                  <a:noFill/>
+                </a:ln>
+                <a:solidFill>
+                  <a:srgbClr val="4472C4"/>
+                </a:solidFill>
+                <a:effectLst/>
+                <a:uLnTx/>
+                <a:uFillTx/>
+                <a:latin typeface="Calibri" panose="020F0502020204030204"/>
+                <a:ea typeface="+mn-ea"/>
+                <a:cs typeface="+mn-cs"/>
+              </a:rPr>
+              <a:t>Deployed</a:t>
+            </a:r>
+            <a:r>
+              <a:rPr kumimoji="0" lang="de-DE" sz="1800" b="0" i="0" u="none" strike="noStrike" kern="1200" cap="none" spc="0" normalizeH="0" baseline="0" noProof="0" dirty="0">
+                <a:ln>
+                  <a:noFill/>
+                </a:ln>
+                <a:solidFill>
+                  <a:srgbClr val="4472C4"/>
+                </a:solidFill>
+                <a:effectLst/>
+                <a:uLnTx/>
+                <a:uFillTx/>
+                <a:latin typeface="Calibri" panose="020F0502020204030204"/>
+                <a:ea typeface="+mn-ea"/>
+                <a:cs typeface="+mn-cs"/>
+              </a:rPr>
+              <a:t> Infra</a:t>
+            </a:r>
+          </a:p>
+        </p:txBody>
+      </p:sp>
+      <p:sp>
+        <p:nvSpPr>
+          <p:cNvPr id="3" name="Speech Bubble: Rectangle with Corners Rounded 2">
+            <a:extLst>
+              <a:ext uri="{FF2B5EF4-FFF2-40B4-BE49-F238E27FC236}">
+                <a16:creationId xmlns:a16="http://schemas.microsoft.com/office/drawing/2014/main" id="{EC3360A4-86EA-4DD8-92A4-E930124EDBB6}"/>
+              </a:ext>
+            </a:extLst>
+          </p:cNvPr>
+          <p:cNvSpPr/>
+          <p:nvPr/>
+        </p:nvSpPr>
+        <p:spPr>
+          <a:xfrm>
+            <a:off x="748902" y="5066108"/>
+            <a:ext cx="2493770" cy="1077400"/>
+          </a:xfrm>
+          <a:prstGeom prst="wedgeRoundRectCallout">
+            <a:avLst>
+              <a:gd name="adj1" fmla="val 5406"/>
+              <a:gd name="adj2" fmla="val -75835"/>
+              <a:gd name="adj3" fmla="val 16667"/>
+            </a:avLst>
+          </a:prstGeom>
+        </p:spPr>
+        <p:style>
+          <a:lnRef idx="2">
+            <a:schemeClr val="accent1">
+              <a:shade val="50000"/>
+            </a:schemeClr>
+          </a:lnRef>
+          <a:fillRef idx="1">
+            <a:schemeClr val="accent1"/>
+          </a:fillRef>
+          <a:effectRef idx="0">
+            <a:schemeClr val="accent1"/>
+          </a:effectRef>
+          <a:fontRef idx="minor">
+            <a:schemeClr val="lt1"/>
+          </a:fontRef>
+        </p:style>
+        <p:txBody>
+          <a:bodyPr rtlCol="0" anchor="ctr"/>
+          <a:lstStyle/>
+          <a:p>
+            <a:pPr marL="0" marR="0" lvl="0" indent="0" algn="l" defTabSz="914400" rtl="0" eaLnBrk="1" fontAlgn="auto" latinLnBrk="0" hangingPunct="1">
+              <a:lnSpc>
+                <a:spcPct val="100000"/>
+              </a:lnSpc>
+              <a:spcBef>
+                <a:spcPts val="0"/>
+              </a:spcBef>
+              <a:spcAft>
+                <a:spcPts val="0"/>
+              </a:spcAft>
+              <a:buClrTx/>
+              <a:buSzTx/>
+              <a:buFontTx/>
+              <a:buNone/>
+              <a:tabLst/>
+              <a:defRPr/>
+            </a:pPr>
+            <a:r>
+              <a:rPr kumimoji="0" lang="de-DE" sz="1800" b="1" i="0" u="none" strike="noStrike" kern="1200" cap="none" spc="0" normalizeH="0" baseline="0" noProof="0" dirty="0">
+                <a:ln>
+                  <a:noFill/>
+                </a:ln>
+                <a:solidFill>
+                  <a:prstClr val="white"/>
+                </a:solidFill>
+                <a:effectLst/>
+                <a:uLnTx/>
+                <a:uFillTx/>
+                <a:latin typeface="Calibri" panose="020F0502020204030204"/>
+                <a:ea typeface="+mn-ea"/>
+                <a:cs typeface="+mn-cs"/>
+              </a:rPr>
+              <a:t>Infra/ </a:t>
+            </a:r>
+            <a:r>
+              <a:rPr kumimoji="0" lang="de-DE" sz="1800" b="1" i="0" u="none" strike="noStrike" kern="1200" cap="none" spc="0" normalizeH="0" baseline="0" noProof="0" dirty="0" err="1">
+                <a:ln>
+                  <a:noFill/>
+                </a:ln>
+                <a:solidFill>
+                  <a:prstClr val="white"/>
+                </a:solidFill>
+                <a:effectLst/>
+                <a:uLnTx/>
+                <a:uFillTx/>
+                <a:latin typeface="Calibri" panose="020F0502020204030204"/>
+                <a:ea typeface="+mn-ea"/>
+                <a:cs typeface="+mn-cs"/>
+              </a:rPr>
+              <a:t>Application</a:t>
+            </a:r>
+            <a:r>
+              <a:rPr kumimoji="0" lang="de-DE" sz="1800" b="1" i="0" u="none" strike="noStrike" kern="1200" cap="none" spc="0" normalizeH="0" baseline="0" noProof="0" dirty="0">
+                <a:ln>
+                  <a:noFill/>
+                </a:ln>
+                <a:solidFill>
+                  <a:prstClr val="white"/>
+                </a:solidFill>
+                <a:effectLst/>
+                <a:uLnTx/>
+                <a:uFillTx/>
+                <a:latin typeface="Calibri" panose="020F0502020204030204"/>
+                <a:ea typeface="+mn-ea"/>
+                <a:cs typeface="+mn-cs"/>
+              </a:rPr>
+              <a:t> Code</a:t>
+            </a:r>
+            <a:r>
+              <a:rPr kumimoji="0" lang="de-DE" sz="1800" b="0" i="0" u="none" strike="noStrike" kern="1200" cap="none" spc="0" normalizeH="0" baseline="0" noProof="0" dirty="0">
+                <a:ln>
+                  <a:noFill/>
+                </a:ln>
+                <a:solidFill>
+                  <a:prstClr val="white"/>
+                </a:solidFill>
+                <a:effectLst/>
+                <a:uLnTx/>
+                <a:uFillTx/>
+                <a:latin typeface="Calibri" panose="020F0502020204030204"/>
+                <a:ea typeface="+mn-ea"/>
+                <a:cs typeface="+mn-cs"/>
+              </a:rPr>
+              <a:t> </a:t>
+            </a:r>
+            <a:r>
+              <a:rPr kumimoji="0" lang="de-DE" sz="1800" b="0" i="0" u="none" strike="noStrike" kern="1200" cap="none" spc="0" normalizeH="0" baseline="0" noProof="0" dirty="0" err="1">
+                <a:ln>
+                  <a:noFill/>
+                </a:ln>
+                <a:solidFill>
+                  <a:prstClr val="white"/>
+                </a:solidFill>
+                <a:effectLst/>
+                <a:uLnTx/>
+                <a:uFillTx/>
+                <a:latin typeface="Calibri" panose="020F0502020204030204"/>
+                <a:ea typeface="+mn-ea"/>
+                <a:cs typeface="+mn-cs"/>
+              </a:rPr>
+              <a:t>to</a:t>
+            </a:r>
+            <a:r>
+              <a:rPr kumimoji="0" lang="de-DE" sz="1800" b="0" i="0" u="none" strike="noStrike" kern="1200" cap="none" spc="0" normalizeH="0" baseline="0" noProof="0" dirty="0">
+                <a:ln>
+                  <a:noFill/>
+                </a:ln>
+                <a:solidFill>
+                  <a:prstClr val="white"/>
+                </a:solidFill>
+                <a:effectLst/>
+                <a:uLnTx/>
+                <a:uFillTx/>
+                <a:latin typeface="Calibri" panose="020F0502020204030204"/>
+                <a:ea typeface="+mn-ea"/>
+                <a:cs typeface="+mn-cs"/>
+              </a:rPr>
+              <a:t> </a:t>
+            </a:r>
+            <a:r>
+              <a:rPr kumimoji="0" lang="de-DE" sz="1800" b="0" i="0" u="none" strike="noStrike" kern="1200" cap="none" spc="0" normalizeH="0" baseline="0" noProof="0" dirty="0" err="1">
+                <a:ln>
+                  <a:noFill/>
+                </a:ln>
+                <a:solidFill>
+                  <a:prstClr val="white"/>
+                </a:solidFill>
+                <a:effectLst/>
+                <a:uLnTx/>
+                <a:uFillTx/>
+                <a:latin typeface="Calibri" panose="020F0502020204030204"/>
+                <a:ea typeface="+mn-ea"/>
+                <a:cs typeface="+mn-cs"/>
+              </a:rPr>
+              <a:t>be</a:t>
+            </a:r>
+            <a:r>
+              <a:rPr kumimoji="0" lang="de-DE" sz="1800" b="0" i="0" u="none" strike="noStrike" kern="1200" cap="none" spc="0" normalizeH="0" baseline="0" noProof="0" dirty="0">
+                <a:ln>
+                  <a:noFill/>
+                </a:ln>
+                <a:solidFill>
+                  <a:prstClr val="white"/>
+                </a:solidFill>
+                <a:effectLst/>
+                <a:uLnTx/>
+                <a:uFillTx/>
+                <a:latin typeface="Calibri" panose="020F0502020204030204"/>
+                <a:ea typeface="+mn-ea"/>
+                <a:cs typeface="+mn-cs"/>
+              </a:rPr>
+              <a:t> </a:t>
+            </a:r>
+            <a:r>
+              <a:rPr kumimoji="0" lang="de-DE" sz="1800" b="0" i="0" u="none" strike="noStrike" kern="1200" cap="none" spc="0" normalizeH="0" baseline="0" noProof="0" dirty="0" err="1">
+                <a:ln>
+                  <a:noFill/>
+                </a:ln>
+                <a:solidFill>
+                  <a:prstClr val="white"/>
+                </a:solidFill>
+                <a:effectLst/>
+                <a:uLnTx/>
+                <a:uFillTx/>
+                <a:latin typeface="Calibri" panose="020F0502020204030204"/>
+                <a:ea typeface="+mn-ea"/>
+                <a:cs typeface="+mn-cs"/>
+              </a:rPr>
+              <a:t>transported</a:t>
+            </a:r>
+            <a:r>
+              <a:rPr kumimoji="0" lang="de-DE" sz="1800" b="0" i="0" u="none" strike="noStrike" kern="1200" cap="none" spc="0" normalizeH="0" baseline="0" noProof="0" dirty="0">
+                <a:ln>
+                  <a:noFill/>
+                </a:ln>
+                <a:solidFill>
+                  <a:prstClr val="white"/>
+                </a:solidFill>
+                <a:effectLst/>
+                <a:uLnTx/>
+                <a:uFillTx/>
+                <a:latin typeface="Calibri" panose="020F0502020204030204"/>
+                <a:ea typeface="+mn-ea"/>
+                <a:cs typeface="+mn-cs"/>
+              </a:rPr>
+              <a:t> </a:t>
+            </a:r>
+            <a:r>
+              <a:rPr kumimoji="0" lang="de-DE" sz="1800" b="0" i="0" u="none" strike="noStrike" kern="1200" cap="none" spc="0" normalizeH="0" baseline="0" noProof="0" dirty="0" err="1">
+                <a:ln>
+                  <a:noFill/>
+                </a:ln>
+                <a:solidFill>
+                  <a:prstClr val="white"/>
+                </a:solidFill>
+                <a:effectLst/>
+                <a:uLnTx/>
+                <a:uFillTx/>
+                <a:latin typeface="Calibri" panose="020F0502020204030204"/>
+                <a:ea typeface="+mn-ea"/>
+                <a:cs typeface="+mn-cs"/>
+              </a:rPr>
+              <a:t>hosted</a:t>
+            </a:r>
+            <a:r>
+              <a:rPr kumimoji="0" lang="de-DE" sz="1800" b="0" i="0" u="none" strike="noStrike" kern="1200" cap="none" spc="0" normalizeH="0" baseline="0" noProof="0" dirty="0">
+                <a:ln>
+                  <a:noFill/>
+                </a:ln>
+                <a:solidFill>
+                  <a:prstClr val="white"/>
+                </a:solidFill>
+                <a:effectLst/>
+                <a:uLnTx/>
+                <a:uFillTx/>
+                <a:latin typeface="Calibri" panose="020F0502020204030204"/>
+                <a:ea typeface="+mn-ea"/>
+                <a:cs typeface="+mn-cs"/>
+              </a:rPr>
+              <a:t> </a:t>
+            </a:r>
+            <a:r>
+              <a:rPr kumimoji="0" lang="de-DE" sz="1800" b="0" i="0" u="none" strike="noStrike" kern="1200" cap="none" spc="0" normalizeH="0" baseline="0" noProof="0" dirty="0" err="1">
+                <a:ln>
+                  <a:noFill/>
+                </a:ln>
+                <a:solidFill>
+                  <a:prstClr val="white"/>
+                </a:solidFill>
+                <a:effectLst/>
+                <a:uLnTx/>
+                <a:uFillTx/>
+                <a:latin typeface="Calibri" panose="020F0502020204030204"/>
+                <a:ea typeface="+mn-ea"/>
+                <a:cs typeface="+mn-cs"/>
+              </a:rPr>
+              <a:t>inside</a:t>
+            </a:r>
+            <a:r>
+              <a:rPr kumimoji="0" lang="de-DE" sz="1800" b="0" i="0" u="none" strike="noStrike" kern="1200" cap="none" spc="0" normalizeH="0" baseline="0" noProof="0" dirty="0">
+                <a:ln>
+                  <a:noFill/>
+                </a:ln>
+                <a:solidFill>
+                  <a:prstClr val="white"/>
+                </a:solidFill>
+                <a:effectLst/>
+                <a:uLnTx/>
+                <a:uFillTx/>
+                <a:latin typeface="Calibri" panose="020F0502020204030204"/>
+                <a:ea typeface="+mn-ea"/>
+                <a:cs typeface="+mn-cs"/>
+              </a:rPr>
+              <a:t> </a:t>
+            </a:r>
+            <a:r>
+              <a:rPr kumimoji="0" lang="de-DE" sz="1800" b="0" i="0" u="none" strike="noStrike" kern="1200" cap="none" spc="0" normalizeH="0" baseline="0" noProof="0" dirty="0" err="1">
+                <a:ln>
+                  <a:noFill/>
+                </a:ln>
+                <a:solidFill>
+                  <a:prstClr val="white"/>
+                </a:solidFill>
+                <a:effectLst/>
+                <a:uLnTx/>
+                <a:uFillTx/>
+                <a:latin typeface="Calibri" panose="020F0502020204030204"/>
+                <a:ea typeface="+mn-ea"/>
+                <a:cs typeface="+mn-cs"/>
+              </a:rPr>
+              <a:t>Azure</a:t>
+            </a:r>
+            <a:r>
+              <a:rPr kumimoji="0" lang="de-DE" sz="1800" b="0" i="0" u="none" strike="noStrike" kern="1200" cap="none" spc="0" normalizeH="0" baseline="0" noProof="0" dirty="0">
+                <a:ln>
+                  <a:noFill/>
+                </a:ln>
+                <a:solidFill>
+                  <a:prstClr val="white"/>
+                </a:solidFill>
+                <a:effectLst/>
+                <a:uLnTx/>
+                <a:uFillTx/>
+                <a:latin typeface="Calibri" panose="020F0502020204030204"/>
+                <a:ea typeface="+mn-ea"/>
+                <a:cs typeface="+mn-cs"/>
+              </a:rPr>
+              <a:t> </a:t>
+            </a:r>
+            <a:r>
+              <a:rPr kumimoji="0" lang="de-DE" sz="1800" b="0" i="0" u="none" strike="noStrike" kern="1200" cap="none" spc="0" normalizeH="0" baseline="0" noProof="0" dirty="0" err="1">
+                <a:ln>
+                  <a:noFill/>
+                </a:ln>
+                <a:solidFill>
+                  <a:prstClr val="white"/>
+                </a:solidFill>
+                <a:effectLst/>
+                <a:uLnTx/>
+                <a:uFillTx/>
+                <a:latin typeface="Calibri" panose="020F0502020204030204"/>
+                <a:ea typeface="+mn-ea"/>
+                <a:cs typeface="+mn-cs"/>
+              </a:rPr>
+              <a:t>or</a:t>
+            </a:r>
+            <a:r>
+              <a:rPr kumimoji="0" lang="de-DE" sz="1800" b="0" i="0" u="none" strike="noStrike" kern="1200" cap="none" spc="0" normalizeH="0" baseline="0" noProof="0" dirty="0">
+                <a:ln>
+                  <a:noFill/>
+                </a:ln>
+                <a:solidFill>
+                  <a:prstClr val="white"/>
+                </a:solidFill>
+                <a:effectLst/>
+                <a:uLnTx/>
+                <a:uFillTx/>
+                <a:latin typeface="Calibri" panose="020F0502020204030204"/>
+                <a:ea typeface="+mn-ea"/>
+                <a:cs typeface="+mn-cs"/>
+              </a:rPr>
+              <a:t> </a:t>
+            </a:r>
+            <a:r>
+              <a:rPr kumimoji="0" lang="de-DE" sz="1800" b="0" i="0" u="none" strike="noStrike" kern="1200" cap="none" spc="0" normalizeH="0" baseline="0" noProof="0" dirty="0" err="1">
+                <a:ln>
+                  <a:noFill/>
+                </a:ln>
+                <a:solidFill>
+                  <a:prstClr val="white"/>
+                </a:solidFill>
+                <a:effectLst/>
+                <a:uLnTx/>
+                <a:uFillTx/>
+                <a:latin typeface="Calibri" panose="020F0502020204030204"/>
+                <a:ea typeface="+mn-ea"/>
+                <a:cs typeface="+mn-cs"/>
+              </a:rPr>
+              <a:t>externally</a:t>
+            </a:r>
+            <a:endParaRPr kumimoji="0" lang="de-DE" sz="1800" b="0" i="0" u="none" strike="noStrike" kern="1200" cap="none" spc="0" normalizeH="0" baseline="0" noProof="0" dirty="0">
+              <a:ln>
+                <a:noFill/>
+              </a:ln>
+              <a:solidFill>
+                <a:prstClr val="white"/>
+              </a:solidFill>
+              <a:effectLst/>
+              <a:uLnTx/>
+              <a:uFillTx/>
+              <a:latin typeface="Calibri" panose="020F0502020204030204"/>
+              <a:ea typeface="+mn-ea"/>
+              <a:cs typeface="+mn-cs"/>
+            </a:endParaRPr>
+          </a:p>
+        </p:txBody>
+      </p:sp>
+      <p:sp>
+        <p:nvSpPr>
+          <p:cNvPr id="43" name="Speech Bubble: Rectangle with Corners Rounded 42">
+            <a:extLst>
+              <a:ext uri="{FF2B5EF4-FFF2-40B4-BE49-F238E27FC236}">
+                <a16:creationId xmlns:a16="http://schemas.microsoft.com/office/drawing/2014/main" id="{04CFDD14-4C05-472F-98F7-D6CAC81E3FEA}"/>
+              </a:ext>
+            </a:extLst>
+          </p:cNvPr>
+          <p:cNvSpPr/>
+          <p:nvPr/>
+        </p:nvSpPr>
+        <p:spPr>
+          <a:xfrm>
+            <a:off x="4244627" y="5357655"/>
+            <a:ext cx="3219525" cy="799087"/>
+          </a:xfrm>
+          <a:prstGeom prst="wedgeRoundRectCallout">
+            <a:avLst>
+              <a:gd name="adj1" fmla="val 1122"/>
+              <a:gd name="adj2" fmla="val -98011"/>
+              <a:gd name="adj3" fmla="val 16667"/>
+            </a:avLst>
+          </a:prstGeom>
+          <a:solidFill>
+            <a:srgbClr val="C00000"/>
+          </a:solidFill>
+          <a:ln>
+            <a:solidFill>
+              <a:srgbClr val="C00000"/>
+            </a:solidFill>
+          </a:ln>
+        </p:spPr>
+        <p:style>
+          <a:lnRef idx="2">
+            <a:schemeClr val="accent1">
+              <a:shade val="50000"/>
+            </a:schemeClr>
+          </a:lnRef>
+          <a:fillRef idx="1">
+            <a:schemeClr val="accent1"/>
+          </a:fillRef>
+          <a:effectRef idx="0">
+            <a:schemeClr val="accent1"/>
+          </a:effectRef>
+          <a:fontRef idx="minor">
+            <a:schemeClr val="lt1"/>
+          </a:fontRef>
+        </p:style>
+        <p:txBody>
+          <a:bodyPr rtlCol="0" anchor="ctr"/>
+          <a:lstStyle/>
+          <a:p>
+            <a:pPr marL="0" marR="0" lvl="0" indent="0" algn="l" defTabSz="914400" rtl="0" eaLnBrk="1" fontAlgn="auto" latinLnBrk="0" hangingPunct="1">
+              <a:lnSpc>
+                <a:spcPct val="100000"/>
+              </a:lnSpc>
+              <a:spcBef>
+                <a:spcPts val="0"/>
+              </a:spcBef>
+              <a:spcAft>
+                <a:spcPts val="0"/>
+              </a:spcAft>
+              <a:buClrTx/>
+              <a:buSzTx/>
+              <a:buFontTx/>
+              <a:buNone/>
+              <a:tabLst/>
+              <a:defRPr/>
+            </a:pPr>
+            <a:r>
+              <a:rPr kumimoji="0" lang="de-DE" sz="1800" b="1" i="0" u="none" strike="noStrike" kern="1200" cap="none" spc="0" normalizeH="0" baseline="0" noProof="0" dirty="0">
+                <a:ln>
+                  <a:noFill/>
+                </a:ln>
+                <a:solidFill>
+                  <a:prstClr val="white"/>
+                </a:solidFill>
+                <a:effectLst/>
+                <a:uLnTx/>
+                <a:uFillTx/>
+                <a:latin typeface="Calibri" panose="020F0502020204030204"/>
+                <a:ea typeface="+mn-ea"/>
+                <a:cs typeface="+mn-cs"/>
+              </a:rPr>
+              <a:t>Automation Code</a:t>
+            </a:r>
+            <a:r>
+              <a:rPr kumimoji="0" lang="de-DE" sz="1800" b="0" i="0" u="none" strike="noStrike" kern="1200" cap="none" spc="0" normalizeH="0" baseline="0" noProof="0" dirty="0">
+                <a:ln>
+                  <a:noFill/>
+                </a:ln>
+                <a:solidFill>
+                  <a:prstClr val="white"/>
+                </a:solidFill>
+                <a:effectLst/>
+                <a:uLnTx/>
+                <a:uFillTx/>
+                <a:latin typeface="Calibri" panose="020F0502020204030204"/>
+                <a:ea typeface="+mn-ea"/>
+                <a:cs typeface="+mn-cs"/>
+              </a:rPr>
+              <a:t> </a:t>
+            </a:r>
+            <a:r>
+              <a:rPr kumimoji="0" lang="de-DE" sz="1800" b="0" i="0" u="none" strike="noStrike" kern="1200" cap="none" spc="0" normalizeH="0" baseline="0" noProof="0" dirty="0" err="1">
+                <a:ln>
+                  <a:noFill/>
+                </a:ln>
+                <a:solidFill>
+                  <a:prstClr val="white"/>
+                </a:solidFill>
+                <a:effectLst/>
+                <a:uLnTx/>
+                <a:uFillTx/>
+                <a:latin typeface="Calibri" panose="020F0502020204030204"/>
+                <a:ea typeface="+mn-ea"/>
+                <a:cs typeface="+mn-cs"/>
+              </a:rPr>
+              <a:t>to</a:t>
+            </a:r>
+            <a:r>
+              <a:rPr kumimoji="0" lang="de-DE" sz="1800" b="0" i="0" u="none" strike="noStrike" kern="1200" cap="none" spc="0" normalizeH="0" baseline="0" noProof="0" dirty="0">
+                <a:ln>
+                  <a:noFill/>
+                </a:ln>
+                <a:solidFill>
+                  <a:prstClr val="white"/>
+                </a:solidFill>
+                <a:effectLst/>
+                <a:uLnTx/>
+                <a:uFillTx/>
+                <a:latin typeface="Calibri" panose="020F0502020204030204"/>
+                <a:ea typeface="+mn-ea"/>
+                <a:cs typeface="+mn-cs"/>
+              </a:rPr>
+              <a:t> </a:t>
+            </a:r>
+            <a:r>
+              <a:rPr kumimoji="0" lang="de-DE" sz="1800" b="0" i="0" u="none" strike="noStrike" kern="1200" cap="none" spc="0" normalizeH="0" baseline="0" noProof="0" dirty="0" err="1">
+                <a:ln>
+                  <a:noFill/>
+                </a:ln>
+                <a:solidFill>
+                  <a:prstClr val="white"/>
+                </a:solidFill>
+                <a:effectLst/>
+                <a:uLnTx/>
+                <a:uFillTx/>
+                <a:latin typeface="Calibri" panose="020F0502020204030204"/>
+                <a:ea typeface="+mn-ea"/>
+                <a:cs typeface="+mn-cs"/>
+              </a:rPr>
+              <a:t>deploy</a:t>
+            </a:r>
+            <a:r>
+              <a:rPr kumimoji="0" lang="de-DE" sz="1800" b="0" i="0" u="none" strike="noStrike" kern="1200" cap="none" spc="0" normalizeH="0" baseline="0" noProof="0" dirty="0">
+                <a:ln>
+                  <a:noFill/>
+                </a:ln>
+                <a:solidFill>
+                  <a:prstClr val="white"/>
+                </a:solidFill>
+                <a:effectLst/>
+                <a:uLnTx/>
+                <a:uFillTx/>
+                <a:latin typeface="Calibri" panose="020F0502020204030204"/>
+                <a:ea typeface="+mn-ea"/>
+                <a:cs typeface="+mn-cs"/>
+              </a:rPr>
+              <a:t> </a:t>
+            </a:r>
+            <a:r>
+              <a:rPr kumimoji="0" lang="de-DE" sz="1800" b="0" i="0" u="none" strike="noStrike" kern="1200" cap="none" spc="0" normalizeH="0" baseline="0" noProof="0" dirty="0" err="1">
+                <a:ln>
+                  <a:noFill/>
+                </a:ln>
+                <a:solidFill>
+                  <a:prstClr val="white"/>
+                </a:solidFill>
+                <a:effectLst/>
+                <a:uLnTx/>
+                <a:uFillTx/>
+                <a:latin typeface="Calibri" panose="020F0502020204030204"/>
+                <a:ea typeface="+mn-ea"/>
+                <a:cs typeface="+mn-cs"/>
+              </a:rPr>
+              <a:t>to</a:t>
+            </a:r>
+            <a:r>
+              <a:rPr kumimoji="0" lang="de-DE" sz="1800" b="0" i="0" u="none" strike="noStrike" kern="1200" cap="none" spc="0" normalizeH="0" baseline="0" noProof="0" dirty="0">
+                <a:ln>
+                  <a:noFill/>
+                </a:ln>
+                <a:solidFill>
+                  <a:prstClr val="white"/>
+                </a:solidFill>
+                <a:effectLst/>
+                <a:uLnTx/>
+                <a:uFillTx/>
+                <a:latin typeface="Calibri" panose="020F0502020204030204"/>
+                <a:ea typeface="+mn-ea"/>
+                <a:cs typeface="+mn-cs"/>
+              </a:rPr>
+              <a:t> </a:t>
+            </a:r>
+            <a:r>
+              <a:rPr kumimoji="0" lang="de-DE" sz="1800" b="0" i="0" u="none" strike="noStrike" kern="1200" cap="none" spc="0" normalizeH="0" baseline="0" noProof="0" dirty="0" err="1">
+                <a:ln>
+                  <a:noFill/>
+                </a:ln>
+                <a:solidFill>
+                  <a:prstClr val="white"/>
+                </a:solidFill>
+                <a:effectLst/>
+                <a:uLnTx/>
+                <a:uFillTx/>
+                <a:latin typeface="Calibri" panose="020F0502020204030204"/>
+                <a:ea typeface="+mn-ea"/>
+                <a:cs typeface="+mn-cs"/>
+              </a:rPr>
+              <a:t>target</a:t>
+            </a:r>
+            <a:r>
+              <a:rPr kumimoji="0" lang="de-DE" sz="1800" b="0" i="0" u="none" strike="noStrike" kern="1200" cap="none" spc="0" normalizeH="0" baseline="0" noProof="0" dirty="0">
+                <a:ln>
+                  <a:noFill/>
+                </a:ln>
+                <a:solidFill>
+                  <a:prstClr val="white"/>
+                </a:solidFill>
+                <a:effectLst/>
+                <a:uLnTx/>
+                <a:uFillTx/>
+                <a:latin typeface="Calibri" panose="020F0502020204030204"/>
+                <a:ea typeface="+mn-ea"/>
+                <a:cs typeface="+mn-cs"/>
+              </a:rPr>
+              <a:t> </a:t>
+            </a:r>
+            <a:r>
+              <a:rPr kumimoji="0" lang="de-DE" sz="1800" b="0" i="0" u="none" strike="noStrike" kern="1200" cap="none" spc="0" normalizeH="0" baseline="0" noProof="0" dirty="0" err="1">
+                <a:ln>
+                  <a:noFill/>
+                </a:ln>
+                <a:solidFill>
+                  <a:prstClr val="white"/>
+                </a:solidFill>
+                <a:effectLst/>
+                <a:uLnTx/>
+                <a:uFillTx/>
+                <a:latin typeface="Calibri" panose="020F0502020204030204"/>
+                <a:ea typeface="+mn-ea"/>
+                <a:cs typeface="+mn-cs"/>
+              </a:rPr>
+              <a:t>environment</a:t>
+            </a:r>
+            <a:r>
+              <a:rPr kumimoji="0" lang="de-DE" sz="1800" b="0" i="0" u="none" strike="noStrike" kern="1200" cap="none" spc="0" normalizeH="0" baseline="0" noProof="0" dirty="0">
+                <a:ln>
+                  <a:noFill/>
+                </a:ln>
+                <a:solidFill>
+                  <a:prstClr val="white"/>
+                </a:solidFill>
+                <a:effectLst/>
+                <a:uLnTx/>
+                <a:uFillTx/>
+                <a:latin typeface="Calibri" panose="020F0502020204030204"/>
+                <a:ea typeface="+mn-ea"/>
+                <a:cs typeface="+mn-cs"/>
+              </a:rPr>
+              <a:t> </a:t>
+            </a:r>
+            <a:r>
+              <a:rPr kumimoji="0" lang="de-DE" sz="1800" b="0" i="0" u="none" strike="noStrike" kern="1200" cap="none" spc="0" normalizeH="0" baseline="0" noProof="0" dirty="0">
+                <a:ln>
+                  <a:noFill/>
+                </a:ln>
+                <a:solidFill>
+                  <a:prstClr val="white"/>
+                </a:solidFill>
+                <a:effectLst/>
+                <a:uLnTx/>
+                <a:uFillTx/>
+                <a:latin typeface="Calibri" panose="020F0502020204030204"/>
+                <a:ea typeface="+mn-ea"/>
+                <a:cs typeface="+mn-cs"/>
+                <a:sym typeface="Wingdings" panose="05000000000000000000" pitchFamily="2" charset="2"/>
+              </a:rPr>
+              <a:t> </a:t>
+            </a:r>
+            <a:r>
+              <a:rPr kumimoji="0" lang="de-DE" sz="1800" b="0" i="0" u="none" strike="noStrike" kern="1200" cap="none" spc="0" normalizeH="0" baseline="0" noProof="0" dirty="0" err="1">
+                <a:ln>
+                  <a:noFill/>
+                </a:ln>
+                <a:solidFill>
+                  <a:prstClr val="white"/>
+                </a:solidFill>
+                <a:effectLst/>
+                <a:uLnTx/>
+                <a:uFillTx/>
+                <a:latin typeface="Calibri" panose="020F0502020204030204"/>
+                <a:ea typeface="+mn-ea"/>
+                <a:cs typeface="+mn-cs"/>
+                <a:sym typeface="Wingdings" panose="05000000000000000000" pitchFamily="2" charset="2"/>
+              </a:rPr>
+              <a:t>Azure</a:t>
+            </a:r>
+            <a:r>
+              <a:rPr kumimoji="0" lang="de-DE" sz="1800" b="0" i="0" u="none" strike="noStrike" kern="1200" cap="none" spc="0" normalizeH="0" baseline="0" noProof="0" dirty="0">
+                <a:ln>
+                  <a:noFill/>
+                </a:ln>
+                <a:solidFill>
+                  <a:prstClr val="white"/>
+                </a:solidFill>
+                <a:effectLst/>
+                <a:uLnTx/>
+                <a:uFillTx/>
+                <a:latin typeface="Calibri" panose="020F0502020204030204"/>
+                <a:ea typeface="+mn-ea"/>
+                <a:cs typeface="+mn-cs"/>
+                <a:sym typeface="Wingdings" panose="05000000000000000000" pitchFamily="2" charset="2"/>
+              </a:rPr>
+              <a:t> </a:t>
+            </a:r>
+            <a:r>
+              <a:rPr kumimoji="0" lang="de-DE" sz="1800" b="0" i="0" u="none" strike="noStrike" kern="1200" cap="none" spc="0" normalizeH="0" baseline="0" noProof="0" dirty="0" err="1">
+                <a:ln>
+                  <a:noFill/>
+                </a:ln>
+                <a:solidFill>
+                  <a:prstClr val="white"/>
+                </a:solidFill>
+                <a:effectLst/>
+                <a:uLnTx/>
+                <a:uFillTx/>
+                <a:latin typeface="Calibri" panose="020F0502020204030204"/>
+                <a:ea typeface="+mn-ea"/>
+                <a:cs typeface="+mn-cs"/>
+                <a:sym typeface="Wingdings" panose="05000000000000000000" pitchFamily="2" charset="2"/>
+              </a:rPr>
+              <a:t>DevOps</a:t>
+            </a:r>
+            <a:r>
+              <a:rPr kumimoji="0" lang="de-DE" sz="1800" b="0" i="0" u="none" strike="noStrike" kern="1200" cap="none" spc="0" normalizeH="0" baseline="0" noProof="0" dirty="0">
+                <a:ln>
+                  <a:noFill/>
+                </a:ln>
+                <a:solidFill>
+                  <a:prstClr val="white"/>
+                </a:solidFill>
+                <a:effectLst/>
+                <a:uLnTx/>
+                <a:uFillTx/>
+                <a:latin typeface="Calibri" panose="020F0502020204030204"/>
+                <a:ea typeface="+mn-ea"/>
+                <a:cs typeface="+mn-cs"/>
+                <a:sym typeface="Wingdings" panose="05000000000000000000" pitchFamily="2" charset="2"/>
+              </a:rPr>
+              <a:t>, </a:t>
+            </a:r>
+            <a:r>
+              <a:rPr kumimoji="0" lang="de-DE" sz="1800" b="0" i="0" u="none" strike="noStrike" kern="1200" cap="none" spc="0" normalizeH="0" baseline="0" noProof="0" dirty="0" err="1">
+                <a:ln>
+                  <a:noFill/>
+                </a:ln>
+                <a:solidFill>
+                  <a:prstClr val="white"/>
+                </a:solidFill>
+                <a:effectLst/>
+                <a:uLnTx/>
+                <a:uFillTx/>
+                <a:latin typeface="Calibri" panose="020F0502020204030204"/>
+                <a:ea typeface="+mn-ea"/>
+                <a:cs typeface="+mn-cs"/>
+                <a:sym typeface="Wingdings" panose="05000000000000000000" pitchFamily="2" charset="2"/>
+              </a:rPr>
+              <a:t>GitHub</a:t>
+            </a:r>
+            <a:r>
+              <a:rPr kumimoji="0" lang="de-DE" sz="1800" b="0" i="0" u="none" strike="noStrike" kern="1200" cap="none" spc="0" normalizeH="0" baseline="0" noProof="0" dirty="0">
+                <a:ln>
+                  <a:noFill/>
+                </a:ln>
+                <a:solidFill>
+                  <a:prstClr val="white"/>
+                </a:solidFill>
+                <a:effectLst/>
+                <a:uLnTx/>
+                <a:uFillTx/>
+                <a:latin typeface="Calibri" panose="020F0502020204030204"/>
+                <a:ea typeface="+mn-ea"/>
+                <a:cs typeface="+mn-cs"/>
+                <a:sym typeface="Wingdings" panose="05000000000000000000" pitchFamily="2" charset="2"/>
+              </a:rPr>
+              <a:t> Actions</a:t>
+            </a:r>
+            <a:endParaRPr kumimoji="0" lang="de-DE" sz="1800" b="0" i="0" u="none" strike="noStrike" kern="1200" cap="none" spc="0" normalizeH="0" baseline="0" noProof="0" dirty="0">
+              <a:ln>
+                <a:noFill/>
+              </a:ln>
+              <a:solidFill>
+                <a:prstClr val="white"/>
+              </a:solidFill>
+              <a:effectLst/>
+              <a:uLnTx/>
+              <a:uFillTx/>
+              <a:latin typeface="Calibri" panose="020F0502020204030204"/>
+              <a:ea typeface="+mn-ea"/>
+              <a:cs typeface="+mn-cs"/>
+            </a:endParaRPr>
+          </a:p>
+        </p:txBody>
+      </p:sp>
+      <p:grpSp>
+        <p:nvGrpSpPr>
+          <p:cNvPr id="57" name="Group 56">
+            <a:extLst>
+              <a:ext uri="{FF2B5EF4-FFF2-40B4-BE49-F238E27FC236}">
+                <a16:creationId xmlns:a16="http://schemas.microsoft.com/office/drawing/2014/main" id="{9C5220C7-C06A-4120-9B89-C0646A42D4AA}"/>
+              </a:ext>
+            </a:extLst>
+          </p:cNvPr>
+          <p:cNvGrpSpPr/>
+          <p:nvPr/>
+        </p:nvGrpSpPr>
+        <p:grpSpPr>
+          <a:xfrm>
+            <a:off x="2232431" y="2156647"/>
+            <a:ext cx="407185" cy="355707"/>
+            <a:chOff x="5382069" y="2183319"/>
+            <a:chExt cx="501254" cy="454584"/>
+          </a:xfrm>
+        </p:grpSpPr>
+        <p:sp>
+          <p:nvSpPr>
+            <p:cNvPr id="61" name="Freeform 21">
+              <a:extLst>
+                <a:ext uri="{FF2B5EF4-FFF2-40B4-BE49-F238E27FC236}">
+                  <a16:creationId xmlns:a16="http://schemas.microsoft.com/office/drawing/2014/main" id="{EF8DAFEE-D603-4172-8684-A70020988641}"/>
+                </a:ext>
+              </a:extLst>
+            </p:cNvPr>
+            <p:cNvSpPr>
+              <a:spLocks/>
+            </p:cNvSpPr>
+            <p:nvPr/>
+          </p:nvSpPr>
+          <p:spPr bwMode="auto">
+            <a:xfrm>
+              <a:off x="5382069" y="2183319"/>
+              <a:ext cx="501254" cy="454584"/>
+            </a:xfrm>
+            <a:custGeom>
+              <a:avLst/>
+              <a:gdLst>
+                <a:gd name="T0" fmla="*/ 45 w 325"/>
+                <a:gd name="T1" fmla="*/ 61 h 294"/>
+                <a:gd name="T2" fmla="*/ 183 w 325"/>
+                <a:gd name="T3" fmla="*/ 3 h 294"/>
+                <a:gd name="T4" fmla="*/ 308 w 325"/>
+                <a:gd name="T5" fmla="*/ 75 h 294"/>
+                <a:gd name="T6" fmla="*/ 178 w 325"/>
+                <a:gd name="T7" fmla="*/ 294 h 294"/>
+                <a:gd name="T8" fmla="*/ 45 w 325"/>
+                <a:gd name="T9" fmla="*/ 61 h 294"/>
+              </a:gdLst>
+              <a:ahLst/>
+              <a:cxnLst>
+                <a:cxn ang="0">
+                  <a:pos x="T0" y="T1"/>
+                </a:cxn>
+                <a:cxn ang="0">
+                  <a:pos x="T2" y="T3"/>
+                </a:cxn>
+                <a:cxn ang="0">
+                  <a:pos x="T4" y="T5"/>
+                </a:cxn>
+                <a:cxn ang="0">
+                  <a:pos x="T6" y="T7"/>
+                </a:cxn>
+                <a:cxn ang="0">
+                  <a:pos x="T8" y="T9"/>
+                </a:cxn>
+              </a:cxnLst>
+              <a:rect l="0" t="0" r="r" b="b"/>
+              <a:pathLst>
+                <a:path w="325" h="294">
+                  <a:moveTo>
+                    <a:pt x="45" y="61"/>
+                  </a:moveTo>
+                  <a:cubicBezTo>
+                    <a:pt x="103" y="0"/>
+                    <a:pt x="183" y="3"/>
+                    <a:pt x="183" y="3"/>
+                  </a:cubicBezTo>
+                  <a:cubicBezTo>
+                    <a:pt x="205" y="25"/>
+                    <a:pt x="294" y="20"/>
+                    <a:pt x="308" y="75"/>
+                  </a:cubicBezTo>
+                  <a:cubicBezTo>
+                    <a:pt x="325" y="148"/>
+                    <a:pt x="284" y="281"/>
+                    <a:pt x="178" y="294"/>
+                  </a:cubicBezTo>
+                  <a:cubicBezTo>
+                    <a:pt x="0" y="265"/>
+                    <a:pt x="45" y="61"/>
+                    <a:pt x="45" y="61"/>
+                  </a:cubicBezTo>
+                </a:path>
+              </a:pathLst>
+            </a:custGeom>
+            <a:solidFill>
+              <a:schemeClr val="accent6">
+                <a:lumMod val="40000"/>
+                <a:lumOff val="60000"/>
+              </a:schemeClr>
+            </a:solidFill>
+            <a:ln>
+              <a:noFill/>
+            </a:ln>
+            <a:extLst>
+              <a:ext uri="{91240B29-F687-4f45-9708-019B960494DF}">
+                <a14:hiddenLine xmlns="" xmlns:a14="http://schemas.microsoft.com/office/drawing/2010/main" w="9525">
+                  <a:solidFill>
+                    <a:srgbClr val="000000"/>
+                  </a:solidFill>
+                  <a:round/>
+                  <a:headEnd/>
+                  <a:tailEnd/>
+                </a14:hiddenLine>
+              </a:ext>
+            </a:extLst>
+          </p:spPr>
+          <p:txBody>
+            <a:bodyPr vert="horz" wrap="square" lIns="91440" tIns="45720" rIns="91440" bIns="45720" numCol="1" anchor="t" anchorCtr="0" compatLnSpc="1">
+              <a:prstTxWarp prst="textNoShape">
+                <a:avLst/>
+              </a:prstTxWarp>
+            </a:bodyPr>
+            <a:lstStyle/>
+            <a:p>
+              <a:endParaRPr lang="pt-PT"/>
+            </a:p>
+          </p:txBody>
+        </p:sp>
+        <p:sp>
+          <p:nvSpPr>
+            <p:cNvPr id="62" name="Freeform 22">
+              <a:extLst>
+                <a:ext uri="{FF2B5EF4-FFF2-40B4-BE49-F238E27FC236}">
+                  <a16:creationId xmlns:a16="http://schemas.microsoft.com/office/drawing/2014/main" id="{82094CEA-7DA1-430C-B43A-ECE3D5A2CE77}"/>
+                </a:ext>
+              </a:extLst>
+            </p:cNvPr>
+            <p:cNvSpPr>
+              <a:spLocks/>
+            </p:cNvSpPr>
+            <p:nvPr/>
+          </p:nvSpPr>
+          <p:spPr bwMode="auto">
+            <a:xfrm>
+              <a:off x="5446628" y="2245261"/>
+              <a:ext cx="246594" cy="336473"/>
+            </a:xfrm>
+            <a:custGeom>
+              <a:avLst/>
+              <a:gdLst>
+                <a:gd name="T0" fmla="*/ 137 w 160"/>
+                <a:gd name="T1" fmla="*/ 40 h 218"/>
+                <a:gd name="T2" fmla="*/ 137 w 160"/>
+                <a:gd name="T3" fmla="*/ 38 h 218"/>
+                <a:gd name="T4" fmla="*/ 137 w 160"/>
+                <a:gd name="T5" fmla="*/ 37 h 218"/>
+                <a:gd name="T6" fmla="*/ 135 w 160"/>
+                <a:gd name="T7" fmla="*/ 0 h 218"/>
+                <a:gd name="T8" fmla="*/ 33 w 160"/>
+                <a:gd name="T9" fmla="*/ 43 h 218"/>
+                <a:gd name="T10" fmla="*/ 133 w 160"/>
+                <a:gd name="T11" fmla="*/ 218 h 218"/>
+                <a:gd name="T12" fmla="*/ 137 w 160"/>
+                <a:gd name="T13" fmla="*/ 40 h 218"/>
+              </a:gdLst>
+              <a:ahLst/>
+              <a:cxnLst>
+                <a:cxn ang="0">
+                  <a:pos x="T0" y="T1"/>
+                </a:cxn>
+                <a:cxn ang="0">
+                  <a:pos x="T2" y="T3"/>
+                </a:cxn>
+                <a:cxn ang="0">
+                  <a:pos x="T4" y="T5"/>
+                </a:cxn>
+                <a:cxn ang="0">
+                  <a:pos x="T6" y="T7"/>
+                </a:cxn>
+                <a:cxn ang="0">
+                  <a:pos x="T8" y="T9"/>
+                </a:cxn>
+                <a:cxn ang="0">
+                  <a:pos x="T10" y="T11"/>
+                </a:cxn>
+                <a:cxn ang="0">
+                  <a:pos x="T12" y="T13"/>
+                </a:cxn>
+              </a:cxnLst>
+              <a:rect l="0" t="0" r="r" b="b"/>
+              <a:pathLst>
+                <a:path w="160" h="218">
+                  <a:moveTo>
+                    <a:pt x="137" y="40"/>
+                  </a:moveTo>
+                  <a:cubicBezTo>
+                    <a:pt x="137" y="39"/>
+                    <a:pt x="137" y="39"/>
+                    <a:pt x="137" y="38"/>
+                  </a:cubicBezTo>
+                  <a:cubicBezTo>
+                    <a:pt x="137" y="38"/>
+                    <a:pt x="137" y="38"/>
+                    <a:pt x="137" y="37"/>
+                  </a:cubicBezTo>
+                  <a:cubicBezTo>
+                    <a:pt x="135" y="20"/>
+                    <a:pt x="134" y="9"/>
+                    <a:pt x="135" y="0"/>
+                  </a:cubicBezTo>
+                  <a:cubicBezTo>
+                    <a:pt x="124" y="0"/>
+                    <a:pt x="72" y="3"/>
+                    <a:pt x="33" y="43"/>
+                  </a:cubicBezTo>
+                  <a:cubicBezTo>
+                    <a:pt x="33" y="43"/>
+                    <a:pt x="0" y="196"/>
+                    <a:pt x="133" y="218"/>
+                  </a:cubicBezTo>
+                  <a:cubicBezTo>
+                    <a:pt x="160" y="170"/>
+                    <a:pt x="144" y="91"/>
+                    <a:pt x="137" y="40"/>
+                  </a:cubicBezTo>
+                  <a:close/>
+                </a:path>
+              </a:pathLst>
+            </a:custGeom>
+            <a:solidFill>
+              <a:schemeClr val="accent3"/>
+            </a:solidFill>
+            <a:ln>
+              <a:noFill/>
+            </a:ln>
+            <a:extLst>
+              <a:ext uri="{91240B29-F687-4f45-9708-019B960494DF}">
+                <a14:hiddenLine xmlns="" xmlns:a14="http://schemas.microsoft.com/office/drawing/2010/main" w="9525">
+                  <a:solidFill>
+                    <a:srgbClr val="000000"/>
+                  </a:solidFill>
+                  <a:round/>
+                  <a:headEnd/>
+                  <a:tailEnd/>
+                </a14:hiddenLine>
+              </a:ext>
+            </a:extLst>
+          </p:spPr>
+          <p:txBody>
+            <a:bodyPr vert="horz" wrap="square" lIns="91440" tIns="45720" rIns="91440" bIns="45720" numCol="1" anchor="t" anchorCtr="0" compatLnSpc="1">
+              <a:prstTxWarp prst="textNoShape">
+                <a:avLst/>
+              </a:prstTxWarp>
+            </a:bodyPr>
+            <a:lstStyle/>
+            <a:p>
+              <a:endParaRPr lang="pt-PT"/>
+            </a:p>
+          </p:txBody>
+        </p:sp>
+      </p:grpSp>
+      <p:pic>
+        <p:nvPicPr>
+          <p:cNvPr id="63" name="Picture 2" descr="Github, logo Kostenlos Symbol von Garden stroke">
+            <a:extLst>
+              <a:ext uri="{FF2B5EF4-FFF2-40B4-BE49-F238E27FC236}">
+                <a16:creationId xmlns:a16="http://schemas.microsoft.com/office/drawing/2014/main" id="{4B1B41E4-A570-4D81-BE50-92F5DA3CD52A}"/>
+              </a:ext>
+            </a:extLst>
+          </p:cNvPr>
+          <p:cNvPicPr>
+            <a:picLocks noChangeAspect="1" noChangeArrowheads="1"/>
+          </p:cNvPicPr>
+          <p:nvPr/>
+        </p:nvPicPr>
+        <p:blipFill>
+          <a:blip r:embed="rId2">
+            <a:extLst>
+              <a:ext uri="{28A0092B-C50C-407E-A947-70E740481C1C}">
+                <a14:useLocalDpi xmlns:a14="http://schemas.microsoft.com/office/drawing/2010/main" val="0"/>
+              </a:ext>
+            </a:extLst>
+          </a:blip>
+          <a:srcRect/>
+          <a:stretch>
+            <a:fillRect/>
+          </a:stretch>
+        </p:blipFill>
+        <p:spPr bwMode="auto">
+          <a:xfrm>
+            <a:off x="1250444" y="2150666"/>
+            <a:ext cx="360040" cy="360040"/>
+          </a:xfrm>
+          <a:prstGeom prst="rect">
+            <a:avLst/>
+          </a:prstGeom>
+          <a:noFill/>
+          <a:extLst>
+            <a:ext uri="{909E8E84-426E-40DD-AFC4-6F175D3DCCD1}">
+              <a14:hiddenFill xmlns:a14="http://schemas.microsoft.com/office/drawing/2010/main">
+                <a:solidFill>
+                  <a:srgbClr val="FFFFFF"/>
+                </a:solidFill>
+              </a14:hiddenFill>
+            </a:ext>
+          </a:extLst>
+        </p:spPr>
+      </p:pic>
+      <p:grpSp>
+        <p:nvGrpSpPr>
+          <p:cNvPr id="73" name="Group 72">
+            <a:extLst>
+              <a:ext uri="{FF2B5EF4-FFF2-40B4-BE49-F238E27FC236}">
+                <a16:creationId xmlns:a16="http://schemas.microsoft.com/office/drawing/2014/main" id="{EE2AA1C4-60F6-4DFC-97F8-77ADE89CC248}"/>
+              </a:ext>
+            </a:extLst>
+          </p:cNvPr>
+          <p:cNvGrpSpPr/>
+          <p:nvPr/>
+        </p:nvGrpSpPr>
+        <p:grpSpPr>
+          <a:xfrm>
+            <a:off x="2840345" y="2178263"/>
+            <a:ext cx="282307" cy="317706"/>
+            <a:chOff x="7628125" y="3966722"/>
+            <a:chExt cx="491038" cy="463218"/>
+          </a:xfrm>
+        </p:grpSpPr>
+        <p:sp>
+          <p:nvSpPr>
+            <p:cNvPr id="74" name="Freeform 47">
+              <a:extLst>
+                <a:ext uri="{FF2B5EF4-FFF2-40B4-BE49-F238E27FC236}">
+                  <a16:creationId xmlns:a16="http://schemas.microsoft.com/office/drawing/2014/main" id="{BB85852F-2821-4398-93FA-54D2EF44F170}"/>
+                </a:ext>
+              </a:extLst>
+            </p:cNvPr>
+            <p:cNvSpPr>
+              <a:spLocks/>
+            </p:cNvSpPr>
+            <p:nvPr/>
+          </p:nvSpPr>
+          <p:spPr bwMode="auto">
+            <a:xfrm>
+              <a:off x="7628125" y="3966722"/>
+              <a:ext cx="491038" cy="299075"/>
+            </a:xfrm>
+            <a:custGeom>
+              <a:avLst/>
+              <a:gdLst>
+                <a:gd name="T0" fmla="*/ 55 w 149"/>
+                <a:gd name="T1" fmla="*/ 28 h 91"/>
+                <a:gd name="T2" fmla="*/ 85 w 149"/>
+                <a:gd name="T3" fmla="*/ 91 h 91"/>
+                <a:gd name="T4" fmla="*/ 96 w 149"/>
+                <a:gd name="T5" fmla="*/ 69 h 91"/>
+                <a:gd name="T6" fmla="*/ 142 w 149"/>
+                <a:gd name="T7" fmla="*/ 68 h 91"/>
+                <a:gd name="T8" fmla="*/ 149 w 149"/>
+                <a:gd name="T9" fmla="*/ 41 h 91"/>
+                <a:gd name="T10" fmla="*/ 108 w 149"/>
+                <a:gd name="T11" fmla="*/ 0 h 91"/>
+                <a:gd name="T12" fmla="*/ 74 w 149"/>
+                <a:gd name="T13" fmla="*/ 25 h 91"/>
+                <a:gd name="T14" fmla="*/ 40 w 149"/>
+                <a:gd name="T15" fmla="*/ 0 h 91"/>
+                <a:gd name="T16" fmla="*/ 0 w 149"/>
+                <a:gd name="T17" fmla="*/ 41 h 91"/>
+                <a:gd name="T18" fmla="*/ 7 w 149"/>
+                <a:gd name="T19" fmla="*/ 68 h 91"/>
+                <a:gd name="T20" fmla="*/ 45 w 149"/>
+                <a:gd name="T21" fmla="*/ 68 h 91"/>
+                <a:gd name="T22" fmla="*/ 55 w 149"/>
+                <a:gd name="T23" fmla="*/ 28 h 91"/>
+              </a:gdLst>
+              <a:ahLst/>
+              <a:cxnLst>
+                <a:cxn ang="0">
+                  <a:pos x="T0" y="T1"/>
+                </a:cxn>
+                <a:cxn ang="0">
+                  <a:pos x="T2" y="T3"/>
+                </a:cxn>
+                <a:cxn ang="0">
+                  <a:pos x="T4" y="T5"/>
+                </a:cxn>
+                <a:cxn ang="0">
+                  <a:pos x="T6" y="T7"/>
+                </a:cxn>
+                <a:cxn ang="0">
+                  <a:pos x="T8" y="T9"/>
+                </a:cxn>
+                <a:cxn ang="0">
+                  <a:pos x="T10" y="T11"/>
+                </a:cxn>
+                <a:cxn ang="0">
+                  <a:pos x="T12" y="T13"/>
+                </a:cxn>
+                <a:cxn ang="0">
+                  <a:pos x="T14" y="T15"/>
+                </a:cxn>
+                <a:cxn ang="0">
+                  <a:pos x="T16" y="T17"/>
+                </a:cxn>
+                <a:cxn ang="0">
+                  <a:pos x="T18" y="T19"/>
+                </a:cxn>
+                <a:cxn ang="0">
+                  <a:pos x="T20" y="T21"/>
+                </a:cxn>
+                <a:cxn ang="0">
+                  <a:pos x="T22" y="T23"/>
+                </a:cxn>
+              </a:cxnLst>
+              <a:rect l="0" t="0" r="r" b="b"/>
+              <a:pathLst>
+                <a:path w="149" h="91">
+                  <a:moveTo>
+                    <a:pt x="55" y="28"/>
+                  </a:moveTo>
+                  <a:cubicBezTo>
+                    <a:pt x="85" y="91"/>
+                    <a:pt x="85" y="91"/>
+                    <a:pt x="85" y="91"/>
+                  </a:cubicBezTo>
+                  <a:cubicBezTo>
+                    <a:pt x="96" y="69"/>
+                    <a:pt x="96" y="69"/>
+                    <a:pt x="96" y="69"/>
+                  </a:cubicBezTo>
+                  <a:cubicBezTo>
+                    <a:pt x="142" y="68"/>
+                    <a:pt x="142" y="68"/>
+                    <a:pt x="142" y="68"/>
+                  </a:cubicBezTo>
+                  <a:cubicBezTo>
+                    <a:pt x="146" y="59"/>
+                    <a:pt x="149" y="50"/>
+                    <a:pt x="149" y="41"/>
+                  </a:cubicBezTo>
+                  <a:cubicBezTo>
+                    <a:pt x="149" y="19"/>
+                    <a:pt x="131" y="0"/>
+                    <a:pt x="108" y="0"/>
+                  </a:cubicBezTo>
+                  <a:cubicBezTo>
+                    <a:pt x="94" y="0"/>
+                    <a:pt x="81" y="13"/>
+                    <a:pt x="74" y="25"/>
+                  </a:cubicBezTo>
+                  <a:cubicBezTo>
+                    <a:pt x="67" y="13"/>
+                    <a:pt x="54" y="0"/>
+                    <a:pt x="40" y="0"/>
+                  </a:cubicBezTo>
+                  <a:cubicBezTo>
+                    <a:pt x="18" y="0"/>
+                    <a:pt x="0" y="19"/>
+                    <a:pt x="0" y="41"/>
+                  </a:cubicBezTo>
+                  <a:cubicBezTo>
+                    <a:pt x="0" y="50"/>
+                    <a:pt x="2" y="59"/>
+                    <a:pt x="7" y="68"/>
+                  </a:cubicBezTo>
+                  <a:cubicBezTo>
+                    <a:pt x="45" y="68"/>
+                    <a:pt x="45" y="68"/>
+                    <a:pt x="45" y="68"/>
+                  </a:cubicBezTo>
+                  <a:lnTo>
+                    <a:pt x="55" y="28"/>
+                  </a:lnTo>
+                  <a:close/>
+                </a:path>
+              </a:pathLst>
+            </a:custGeom>
+            <a:solidFill>
+              <a:srgbClr val="FF304C"/>
+            </a:solidFill>
+            <a:ln>
+              <a:noFill/>
+            </a:ln>
+          </p:spPr>
+          <p:txBody>
+            <a:bodyPr vert="horz" wrap="square" lIns="91440" tIns="45720" rIns="91440" bIns="45720" numCol="1" anchor="t" anchorCtr="0" compatLnSpc="1">
+              <a:prstTxWarp prst="textNoShape">
+                <a:avLst/>
+              </a:prstTxWarp>
+            </a:bodyPr>
+            <a:lstStyle/>
+            <a:p>
+              <a:pPr marL="0" marR="0" lvl="0" indent="0" defTabSz="914400" eaLnBrk="1" fontAlgn="auto" latinLnBrk="0" hangingPunct="1">
+                <a:lnSpc>
+                  <a:spcPct val="100000"/>
+                </a:lnSpc>
+                <a:spcBef>
+                  <a:spcPts val="0"/>
+                </a:spcBef>
+                <a:spcAft>
+                  <a:spcPts val="0"/>
+                </a:spcAft>
+                <a:buClrTx/>
+                <a:buSzTx/>
+                <a:buFontTx/>
+                <a:buNone/>
+                <a:tabLst/>
+                <a:defRPr/>
+              </a:pPr>
+              <a:endParaRPr kumimoji="0" lang="en-IE" sz="1800" b="0" i="0" u="none" strike="noStrike" kern="0" cap="none" spc="0" normalizeH="0" baseline="0" noProof="0">
+                <a:ln>
+                  <a:noFill/>
+                </a:ln>
+                <a:solidFill>
+                  <a:prstClr val="black"/>
+                </a:solidFill>
+                <a:effectLst/>
+                <a:uLnTx/>
+                <a:uFillTx/>
+                <a:latin typeface="Verdana"/>
+              </a:endParaRPr>
+            </a:p>
+          </p:txBody>
+        </p:sp>
+        <p:sp>
+          <p:nvSpPr>
+            <p:cNvPr id="75" name="Freeform 48">
+              <a:extLst>
+                <a:ext uri="{FF2B5EF4-FFF2-40B4-BE49-F238E27FC236}">
+                  <a16:creationId xmlns:a16="http://schemas.microsoft.com/office/drawing/2014/main" id="{57AE11C6-9232-4123-B34A-934B3AD8D659}"/>
+                </a:ext>
+              </a:extLst>
+            </p:cNvPr>
+            <p:cNvSpPr>
+              <a:spLocks/>
+            </p:cNvSpPr>
+            <p:nvPr/>
+          </p:nvSpPr>
+          <p:spPr bwMode="auto">
+            <a:xfrm>
+              <a:off x="7664292" y="4147558"/>
+              <a:ext cx="418704" cy="282382"/>
+            </a:xfrm>
+            <a:custGeom>
+              <a:avLst/>
+              <a:gdLst>
+                <a:gd name="T0" fmla="*/ 91 w 127"/>
+                <a:gd name="T1" fmla="*/ 22 h 86"/>
+                <a:gd name="T2" fmla="*/ 74 w 127"/>
+                <a:gd name="T3" fmla="*/ 56 h 86"/>
+                <a:gd name="T4" fmla="*/ 46 w 127"/>
+                <a:gd name="T5" fmla="*/ 0 h 86"/>
+                <a:gd name="T6" fmla="*/ 41 w 127"/>
+                <a:gd name="T7" fmla="*/ 21 h 86"/>
+                <a:gd name="T8" fmla="*/ 0 w 127"/>
+                <a:gd name="T9" fmla="*/ 21 h 86"/>
+                <a:gd name="T10" fmla="*/ 63 w 127"/>
+                <a:gd name="T11" fmla="*/ 86 h 86"/>
+                <a:gd name="T12" fmla="*/ 127 w 127"/>
+                <a:gd name="T13" fmla="*/ 22 h 86"/>
+                <a:gd name="T14" fmla="*/ 91 w 127"/>
+                <a:gd name="T15" fmla="*/ 22 h 86"/>
+              </a:gdLst>
+              <a:ahLst/>
+              <a:cxnLst>
+                <a:cxn ang="0">
+                  <a:pos x="T0" y="T1"/>
+                </a:cxn>
+                <a:cxn ang="0">
+                  <a:pos x="T2" y="T3"/>
+                </a:cxn>
+                <a:cxn ang="0">
+                  <a:pos x="T4" y="T5"/>
+                </a:cxn>
+                <a:cxn ang="0">
+                  <a:pos x="T6" y="T7"/>
+                </a:cxn>
+                <a:cxn ang="0">
+                  <a:pos x="T8" y="T9"/>
+                </a:cxn>
+                <a:cxn ang="0">
+                  <a:pos x="T10" y="T11"/>
+                </a:cxn>
+                <a:cxn ang="0">
+                  <a:pos x="T12" y="T13"/>
+                </a:cxn>
+                <a:cxn ang="0">
+                  <a:pos x="T14" y="T15"/>
+                </a:cxn>
+              </a:cxnLst>
+              <a:rect l="0" t="0" r="r" b="b"/>
+              <a:pathLst>
+                <a:path w="127" h="86">
+                  <a:moveTo>
+                    <a:pt x="91" y="22"/>
+                  </a:moveTo>
+                  <a:cubicBezTo>
+                    <a:pt x="74" y="56"/>
+                    <a:pt x="74" y="56"/>
+                    <a:pt x="74" y="56"/>
+                  </a:cubicBezTo>
+                  <a:cubicBezTo>
+                    <a:pt x="46" y="0"/>
+                    <a:pt x="46" y="0"/>
+                    <a:pt x="46" y="0"/>
+                  </a:cubicBezTo>
+                  <a:cubicBezTo>
+                    <a:pt x="41" y="21"/>
+                    <a:pt x="41" y="21"/>
+                    <a:pt x="41" y="21"/>
+                  </a:cubicBezTo>
+                  <a:cubicBezTo>
+                    <a:pt x="0" y="21"/>
+                    <a:pt x="0" y="21"/>
+                    <a:pt x="0" y="21"/>
+                  </a:cubicBezTo>
+                  <a:cubicBezTo>
+                    <a:pt x="18" y="55"/>
+                    <a:pt x="54" y="86"/>
+                    <a:pt x="63" y="86"/>
+                  </a:cubicBezTo>
+                  <a:cubicBezTo>
+                    <a:pt x="72" y="86"/>
+                    <a:pt x="108" y="56"/>
+                    <a:pt x="127" y="22"/>
+                  </a:cubicBezTo>
+                  <a:lnTo>
+                    <a:pt x="91" y="22"/>
+                  </a:lnTo>
+                  <a:close/>
+                </a:path>
+              </a:pathLst>
+            </a:custGeom>
+            <a:solidFill>
+              <a:schemeClr val="bg1">
+                <a:lumMod val="75000"/>
+              </a:schemeClr>
+            </a:solidFill>
+            <a:ln>
+              <a:noFill/>
+            </a:ln>
+          </p:spPr>
+          <p:txBody>
+            <a:bodyPr vert="horz" wrap="square" lIns="91440" tIns="45720" rIns="91440" bIns="45720" numCol="1" anchor="t" anchorCtr="0" compatLnSpc="1">
+              <a:prstTxWarp prst="textNoShape">
+                <a:avLst/>
+              </a:prstTxWarp>
+            </a:bodyPr>
+            <a:lstStyle/>
+            <a:p>
+              <a:pPr marL="0" marR="0" lvl="0" indent="0" defTabSz="914400" eaLnBrk="1" fontAlgn="auto" latinLnBrk="0" hangingPunct="1">
+                <a:lnSpc>
+                  <a:spcPct val="100000"/>
+                </a:lnSpc>
+                <a:spcBef>
+                  <a:spcPts val="0"/>
+                </a:spcBef>
+                <a:spcAft>
+                  <a:spcPts val="0"/>
+                </a:spcAft>
+                <a:buClrTx/>
+                <a:buSzTx/>
+                <a:buFontTx/>
+                <a:buNone/>
+                <a:tabLst/>
+                <a:defRPr/>
+              </a:pPr>
+              <a:endParaRPr kumimoji="0" lang="en-IE" sz="1800" b="0" i="0" u="none" strike="noStrike" kern="0" cap="none" spc="0" normalizeH="0" baseline="0" noProof="0">
+                <a:ln>
+                  <a:noFill/>
+                </a:ln>
+                <a:solidFill>
+                  <a:prstClr val="black"/>
+                </a:solidFill>
+                <a:effectLst/>
+                <a:uLnTx/>
+                <a:uFillTx/>
+                <a:latin typeface="Verdana"/>
+              </a:endParaRPr>
+            </a:p>
+          </p:txBody>
+        </p:sp>
+      </p:grpSp>
+      <p:grpSp>
+        <p:nvGrpSpPr>
+          <p:cNvPr id="76" name="Group 75">
+            <a:extLst>
+              <a:ext uri="{FF2B5EF4-FFF2-40B4-BE49-F238E27FC236}">
+                <a16:creationId xmlns:a16="http://schemas.microsoft.com/office/drawing/2014/main" id="{5F6FA382-4915-45F3-92E3-E888ADB2C164}"/>
+              </a:ext>
+            </a:extLst>
+          </p:cNvPr>
+          <p:cNvGrpSpPr/>
+          <p:nvPr/>
+        </p:nvGrpSpPr>
+        <p:grpSpPr>
+          <a:xfrm>
+            <a:off x="1730263" y="2139639"/>
+            <a:ext cx="434327" cy="390765"/>
+            <a:chOff x="8537639" y="3727255"/>
+            <a:chExt cx="851512" cy="792000"/>
+          </a:xfrm>
+        </p:grpSpPr>
+        <p:sp>
+          <p:nvSpPr>
+            <p:cNvPr id="77" name="Freeform 23">
+              <a:extLst>
+                <a:ext uri="{FF2B5EF4-FFF2-40B4-BE49-F238E27FC236}">
+                  <a16:creationId xmlns:a16="http://schemas.microsoft.com/office/drawing/2014/main" id="{8B6ADADC-B54E-4D46-A9E5-B49AC426CE05}"/>
+                </a:ext>
+              </a:extLst>
+            </p:cNvPr>
+            <p:cNvSpPr>
+              <a:spLocks noChangeAspect="1"/>
+            </p:cNvSpPr>
+            <p:nvPr/>
+          </p:nvSpPr>
+          <p:spPr bwMode="auto">
+            <a:xfrm>
+              <a:off x="8537639" y="3727255"/>
+              <a:ext cx="851512" cy="792000"/>
+            </a:xfrm>
+            <a:custGeom>
+              <a:avLst/>
+              <a:gdLst>
+                <a:gd name="T0" fmla="*/ 34 w 233"/>
+                <a:gd name="T1" fmla="*/ 170 h 217"/>
+                <a:gd name="T2" fmla="*/ 56 w 233"/>
+                <a:gd name="T3" fmla="*/ 32 h 217"/>
+                <a:gd name="T4" fmla="*/ 199 w 233"/>
+                <a:gd name="T5" fmla="*/ 52 h 217"/>
+                <a:gd name="T6" fmla="*/ 173 w 233"/>
+                <a:gd name="T7" fmla="*/ 184 h 217"/>
+                <a:gd name="T8" fmla="*/ 34 w 233"/>
+                <a:gd name="T9" fmla="*/ 170 h 217"/>
+              </a:gdLst>
+              <a:ahLst/>
+              <a:cxnLst>
+                <a:cxn ang="0">
+                  <a:pos x="T0" y="T1"/>
+                </a:cxn>
+                <a:cxn ang="0">
+                  <a:pos x="T2" y="T3"/>
+                </a:cxn>
+                <a:cxn ang="0">
+                  <a:pos x="T4" y="T5"/>
+                </a:cxn>
+                <a:cxn ang="0">
+                  <a:pos x="T6" y="T7"/>
+                </a:cxn>
+                <a:cxn ang="0">
+                  <a:pos x="T8" y="T9"/>
+                </a:cxn>
+              </a:cxnLst>
+              <a:rect l="0" t="0" r="r" b="b"/>
+              <a:pathLst>
+                <a:path w="233" h="217">
+                  <a:moveTo>
+                    <a:pt x="34" y="170"/>
+                  </a:moveTo>
+                  <a:cubicBezTo>
+                    <a:pt x="0" y="126"/>
+                    <a:pt x="10" y="65"/>
+                    <a:pt x="56" y="32"/>
+                  </a:cubicBezTo>
+                  <a:cubicBezTo>
+                    <a:pt x="102" y="0"/>
+                    <a:pt x="166" y="9"/>
+                    <a:pt x="199" y="52"/>
+                  </a:cubicBezTo>
+                  <a:cubicBezTo>
+                    <a:pt x="233" y="96"/>
+                    <a:pt x="219" y="152"/>
+                    <a:pt x="173" y="184"/>
+                  </a:cubicBezTo>
+                  <a:cubicBezTo>
+                    <a:pt x="128" y="217"/>
+                    <a:pt x="67" y="213"/>
+                    <a:pt x="34" y="170"/>
+                  </a:cubicBezTo>
+                </a:path>
+              </a:pathLst>
+            </a:custGeom>
+            <a:solidFill>
+              <a:srgbClr val="0070AD"/>
+            </a:solidFill>
+            <a:ln>
+              <a:noFill/>
+            </a:ln>
+            <a:extLst>
+              <a:ext uri="{91240B29-F687-4f45-9708-019B960494DF}">
+                <a14:hiddenLine xmlns="" xmlns:a14="http://schemas.microsoft.com/office/drawing/2010/main" w="9525">
+                  <a:solidFill>
+                    <a:srgbClr val="000000"/>
+                  </a:solidFill>
+                  <a:round/>
+                  <a:headEnd/>
+                  <a:tailEnd/>
+                </a14:hiddenLine>
+              </a:ext>
+            </a:extLst>
+          </p:spPr>
+          <p:txBody>
+            <a:bodyPr vert="horz" wrap="square" lIns="91440" tIns="45720" rIns="91440" bIns="45720" numCol="1" anchor="t" anchorCtr="0" compatLnSpc="1">
+              <a:prstTxWarp prst="textNoShape">
+                <a:avLst/>
+              </a:prstTxWarp>
+            </a:bodyPr>
+            <a:lstStyle/>
+            <a:p>
+              <a:pPr marL="0" marR="0" lvl="0" indent="0" defTabSz="914400" eaLnBrk="1" fontAlgn="auto" latinLnBrk="0" hangingPunct="1">
+                <a:lnSpc>
+                  <a:spcPct val="100000"/>
+                </a:lnSpc>
+                <a:spcBef>
+                  <a:spcPts val="0"/>
+                </a:spcBef>
+                <a:spcAft>
+                  <a:spcPts val="0"/>
+                </a:spcAft>
+                <a:buClrTx/>
+                <a:buSzTx/>
+                <a:buFontTx/>
+                <a:buNone/>
+                <a:tabLst/>
+                <a:defRPr/>
+              </a:pPr>
+              <a:endParaRPr kumimoji="0" lang="en-US" sz="1800" b="0" i="0" u="none" strike="noStrike" kern="0" cap="none" spc="0" normalizeH="0" baseline="0" noProof="0" dirty="0">
+                <a:ln>
+                  <a:noFill/>
+                </a:ln>
+                <a:solidFill>
+                  <a:prstClr val="black"/>
+                </a:solidFill>
+                <a:effectLst/>
+                <a:uLnTx/>
+                <a:uFillTx/>
+                <a:latin typeface="Verdana"/>
+              </a:endParaRPr>
+            </a:p>
+          </p:txBody>
+        </p:sp>
+        <p:grpSp>
+          <p:nvGrpSpPr>
+            <p:cNvPr id="78" name="Group 77">
+              <a:extLst>
+                <a:ext uri="{FF2B5EF4-FFF2-40B4-BE49-F238E27FC236}">
+                  <a16:creationId xmlns:a16="http://schemas.microsoft.com/office/drawing/2014/main" id="{45DF1E09-555E-40AD-B51B-92A7F58EB434}"/>
+                </a:ext>
+              </a:extLst>
+            </p:cNvPr>
+            <p:cNvGrpSpPr/>
+            <p:nvPr/>
+          </p:nvGrpSpPr>
+          <p:grpSpPr>
+            <a:xfrm>
+              <a:off x="8712387" y="3954648"/>
+              <a:ext cx="502016" cy="337214"/>
+              <a:chOff x="4002873" y="2694280"/>
+              <a:chExt cx="502016" cy="337214"/>
+            </a:xfrm>
+          </p:grpSpPr>
+          <p:sp>
+            <p:nvSpPr>
+              <p:cNvPr id="79" name="Rectangle 78">
+                <a:extLst>
+                  <a:ext uri="{FF2B5EF4-FFF2-40B4-BE49-F238E27FC236}">
+                    <a16:creationId xmlns:a16="http://schemas.microsoft.com/office/drawing/2014/main" id="{6FF5C646-553B-4047-AC1D-0B8BA414946B}"/>
+                  </a:ext>
+                </a:extLst>
+              </p:cNvPr>
+              <p:cNvSpPr/>
+              <p:nvPr/>
+            </p:nvSpPr>
+            <p:spPr>
+              <a:xfrm>
+                <a:off x="4002873" y="2900134"/>
+                <a:ext cx="133163" cy="131360"/>
+              </a:xfrm>
+              <a:prstGeom prst="rect">
+                <a:avLst/>
+              </a:prstGeom>
+              <a:solidFill>
+                <a:srgbClr val="12ABDB">
+                  <a:lumMod val="60000"/>
+                  <a:lumOff val="40000"/>
+                </a:srgbClr>
+              </a:solidFill>
+              <a:ln w="19050" cap="flat" cmpd="sng" algn="ctr">
+                <a:noFill/>
+                <a:prstDash val="solid"/>
+                <a:miter lim="800000"/>
+              </a:ln>
+              <a:effectLst/>
+            </p:spPr>
+            <p:txBody>
+              <a:bodyPr rtlCol="0" anchor="ctr"/>
+              <a:lstStyle/>
+              <a:p>
+                <a:pPr marL="0" marR="0" lvl="0" indent="0" algn="ctr" defTabSz="914400" eaLnBrk="1" fontAlgn="auto" latinLnBrk="0" hangingPunct="1">
+                  <a:lnSpc>
+                    <a:spcPct val="100000"/>
+                  </a:lnSpc>
+                  <a:spcBef>
+                    <a:spcPts val="0"/>
+                  </a:spcBef>
+                  <a:spcAft>
+                    <a:spcPts val="0"/>
+                  </a:spcAft>
+                  <a:buClrTx/>
+                  <a:buSzTx/>
+                  <a:buFontTx/>
+                  <a:buNone/>
+                  <a:tabLst/>
+                  <a:defRPr/>
+                </a:pPr>
+                <a:endParaRPr kumimoji="0" lang="en-GB" sz="1400" b="0" i="0" u="none" strike="noStrike" kern="0" cap="none" spc="0" normalizeH="0" baseline="0" noProof="0" dirty="0">
+                  <a:ln>
+                    <a:noFill/>
+                  </a:ln>
+                  <a:solidFill>
+                    <a:prstClr val="black"/>
+                  </a:solidFill>
+                  <a:effectLst/>
+                  <a:uLnTx/>
+                  <a:uFillTx/>
+                  <a:latin typeface="Verdana"/>
+                  <a:ea typeface="+mn-ea"/>
+                  <a:cs typeface="+mn-cs"/>
+                </a:endParaRPr>
+              </a:p>
+            </p:txBody>
+          </p:sp>
+          <p:sp>
+            <p:nvSpPr>
+              <p:cNvPr id="80" name="Rectangle 79">
+                <a:extLst>
+                  <a:ext uri="{FF2B5EF4-FFF2-40B4-BE49-F238E27FC236}">
+                    <a16:creationId xmlns:a16="http://schemas.microsoft.com/office/drawing/2014/main" id="{1CB1DDA6-B9BC-4C8E-A4E6-721378F28EAC}"/>
+                  </a:ext>
+                </a:extLst>
+              </p:cNvPr>
+              <p:cNvSpPr/>
+              <p:nvPr/>
+            </p:nvSpPr>
+            <p:spPr>
+              <a:xfrm>
+                <a:off x="4187300" y="2900134"/>
+                <a:ext cx="133163" cy="131360"/>
+              </a:xfrm>
+              <a:prstGeom prst="rect">
+                <a:avLst/>
+              </a:prstGeom>
+              <a:solidFill>
+                <a:srgbClr val="12ABDB">
+                  <a:lumMod val="60000"/>
+                  <a:lumOff val="40000"/>
+                </a:srgbClr>
+              </a:solidFill>
+              <a:ln w="19050" cap="flat" cmpd="sng" algn="ctr">
+                <a:noFill/>
+                <a:prstDash val="solid"/>
+                <a:miter lim="800000"/>
+              </a:ln>
+              <a:effectLst/>
+            </p:spPr>
+            <p:txBody>
+              <a:bodyPr rtlCol="0" anchor="ctr"/>
+              <a:lstStyle/>
+              <a:p>
+                <a:pPr marL="0" marR="0" lvl="0" indent="0" algn="ctr" defTabSz="914400" eaLnBrk="1" fontAlgn="auto" latinLnBrk="0" hangingPunct="1">
+                  <a:lnSpc>
+                    <a:spcPct val="100000"/>
+                  </a:lnSpc>
+                  <a:spcBef>
+                    <a:spcPts val="0"/>
+                  </a:spcBef>
+                  <a:spcAft>
+                    <a:spcPts val="0"/>
+                  </a:spcAft>
+                  <a:buClrTx/>
+                  <a:buSzTx/>
+                  <a:buFontTx/>
+                  <a:buNone/>
+                  <a:tabLst/>
+                  <a:defRPr/>
+                </a:pPr>
+                <a:endParaRPr kumimoji="0" lang="en-GB" sz="1400" b="0" i="0" u="none" strike="noStrike" kern="0" cap="none" spc="0" normalizeH="0" baseline="0" noProof="0" dirty="0">
+                  <a:ln>
+                    <a:noFill/>
+                  </a:ln>
+                  <a:solidFill>
+                    <a:prstClr val="black"/>
+                  </a:solidFill>
+                  <a:effectLst/>
+                  <a:uLnTx/>
+                  <a:uFillTx/>
+                  <a:latin typeface="Verdana"/>
+                  <a:ea typeface="+mn-ea"/>
+                  <a:cs typeface="+mn-cs"/>
+                </a:endParaRPr>
+              </a:p>
+            </p:txBody>
+          </p:sp>
+          <p:cxnSp>
+            <p:nvCxnSpPr>
+              <p:cNvPr id="81" name="Connector: Elbow 80">
+                <a:extLst>
+                  <a:ext uri="{FF2B5EF4-FFF2-40B4-BE49-F238E27FC236}">
+                    <a16:creationId xmlns:a16="http://schemas.microsoft.com/office/drawing/2014/main" id="{A2B50CA8-51EA-4558-8B45-2DD53AFC0AB9}"/>
+                  </a:ext>
+                </a:extLst>
+              </p:cNvPr>
+              <p:cNvCxnSpPr>
+                <a:cxnSpLocks/>
+                <a:stCxn id="85" idx="2"/>
+                <a:endCxn id="79" idx="0"/>
+              </p:cNvCxnSpPr>
+              <p:nvPr/>
+            </p:nvCxnSpPr>
+            <p:spPr>
+              <a:xfrm rot="5400000">
+                <a:off x="4124423" y="2770674"/>
+                <a:ext cx="74493" cy="184427"/>
+              </a:xfrm>
+              <a:prstGeom prst="bentConnector3">
+                <a:avLst>
+                  <a:gd name="adj1" fmla="val 50000"/>
+                </a:avLst>
+              </a:prstGeom>
+              <a:noFill/>
+              <a:ln w="19050" cap="flat" cmpd="sng" algn="ctr">
+                <a:solidFill>
+                  <a:srgbClr val="FFFFFF"/>
+                </a:solidFill>
+                <a:prstDash val="solid"/>
+                <a:miter lim="800000"/>
+              </a:ln>
+              <a:effectLst/>
+            </p:spPr>
+          </p:cxnSp>
+          <p:cxnSp>
+            <p:nvCxnSpPr>
+              <p:cNvPr id="82" name="Connector: Elbow 81">
+                <a:extLst>
+                  <a:ext uri="{FF2B5EF4-FFF2-40B4-BE49-F238E27FC236}">
+                    <a16:creationId xmlns:a16="http://schemas.microsoft.com/office/drawing/2014/main" id="{C809BDDB-D651-428B-B0FC-4E72A76B8074}"/>
+                  </a:ext>
+                </a:extLst>
+              </p:cNvPr>
+              <p:cNvCxnSpPr>
+                <a:cxnSpLocks/>
+                <a:stCxn id="84" idx="0"/>
+                <a:endCxn id="85" idx="2"/>
+              </p:cNvCxnSpPr>
+              <p:nvPr/>
+            </p:nvCxnSpPr>
+            <p:spPr>
+              <a:xfrm rot="16200000" flipV="1">
+                <a:off x="4308849" y="2770675"/>
+                <a:ext cx="74493" cy="184426"/>
+              </a:xfrm>
+              <a:prstGeom prst="bentConnector3">
+                <a:avLst>
+                  <a:gd name="adj1" fmla="val 50000"/>
+                </a:avLst>
+              </a:prstGeom>
+              <a:noFill/>
+              <a:ln w="19050" cap="flat" cmpd="sng" algn="ctr">
+                <a:solidFill>
+                  <a:srgbClr val="FFFFFF"/>
+                </a:solidFill>
+                <a:prstDash val="solid"/>
+                <a:miter lim="800000"/>
+              </a:ln>
+              <a:effectLst/>
+            </p:spPr>
+          </p:cxnSp>
+          <p:grpSp>
+            <p:nvGrpSpPr>
+              <p:cNvPr id="83" name="Group 82">
+                <a:extLst>
+                  <a:ext uri="{FF2B5EF4-FFF2-40B4-BE49-F238E27FC236}">
+                    <a16:creationId xmlns:a16="http://schemas.microsoft.com/office/drawing/2014/main" id="{33F3B51C-8F41-4D85-8AFD-C88F9040CA06}"/>
+                  </a:ext>
+                </a:extLst>
+              </p:cNvPr>
+              <p:cNvGrpSpPr/>
+              <p:nvPr/>
+            </p:nvGrpSpPr>
+            <p:grpSpPr>
+              <a:xfrm>
+                <a:off x="4187300" y="2694280"/>
+                <a:ext cx="133163" cy="131361"/>
+                <a:chOff x="10864028" y="3749774"/>
+                <a:chExt cx="167141" cy="164880"/>
+              </a:xfrm>
+            </p:grpSpPr>
+            <p:sp>
+              <p:nvSpPr>
+                <p:cNvPr id="85" name="Rectangle 84">
+                  <a:extLst>
+                    <a:ext uri="{FF2B5EF4-FFF2-40B4-BE49-F238E27FC236}">
+                      <a16:creationId xmlns:a16="http://schemas.microsoft.com/office/drawing/2014/main" id="{B6ED5CD8-6A0F-405E-B36D-1AEBF6F8413F}"/>
+                    </a:ext>
+                  </a:extLst>
+                </p:cNvPr>
+                <p:cNvSpPr/>
+                <p:nvPr/>
+              </p:nvSpPr>
+              <p:spPr>
+                <a:xfrm>
+                  <a:off x="10864028" y="3749774"/>
+                  <a:ext cx="167141" cy="164880"/>
+                </a:xfrm>
+                <a:prstGeom prst="rect">
+                  <a:avLst/>
+                </a:prstGeom>
+                <a:solidFill>
+                  <a:srgbClr val="12ABDB">
+                    <a:lumMod val="60000"/>
+                    <a:lumOff val="40000"/>
+                  </a:srgbClr>
+                </a:solidFill>
+                <a:ln w="19050" cap="flat" cmpd="sng" algn="ctr">
+                  <a:noFill/>
+                  <a:prstDash val="solid"/>
+                  <a:miter lim="800000"/>
+                </a:ln>
+                <a:effectLst/>
+              </p:spPr>
+              <p:txBody>
+                <a:bodyPr rtlCol="0" anchor="ctr"/>
+                <a:lstStyle/>
+                <a:p>
+                  <a:pPr marL="0" marR="0" lvl="0" indent="0" algn="ctr" defTabSz="914400" eaLnBrk="1" fontAlgn="auto" latinLnBrk="0" hangingPunct="1">
+                    <a:lnSpc>
+                      <a:spcPct val="100000"/>
+                    </a:lnSpc>
+                    <a:spcBef>
+                      <a:spcPts val="0"/>
+                    </a:spcBef>
+                    <a:spcAft>
+                      <a:spcPts val="0"/>
+                    </a:spcAft>
+                    <a:buClrTx/>
+                    <a:buSzTx/>
+                    <a:buFontTx/>
+                    <a:buNone/>
+                    <a:tabLst/>
+                    <a:defRPr/>
+                  </a:pPr>
+                  <a:endParaRPr kumimoji="0" lang="en-GB" sz="1400" b="0" i="0" u="none" strike="noStrike" kern="0" cap="none" spc="0" normalizeH="0" baseline="0" noProof="0" dirty="0">
+                    <a:ln>
+                      <a:noFill/>
+                    </a:ln>
+                    <a:solidFill>
+                      <a:prstClr val="black"/>
+                    </a:solidFill>
+                    <a:effectLst/>
+                    <a:uLnTx/>
+                    <a:uFillTx/>
+                    <a:latin typeface="Verdana"/>
+                    <a:ea typeface="+mn-ea"/>
+                    <a:cs typeface="+mn-cs"/>
+                  </a:endParaRPr>
+                </a:p>
+              </p:txBody>
+            </p:sp>
+            <p:grpSp>
+              <p:nvGrpSpPr>
+                <p:cNvPr id="86" name="Group 85">
+                  <a:extLst>
+                    <a:ext uri="{FF2B5EF4-FFF2-40B4-BE49-F238E27FC236}">
+                      <a16:creationId xmlns:a16="http://schemas.microsoft.com/office/drawing/2014/main" id="{AF208DCC-7965-4C52-A0BF-32070BAD9408}"/>
+                    </a:ext>
+                  </a:extLst>
+                </p:cNvPr>
+                <p:cNvGrpSpPr/>
+                <p:nvPr/>
+              </p:nvGrpSpPr>
+              <p:grpSpPr>
+                <a:xfrm>
+                  <a:off x="10902356" y="3774231"/>
+                  <a:ext cx="90484" cy="115963"/>
+                  <a:chOff x="7539610" y="5078000"/>
+                  <a:chExt cx="347193" cy="451069"/>
+                </a:xfrm>
+              </p:grpSpPr>
+              <p:sp>
+                <p:nvSpPr>
+                  <p:cNvPr id="87" name="Freeform 8">
+                    <a:extLst>
+                      <a:ext uri="{FF2B5EF4-FFF2-40B4-BE49-F238E27FC236}">
+                        <a16:creationId xmlns:a16="http://schemas.microsoft.com/office/drawing/2014/main" id="{4E288851-21F9-4F8B-BFF2-61724C4C33DE}"/>
+                      </a:ext>
+                    </a:extLst>
+                  </p:cNvPr>
+                  <p:cNvSpPr>
+                    <a:spLocks/>
+                  </p:cNvSpPr>
+                  <p:nvPr/>
+                </p:nvSpPr>
+                <p:spPr bwMode="auto">
+                  <a:xfrm>
+                    <a:off x="7621303" y="5078000"/>
+                    <a:ext cx="185568" cy="200710"/>
+                  </a:xfrm>
+                  <a:custGeom>
+                    <a:avLst/>
+                    <a:gdLst>
+                      <a:gd name="T0" fmla="*/ 105 w 197"/>
+                      <a:gd name="T1" fmla="*/ 209 h 213"/>
+                      <a:gd name="T2" fmla="*/ 196 w 197"/>
+                      <a:gd name="T3" fmla="*/ 100 h 213"/>
+                      <a:gd name="T4" fmla="*/ 99 w 197"/>
+                      <a:gd name="T5" fmla="*/ 4 h 213"/>
+                      <a:gd name="T6" fmla="*/ 2 w 197"/>
+                      <a:gd name="T7" fmla="*/ 113 h 213"/>
+                      <a:gd name="T8" fmla="*/ 105 w 197"/>
+                      <a:gd name="T9" fmla="*/ 209 h 213"/>
+                    </a:gdLst>
+                    <a:ahLst/>
+                    <a:cxnLst>
+                      <a:cxn ang="0">
+                        <a:pos x="T0" y="T1"/>
+                      </a:cxn>
+                      <a:cxn ang="0">
+                        <a:pos x="T2" y="T3"/>
+                      </a:cxn>
+                      <a:cxn ang="0">
+                        <a:pos x="T4" y="T5"/>
+                      </a:cxn>
+                      <a:cxn ang="0">
+                        <a:pos x="T6" y="T7"/>
+                      </a:cxn>
+                      <a:cxn ang="0">
+                        <a:pos x="T8" y="T9"/>
+                      </a:cxn>
+                    </a:cxnLst>
+                    <a:rect l="0" t="0" r="r" b="b"/>
+                    <a:pathLst>
+                      <a:path w="197" h="213">
+                        <a:moveTo>
+                          <a:pt x="105" y="209"/>
+                        </a:moveTo>
+                        <a:cubicBezTo>
+                          <a:pt x="160" y="205"/>
+                          <a:pt x="197" y="156"/>
+                          <a:pt x="196" y="100"/>
+                        </a:cubicBezTo>
+                        <a:cubicBezTo>
+                          <a:pt x="194" y="43"/>
+                          <a:pt x="154" y="0"/>
+                          <a:pt x="99" y="4"/>
+                        </a:cubicBezTo>
+                        <a:cubicBezTo>
+                          <a:pt x="44" y="8"/>
+                          <a:pt x="0" y="57"/>
+                          <a:pt x="2" y="113"/>
+                        </a:cubicBezTo>
+                        <a:cubicBezTo>
+                          <a:pt x="3" y="170"/>
+                          <a:pt x="50" y="213"/>
+                          <a:pt x="105" y="209"/>
+                        </a:cubicBezTo>
+                      </a:path>
+                    </a:pathLst>
+                  </a:custGeom>
+                  <a:solidFill>
+                    <a:srgbClr val="FFFFFF"/>
+                  </a:solidFill>
+                  <a:ln>
+                    <a:noFill/>
+                  </a:ln>
+                  <a:extLst>
+                    <a:ext uri="{91240B29-F687-4f45-9708-019B960494DF}">
+                      <a14:hiddenLine xmlns="" xmlns:a14="http://schemas.microsoft.com/office/drawing/2010/main" w="9525">
+                        <a:solidFill>
+                          <a:srgbClr val="000000"/>
+                        </a:solidFill>
+                        <a:round/>
+                        <a:headEnd/>
+                        <a:tailEnd/>
+                      </a14:hiddenLine>
+                    </a:ext>
+                  </a:extLst>
+                </p:spPr>
+                <p:txBody>
+                  <a:bodyPr vert="horz" wrap="square" lIns="91440" tIns="45720" rIns="91440" bIns="45720" numCol="1" anchor="t" anchorCtr="0" compatLnSpc="1">
+                    <a:prstTxWarp prst="textNoShape">
+                      <a:avLst/>
+                    </a:prstTxWarp>
+                  </a:bodyPr>
+                  <a:lstStyle/>
+                  <a:p>
+                    <a:pPr marL="0" marR="0" lvl="0" indent="0" defTabSz="914400" eaLnBrk="1" fontAlgn="auto" latinLnBrk="0" hangingPunct="1">
+                      <a:lnSpc>
+                        <a:spcPct val="100000"/>
+                      </a:lnSpc>
+                      <a:spcBef>
+                        <a:spcPts val="0"/>
+                      </a:spcBef>
+                      <a:spcAft>
+                        <a:spcPts val="0"/>
+                      </a:spcAft>
+                      <a:buClrTx/>
+                      <a:buSzTx/>
+                      <a:buFontTx/>
+                      <a:buNone/>
+                      <a:tabLst/>
+                      <a:defRPr/>
+                    </a:pPr>
+                    <a:endParaRPr kumimoji="0" lang="pt-PT" sz="1800" b="0" i="0" u="none" strike="noStrike" kern="0" cap="none" spc="0" normalizeH="0" baseline="0" noProof="0">
+                      <a:ln>
+                        <a:noFill/>
+                      </a:ln>
+                      <a:solidFill>
+                        <a:prstClr val="black"/>
+                      </a:solidFill>
+                      <a:effectLst/>
+                      <a:uLnTx/>
+                      <a:uFillTx/>
+                      <a:latin typeface="Verdana"/>
+                    </a:endParaRPr>
+                  </a:p>
+                </p:txBody>
+              </p:sp>
+              <p:sp>
+                <p:nvSpPr>
+                  <p:cNvPr id="88" name="Freeform 9">
+                    <a:extLst>
+                      <a:ext uri="{FF2B5EF4-FFF2-40B4-BE49-F238E27FC236}">
+                        <a16:creationId xmlns:a16="http://schemas.microsoft.com/office/drawing/2014/main" id="{DFC98AE8-7C7E-4264-957D-62A48DE46A9D}"/>
+                      </a:ext>
+                    </a:extLst>
+                  </p:cNvPr>
+                  <p:cNvSpPr>
+                    <a:spLocks/>
+                  </p:cNvSpPr>
+                  <p:nvPr/>
+                </p:nvSpPr>
+                <p:spPr bwMode="auto">
+                  <a:xfrm>
+                    <a:off x="7539610" y="5301246"/>
+                    <a:ext cx="347193" cy="227823"/>
+                  </a:xfrm>
+                  <a:custGeom>
+                    <a:avLst/>
+                    <a:gdLst>
+                      <a:gd name="T0" fmla="*/ 1 w 369"/>
+                      <a:gd name="T1" fmla="*/ 207 h 242"/>
+                      <a:gd name="T2" fmla="*/ 5 w 369"/>
+                      <a:gd name="T3" fmla="*/ 162 h 242"/>
+                      <a:gd name="T4" fmla="*/ 137 w 369"/>
+                      <a:gd name="T5" fmla="*/ 28 h 242"/>
+                      <a:gd name="T6" fmla="*/ 356 w 369"/>
+                      <a:gd name="T7" fmla="*/ 131 h 242"/>
+                      <a:gd name="T8" fmla="*/ 304 w 369"/>
+                      <a:gd name="T9" fmla="*/ 218 h 242"/>
+                      <a:gd name="T10" fmla="*/ 1 w 369"/>
+                      <a:gd name="T11" fmla="*/ 207 h 242"/>
+                    </a:gdLst>
+                    <a:ahLst/>
+                    <a:cxnLst>
+                      <a:cxn ang="0">
+                        <a:pos x="T0" y="T1"/>
+                      </a:cxn>
+                      <a:cxn ang="0">
+                        <a:pos x="T2" y="T3"/>
+                      </a:cxn>
+                      <a:cxn ang="0">
+                        <a:pos x="T4" y="T5"/>
+                      </a:cxn>
+                      <a:cxn ang="0">
+                        <a:pos x="T6" y="T7"/>
+                      </a:cxn>
+                      <a:cxn ang="0">
+                        <a:pos x="T8" y="T9"/>
+                      </a:cxn>
+                      <a:cxn ang="0">
+                        <a:pos x="T10" y="T11"/>
+                      </a:cxn>
+                    </a:cxnLst>
+                    <a:rect l="0" t="0" r="r" b="b"/>
+                    <a:pathLst>
+                      <a:path w="369" h="242">
+                        <a:moveTo>
+                          <a:pt x="1" y="207"/>
+                        </a:moveTo>
+                        <a:cubicBezTo>
+                          <a:pt x="0" y="193"/>
+                          <a:pt x="2" y="178"/>
+                          <a:pt x="5" y="162"/>
+                        </a:cubicBezTo>
+                        <a:cubicBezTo>
+                          <a:pt x="20" y="95"/>
+                          <a:pt x="72" y="42"/>
+                          <a:pt x="137" y="28"/>
+                        </a:cubicBezTo>
+                        <a:cubicBezTo>
+                          <a:pt x="260" y="0"/>
+                          <a:pt x="333" y="62"/>
+                          <a:pt x="356" y="131"/>
+                        </a:cubicBezTo>
+                        <a:cubicBezTo>
+                          <a:pt x="369" y="170"/>
+                          <a:pt x="344" y="212"/>
+                          <a:pt x="304" y="218"/>
+                        </a:cubicBezTo>
+                        <a:cubicBezTo>
+                          <a:pt x="165" y="242"/>
+                          <a:pt x="85" y="203"/>
+                          <a:pt x="1" y="207"/>
+                        </a:cubicBezTo>
+                      </a:path>
+                    </a:pathLst>
+                  </a:custGeom>
+                  <a:solidFill>
+                    <a:srgbClr val="FFFFFF"/>
+                  </a:solidFill>
+                  <a:ln>
+                    <a:noFill/>
+                  </a:ln>
+                  <a:extLst>
+                    <a:ext uri="{91240B29-F687-4f45-9708-019B960494DF}">
+                      <a14:hiddenLine xmlns="" xmlns:a14="http://schemas.microsoft.com/office/drawing/2010/main" w="9525">
+                        <a:solidFill>
+                          <a:srgbClr val="000000"/>
+                        </a:solidFill>
+                        <a:round/>
+                        <a:headEnd/>
+                        <a:tailEnd/>
+                      </a14:hiddenLine>
+                    </a:ext>
+                  </a:extLst>
+                </p:spPr>
+                <p:txBody>
+                  <a:bodyPr vert="horz" wrap="square" lIns="91440" tIns="45720" rIns="91440" bIns="45720" numCol="1" anchor="t" anchorCtr="0" compatLnSpc="1">
+                    <a:prstTxWarp prst="textNoShape">
+                      <a:avLst/>
+                    </a:prstTxWarp>
+                  </a:bodyPr>
+                  <a:lstStyle/>
+                  <a:p>
+                    <a:pPr marL="0" marR="0" lvl="0" indent="0" defTabSz="914400" eaLnBrk="1" fontAlgn="auto" latinLnBrk="0" hangingPunct="1">
+                      <a:lnSpc>
+                        <a:spcPct val="100000"/>
+                      </a:lnSpc>
+                      <a:spcBef>
+                        <a:spcPts val="0"/>
+                      </a:spcBef>
+                      <a:spcAft>
+                        <a:spcPts val="0"/>
+                      </a:spcAft>
+                      <a:buClrTx/>
+                      <a:buSzTx/>
+                      <a:buFontTx/>
+                      <a:buNone/>
+                      <a:tabLst/>
+                      <a:defRPr/>
+                    </a:pPr>
+                    <a:endParaRPr kumimoji="0" lang="pt-PT" sz="1800" b="0" i="0" u="none" strike="noStrike" kern="0" cap="none" spc="0" normalizeH="0" baseline="0" noProof="0">
+                      <a:ln>
+                        <a:noFill/>
+                      </a:ln>
+                      <a:solidFill>
+                        <a:prstClr val="black"/>
+                      </a:solidFill>
+                      <a:effectLst/>
+                      <a:uLnTx/>
+                      <a:uFillTx/>
+                      <a:latin typeface="Verdana"/>
+                    </a:endParaRPr>
+                  </a:p>
+                </p:txBody>
+              </p:sp>
+            </p:grpSp>
+          </p:grpSp>
+          <p:sp>
+            <p:nvSpPr>
+              <p:cNvPr id="84" name="Rectangle 83">
+                <a:extLst>
+                  <a:ext uri="{FF2B5EF4-FFF2-40B4-BE49-F238E27FC236}">
+                    <a16:creationId xmlns:a16="http://schemas.microsoft.com/office/drawing/2014/main" id="{F17631DF-F224-4460-924E-C52652B29D58}"/>
+                  </a:ext>
+                </a:extLst>
+              </p:cNvPr>
+              <p:cNvSpPr/>
+              <p:nvPr/>
+            </p:nvSpPr>
+            <p:spPr>
+              <a:xfrm>
+                <a:off x="4371726" y="2900134"/>
+                <a:ext cx="133163" cy="131360"/>
+              </a:xfrm>
+              <a:prstGeom prst="rect">
+                <a:avLst/>
+              </a:prstGeom>
+              <a:solidFill>
+                <a:srgbClr val="12ABDB">
+                  <a:lumMod val="60000"/>
+                  <a:lumOff val="40000"/>
+                </a:srgbClr>
+              </a:solidFill>
+              <a:ln w="19050" cap="flat" cmpd="sng" algn="ctr">
+                <a:noFill/>
+                <a:prstDash val="solid"/>
+                <a:miter lim="800000"/>
+              </a:ln>
+              <a:effectLst/>
+            </p:spPr>
+            <p:txBody>
+              <a:bodyPr rtlCol="0" anchor="ctr"/>
+              <a:lstStyle/>
+              <a:p>
+                <a:pPr marL="0" marR="0" lvl="0" indent="0" algn="ctr" defTabSz="914400" eaLnBrk="1" fontAlgn="auto" latinLnBrk="0" hangingPunct="1">
+                  <a:lnSpc>
+                    <a:spcPct val="100000"/>
+                  </a:lnSpc>
+                  <a:spcBef>
+                    <a:spcPts val="0"/>
+                  </a:spcBef>
+                  <a:spcAft>
+                    <a:spcPts val="0"/>
+                  </a:spcAft>
+                  <a:buClrTx/>
+                  <a:buSzTx/>
+                  <a:buFontTx/>
+                  <a:buNone/>
+                  <a:tabLst/>
+                  <a:defRPr/>
+                </a:pPr>
+                <a:endParaRPr kumimoji="0" lang="en-GB" sz="1400" b="0" i="0" u="none" strike="noStrike" kern="0" cap="none" spc="0" normalizeH="0" baseline="0" noProof="0" dirty="0">
+                  <a:ln>
+                    <a:noFill/>
+                  </a:ln>
+                  <a:solidFill>
+                    <a:prstClr val="black"/>
+                  </a:solidFill>
+                  <a:effectLst/>
+                  <a:uLnTx/>
+                  <a:uFillTx/>
+                  <a:latin typeface="Verdana"/>
+                  <a:ea typeface="+mn-ea"/>
+                  <a:cs typeface="+mn-cs"/>
+                </a:endParaRPr>
+              </a:p>
+            </p:txBody>
+          </p:sp>
+        </p:grpSp>
+      </p:grpSp>
+      <p:sp>
+        <p:nvSpPr>
+          <p:cNvPr id="89" name="Speech Bubble: Rectangle with Corners Rounded 88">
+            <a:extLst>
+              <a:ext uri="{FF2B5EF4-FFF2-40B4-BE49-F238E27FC236}">
+                <a16:creationId xmlns:a16="http://schemas.microsoft.com/office/drawing/2014/main" id="{8C01CBE2-648D-4D5F-A617-6F58BD3F432A}"/>
+              </a:ext>
+            </a:extLst>
+          </p:cNvPr>
+          <p:cNvSpPr/>
+          <p:nvPr/>
+        </p:nvSpPr>
+        <p:spPr>
+          <a:xfrm>
+            <a:off x="7773019" y="5373216"/>
+            <a:ext cx="3219525" cy="799087"/>
+          </a:xfrm>
+          <a:prstGeom prst="wedgeRoundRectCallout">
+            <a:avLst>
+              <a:gd name="adj1" fmla="val -20098"/>
+              <a:gd name="adj2" fmla="val -101957"/>
+              <a:gd name="adj3" fmla="val 16667"/>
+            </a:avLst>
+          </a:prstGeom>
+          <a:solidFill>
+            <a:srgbClr val="C00000"/>
+          </a:solidFill>
+          <a:ln>
+            <a:solidFill>
+              <a:srgbClr val="C00000"/>
+            </a:solidFill>
+          </a:ln>
+        </p:spPr>
+        <p:style>
+          <a:lnRef idx="2">
+            <a:schemeClr val="accent1">
+              <a:shade val="50000"/>
+            </a:schemeClr>
+          </a:lnRef>
+          <a:fillRef idx="1">
+            <a:schemeClr val="accent1"/>
+          </a:fillRef>
+          <a:effectRef idx="0">
+            <a:schemeClr val="accent1"/>
+          </a:effectRef>
+          <a:fontRef idx="minor">
+            <a:schemeClr val="lt1"/>
+          </a:fontRef>
+        </p:style>
+        <p:txBody>
+          <a:bodyPr rtlCol="0" anchor="ctr"/>
+          <a:lstStyle/>
+          <a:p>
+            <a:pPr marL="0" marR="0" lvl="0" indent="0" algn="l" defTabSz="914400" rtl="0" eaLnBrk="1" fontAlgn="auto" latinLnBrk="0" hangingPunct="1">
+              <a:lnSpc>
+                <a:spcPct val="100000"/>
+              </a:lnSpc>
+              <a:spcBef>
+                <a:spcPts val="0"/>
+              </a:spcBef>
+              <a:spcAft>
+                <a:spcPts val="0"/>
+              </a:spcAft>
+              <a:buClrTx/>
+              <a:buSzTx/>
+              <a:buFontTx/>
+              <a:buNone/>
+              <a:tabLst/>
+              <a:defRPr/>
+            </a:pPr>
+            <a:r>
+              <a:rPr kumimoji="0" lang="de-DE" sz="1800" b="1" i="0" u="none" strike="noStrike" kern="1200" cap="none" spc="0" normalizeH="0" baseline="0" noProof="0" dirty="0" err="1">
+                <a:ln>
+                  <a:noFill/>
+                </a:ln>
+                <a:solidFill>
+                  <a:prstClr val="white"/>
+                </a:solidFill>
+                <a:effectLst/>
+                <a:uLnTx/>
+                <a:uFillTx/>
+                <a:latin typeface="Calibri" panose="020F0502020204030204"/>
+                <a:ea typeface="+mn-ea"/>
+                <a:cs typeface="+mn-cs"/>
+              </a:rPr>
+              <a:t>Modelling</a:t>
+            </a:r>
+            <a:r>
+              <a:rPr kumimoji="0" lang="de-DE" sz="1800" b="1" i="0" u="none" strike="noStrike" kern="1200" cap="none" spc="0" normalizeH="0" baseline="0" noProof="0" dirty="0">
+                <a:ln>
+                  <a:noFill/>
+                </a:ln>
+                <a:solidFill>
+                  <a:prstClr val="white"/>
+                </a:solidFill>
+                <a:effectLst/>
+                <a:uLnTx/>
+                <a:uFillTx/>
+                <a:latin typeface="Calibri" panose="020F0502020204030204"/>
+                <a:ea typeface="+mn-ea"/>
+                <a:cs typeface="+mn-cs"/>
+              </a:rPr>
+              <a:t> Environments</a:t>
+            </a:r>
+            <a:r>
+              <a:rPr kumimoji="0" lang="de-DE" sz="1800" b="0" i="0" u="none" strike="noStrike" kern="1200" cap="none" spc="0" normalizeH="0" baseline="0" noProof="0" dirty="0">
+                <a:ln>
+                  <a:noFill/>
+                </a:ln>
+                <a:solidFill>
+                  <a:prstClr val="white"/>
+                </a:solidFill>
+                <a:effectLst/>
+                <a:uLnTx/>
+                <a:uFillTx/>
+                <a:latin typeface="Calibri" panose="020F0502020204030204"/>
+                <a:ea typeface="+mn-ea"/>
+                <a:cs typeface="+mn-cs"/>
+              </a:rPr>
+              <a:t> via </a:t>
+            </a:r>
+            <a:r>
+              <a:rPr kumimoji="0" lang="de-DE" sz="1800" b="0" i="0" u="none" strike="noStrike" kern="1200" cap="none" spc="0" normalizeH="0" baseline="0" noProof="0" dirty="0" err="1">
+                <a:ln>
+                  <a:noFill/>
+                </a:ln>
+                <a:solidFill>
+                  <a:prstClr val="white"/>
+                </a:solidFill>
+                <a:effectLst/>
+                <a:uLnTx/>
+                <a:uFillTx/>
+                <a:latin typeface="Calibri" panose="020F0502020204030204"/>
+                <a:ea typeface="+mn-ea"/>
+                <a:cs typeface="+mn-cs"/>
+              </a:rPr>
+              <a:t>subscriptions</a:t>
+            </a:r>
+            <a:r>
+              <a:rPr kumimoji="0" lang="de-DE" sz="1800" b="0" i="0" u="none" strike="noStrike" kern="1200" cap="none" spc="0" normalizeH="0" baseline="0" noProof="0" dirty="0">
+                <a:ln>
+                  <a:noFill/>
+                </a:ln>
+                <a:solidFill>
+                  <a:prstClr val="white"/>
+                </a:solidFill>
+                <a:effectLst/>
+                <a:uLnTx/>
+                <a:uFillTx/>
+                <a:latin typeface="Calibri" panose="020F0502020204030204"/>
+                <a:ea typeface="+mn-ea"/>
+                <a:cs typeface="+mn-cs"/>
+              </a:rPr>
+              <a:t>, </a:t>
+            </a:r>
+            <a:r>
+              <a:rPr kumimoji="0" lang="de-DE" sz="1800" b="0" i="0" u="none" strike="noStrike" kern="1200" cap="none" spc="0" normalizeH="0" baseline="0" noProof="0" dirty="0" err="1">
+                <a:ln>
+                  <a:noFill/>
+                </a:ln>
+                <a:solidFill>
+                  <a:prstClr val="white"/>
+                </a:solidFill>
+                <a:effectLst/>
+                <a:uLnTx/>
+                <a:uFillTx/>
+                <a:latin typeface="Calibri" panose="020F0502020204030204"/>
+                <a:ea typeface="+mn-ea"/>
+                <a:cs typeface="+mn-cs"/>
+              </a:rPr>
+              <a:t>management</a:t>
+            </a:r>
+            <a:r>
+              <a:rPr kumimoji="0" lang="de-DE" sz="1800" b="0" i="0" u="none" strike="noStrike" kern="1200" cap="none" spc="0" normalizeH="0" baseline="0" noProof="0" dirty="0">
+                <a:ln>
+                  <a:noFill/>
+                </a:ln>
+                <a:solidFill>
+                  <a:prstClr val="white"/>
+                </a:solidFill>
+                <a:effectLst/>
+                <a:uLnTx/>
+                <a:uFillTx/>
+                <a:latin typeface="Calibri" panose="020F0502020204030204"/>
+                <a:ea typeface="+mn-ea"/>
+                <a:cs typeface="+mn-cs"/>
+              </a:rPr>
+              <a:t> </a:t>
+            </a:r>
+            <a:r>
+              <a:rPr kumimoji="0" lang="de-DE" sz="1800" b="0" i="0" u="none" strike="noStrike" kern="1200" cap="none" spc="0" normalizeH="0" baseline="0" noProof="0" dirty="0" err="1">
+                <a:ln>
+                  <a:noFill/>
+                </a:ln>
+                <a:solidFill>
+                  <a:prstClr val="white"/>
+                </a:solidFill>
+                <a:effectLst/>
+                <a:uLnTx/>
+                <a:uFillTx/>
+                <a:latin typeface="Calibri" panose="020F0502020204030204"/>
+                <a:ea typeface="+mn-ea"/>
+                <a:cs typeface="+mn-cs"/>
+              </a:rPr>
+              <a:t>groups</a:t>
+            </a:r>
+            <a:r>
+              <a:rPr kumimoji="0" lang="de-DE" sz="1800" b="0" i="0" u="none" strike="noStrike" kern="1200" cap="none" spc="0" normalizeH="0" baseline="0" noProof="0" dirty="0">
+                <a:ln>
+                  <a:noFill/>
+                </a:ln>
+                <a:solidFill>
+                  <a:prstClr val="white"/>
+                </a:solidFill>
+                <a:effectLst/>
+                <a:uLnTx/>
+                <a:uFillTx/>
+                <a:latin typeface="Calibri" panose="020F0502020204030204"/>
+                <a:ea typeface="+mn-ea"/>
+                <a:cs typeface="+mn-cs"/>
+              </a:rPr>
+              <a:t> </a:t>
+            </a:r>
+            <a:r>
+              <a:rPr kumimoji="0" lang="de-DE" sz="1800" b="0" i="0" u="none" strike="noStrike" kern="1200" cap="none" spc="0" normalizeH="0" baseline="0" noProof="0" dirty="0" err="1">
+                <a:ln>
+                  <a:noFill/>
+                </a:ln>
+                <a:solidFill>
+                  <a:prstClr val="white"/>
+                </a:solidFill>
+                <a:effectLst/>
+                <a:uLnTx/>
+                <a:uFillTx/>
+                <a:latin typeface="Calibri" panose="020F0502020204030204"/>
+                <a:ea typeface="+mn-ea"/>
+                <a:cs typeface="+mn-cs"/>
+              </a:rPr>
+              <a:t>and</a:t>
+            </a:r>
+            <a:r>
+              <a:rPr kumimoji="0" lang="de-DE" sz="1800" b="0" i="0" u="none" strike="noStrike" kern="1200" cap="none" spc="0" normalizeH="0" baseline="0" noProof="0" dirty="0">
+                <a:ln>
+                  <a:noFill/>
+                </a:ln>
+                <a:solidFill>
+                  <a:prstClr val="white"/>
+                </a:solidFill>
+                <a:effectLst/>
+                <a:uLnTx/>
+                <a:uFillTx/>
+                <a:latin typeface="Calibri" panose="020F0502020204030204"/>
+                <a:ea typeface="+mn-ea"/>
+                <a:cs typeface="+mn-cs"/>
+              </a:rPr>
+              <a:t> </a:t>
+            </a:r>
+            <a:r>
+              <a:rPr kumimoji="0" lang="de-DE" sz="1800" b="0" i="0" u="none" strike="noStrike" kern="1200" cap="none" spc="0" normalizeH="0" baseline="0" noProof="0" dirty="0" err="1">
+                <a:ln>
+                  <a:noFill/>
+                </a:ln>
+                <a:solidFill>
+                  <a:prstClr val="white"/>
+                </a:solidFill>
+                <a:effectLst/>
+                <a:uLnTx/>
+                <a:uFillTx/>
+                <a:latin typeface="Calibri" panose="020F0502020204030204"/>
+                <a:ea typeface="+mn-ea"/>
+                <a:cs typeface="+mn-cs"/>
+              </a:rPr>
+              <a:t>resource</a:t>
+            </a:r>
+            <a:r>
+              <a:rPr kumimoji="0" lang="de-DE" sz="1800" b="0" i="0" u="none" strike="noStrike" kern="1200" cap="none" spc="0" normalizeH="0" baseline="0" noProof="0" dirty="0">
+                <a:ln>
+                  <a:noFill/>
+                </a:ln>
+                <a:solidFill>
+                  <a:prstClr val="white"/>
+                </a:solidFill>
+                <a:effectLst/>
+                <a:uLnTx/>
+                <a:uFillTx/>
+                <a:latin typeface="Calibri" panose="020F0502020204030204"/>
+                <a:ea typeface="+mn-ea"/>
+                <a:cs typeface="+mn-cs"/>
+              </a:rPr>
+              <a:t> </a:t>
+            </a:r>
+            <a:r>
+              <a:rPr kumimoji="0" lang="de-DE" sz="1800" b="0" i="0" u="none" strike="noStrike" kern="1200" cap="none" spc="0" normalizeH="0" baseline="0" noProof="0" dirty="0" err="1">
+                <a:ln>
+                  <a:noFill/>
+                </a:ln>
+                <a:solidFill>
+                  <a:prstClr val="white"/>
+                </a:solidFill>
+                <a:effectLst/>
+                <a:uLnTx/>
+                <a:uFillTx/>
+                <a:latin typeface="Calibri" panose="020F0502020204030204"/>
+                <a:ea typeface="+mn-ea"/>
+                <a:cs typeface="+mn-cs"/>
+              </a:rPr>
+              <a:t>groups</a:t>
+            </a:r>
+            <a:endParaRPr kumimoji="0" lang="de-DE" sz="1800" b="0" i="0" u="none" strike="noStrike" kern="1200" cap="none" spc="0" normalizeH="0" baseline="0" noProof="0" dirty="0">
+              <a:ln>
+                <a:noFill/>
+              </a:ln>
+              <a:solidFill>
+                <a:prstClr val="white"/>
+              </a:solidFill>
+              <a:effectLst/>
+              <a:uLnTx/>
+              <a:uFillTx/>
+              <a:latin typeface="Calibri" panose="020F0502020204030204"/>
+              <a:ea typeface="+mn-ea"/>
+              <a:cs typeface="+mn-cs"/>
+            </a:endParaRPr>
+          </a:p>
+        </p:txBody>
+      </p:sp>
+    </p:spTree>
+    <p:extLst>
+      <p:ext uri="{BB962C8B-B14F-4D97-AF65-F5344CB8AC3E}">
+        <p14:creationId xmlns:p14="http://schemas.microsoft.com/office/powerpoint/2010/main" val="4238919963"/>
+      </p:ext>
+    </p:extLst>
+  </p:cSld>
+  <p:clrMapOvr>
+    <a:masterClrMapping/>
+  </p:clrMapOvr>
+</p:sld>
+</file>
+
+<file path=ppt/slides/slide3.xml><?xml version="1.0" encoding="utf-8"?>
 <p:sld xmlns:a="http://schemas.openxmlformats.org/drawingml/2006/main" xmlns:r="http://schemas.openxmlformats.org/officeDocument/2006/relationships" xmlns:p="http://schemas.openxmlformats.org/presentationml/2006/main">
   <p:cSld>
     <p:spTree>
